--- a/Session3_Version_Control/Session3_Version_Control.pptx
+++ b/Session3_Version_Control/Session3_Version_Control.pptx
@@ -303,7 +303,7 @@
       <p15:notesGuideLst xmlns:p15="http://schemas.microsoft.com/office/powerpoint/2012/main"/>
     </p:ext>
     <p:ext uri="http://customooxmlschemas.google.com/">
-      <go:slidesCustomData xmlns="" xmlns:mc="http://schemas.openxmlformats.org/markup-compatibility/2006" xmlns:mv="urn:schemas-microsoft-com:mac:vml" xmlns:c="http://schemas.openxmlformats.org/drawingml/2006/chart" xmlns:dgm="http://schemas.openxmlformats.org/drawingml/2006/diagram" xmlns:o="urn:schemas-microsoft-com:office:office" xmlns:v="urn:schemas-microsoft-com:vml" xmlns:pvml="urn:schemas-microsoft-com:office:powerpoint" xmlns:com="http://schemas.openxmlformats.org/drawingml/2006/compatibility" xmlns:p14="http://schemas.microsoft.com/office/powerpoint/2010/main" xmlns:p15="http://schemas.microsoft.com/office/powerpoint/2012/main" xmlns:ahyp="http://schemas.microsoft.com/office/drawing/2018/hyperlinkcolor" xmlns:go="http://customooxmlschemas.google.com/" r:id="rId39" roundtripDataSignature="AMtx7mgJb/dxg8SBACTioISI2Z3PoJo6hg=="/>
+      <go:slidesCustomData xmlns:go="http://customooxmlschemas.google.com/" xmlns:ahyp="http://schemas.microsoft.com/office/drawing/2018/hyperlinkcolor" xmlns:p15="http://schemas.microsoft.com/office/powerpoint/2012/main" xmlns:p14="http://schemas.microsoft.com/office/powerpoint/2010/main" xmlns:com="http://schemas.openxmlformats.org/drawingml/2006/compatibility" xmlns:pvml="urn:schemas-microsoft-com:office:powerpoint" xmlns:v="urn:schemas-microsoft-com:vml" xmlns:o="urn:schemas-microsoft-com:office:office" xmlns:dgm="http://schemas.openxmlformats.org/drawingml/2006/diagram" xmlns:c="http://schemas.openxmlformats.org/drawingml/2006/chart" xmlns:mv="urn:schemas-microsoft-com:mac:vml" xmlns:mc="http://schemas.openxmlformats.org/markup-compatibility/2006" xmlns="" r:id="rId39" roundtripDataSignature="AMtx7mgJb/dxg8SBACTioISI2Z3PoJo6hg=="/>
     </p:ext>
   </p:extLst>
 </p:presentation>
@@ -18221,11 +18221,11 @@
             </a:r>
             <a:r>
               <a:rPr lang="en-US" dirty="0"/>
-              <a:t> Environments Using a .</a:t>
+              <a:t> Environments Using a </a:t>
             </a:r>
             <a:r>
               <a:rPr lang="en-US" dirty="0" err="1"/>
-              <a:t>yml</a:t>
+              <a:t>yaml</a:t>
             </a:r>
             <a:r>
               <a:rPr lang="en-US" dirty="0"/>
@@ -18294,7 +18294,7 @@
         <p:spPr>
           <a:xfrm>
             <a:off x="554325" y="873125"/>
-            <a:ext cx="8132400" cy="5570725"/>
+            <a:ext cx="8132400" cy="5678447"/>
           </a:xfrm>
           <a:prstGeom prst="rect">
             <a:avLst/>
@@ -18326,11 +18326,11 @@
             </a:r>
             <a:r>
               <a:rPr lang="en-US" sz="1800" dirty="0"/>
-              <a:t> environment only allow you to install one package at a time. A .</a:t>
+              <a:t> environment only allow you to install one package at a time. A </a:t>
             </a:r>
             <a:r>
               <a:rPr lang="en-US" sz="1800" dirty="0" err="1"/>
-              <a:t>yml</a:t>
+              <a:t>yaml</a:t>
             </a:r>
             <a:r>
               <a:rPr lang="en-US" sz="1800" dirty="0"/>
@@ -18428,27 +18428,6 @@
             </a:endParaRPr>
           </a:p>
           <a:p>
-            <a:pPr marL="0" lvl="0" indent="0" algn="l" rtl="0">
-              <a:spcBef>
-                <a:spcPts val="0"/>
-              </a:spcBef>
-              <a:spcAft>
-                <a:spcPts val="0"/>
-              </a:spcAft>
-              <a:buClr>
-                <a:schemeClr val="dk1"/>
-              </a:buClr>
-              <a:buSzPts val="1100"/>
-              <a:buFont typeface="Arial"/>
-              <a:buNone/>
-            </a:pPr>
-            <a:endParaRPr lang="en-US" sz="1800" dirty="0">
-              <a:solidFill>
-                <a:schemeClr val="dk1"/>
-              </a:solidFill>
-            </a:endParaRPr>
-          </a:p>
-          <a:p>
             <a:pPr>
               <a:buClr>
                 <a:schemeClr val="dk1"/>
@@ -18471,7 +18450,7 @@
               </a:buClr>
               <a:buSzPts val="1100"/>
             </a:pPr>
-            <a:endParaRPr sz="1800" dirty="0">
+            <a:endParaRPr sz="200" dirty="0">
               <a:solidFill>
                 <a:schemeClr val="dk1"/>
               </a:solidFill>
@@ -18521,6 +18500,160 @@
                 <a:sym typeface="Consolas"/>
               </a:rPr>
               <a:t> env create -f </a:t>
+            </a:r>
+            <a:r>
+              <a:rPr lang="en-US" sz="1800" dirty="0" err="1">
+                <a:solidFill>
+                  <a:schemeClr val="dk1"/>
+                </a:solidFill>
+                <a:highlight>
+                  <a:srgbClr val="C0C0C0"/>
+                </a:highlight>
+                <a:latin typeface="Consolas"/>
+                <a:ea typeface="Consolas"/>
+                <a:cs typeface="Consolas"/>
+                <a:sym typeface="Consolas"/>
+              </a:rPr>
+              <a:t>automate_env.yml</a:t>
+            </a:r>
+            <a:endParaRPr lang="en-US" sz="1800" dirty="0">
+              <a:solidFill>
+                <a:schemeClr val="dk1"/>
+              </a:solidFill>
+              <a:highlight>
+                <a:srgbClr val="C0C0C0"/>
+              </a:highlight>
+              <a:latin typeface="Consolas"/>
+              <a:ea typeface="Consolas"/>
+              <a:cs typeface="Consolas"/>
+              <a:sym typeface="Consolas"/>
+            </a:endParaRPr>
+          </a:p>
+          <a:p>
+            <a:pPr>
+              <a:buClr>
+                <a:schemeClr val="dk1"/>
+              </a:buClr>
+              <a:buSzPts val="1100"/>
+            </a:pPr>
+            <a:endParaRPr lang="en-US" sz="300" dirty="0">
+              <a:solidFill>
+                <a:schemeClr val="dk1"/>
+              </a:solidFill>
+              <a:highlight>
+                <a:srgbClr val="C0C0C0"/>
+              </a:highlight>
+              <a:latin typeface="Consolas"/>
+              <a:ea typeface="Consolas"/>
+              <a:cs typeface="Consolas"/>
+              <a:sym typeface="Consolas"/>
+            </a:endParaRPr>
+          </a:p>
+          <a:p>
+            <a:pPr>
+              <a:buClr>
+                <a:schemeClr val="dk1"/>
+              </a:buClr>
+              <a:buSzPts val="1100"/>
+            </a:pPr>
+            <a:r>
+              <a:rPr lang="en-US" sz="1800" dirty="0">
+                <a:solidFill>
+                  <a:schemeClr val="dk1"/>
+                </a:solidFill>
+              </a:rPr>
+              <a:t>To save a </a:t>
+            </a:r>
+            <a:r>
+              <a:rPr lang="en-US" sz="1800" dirty="0" err="1">
+                <a:solidFill>
+                  <a:schemeClr val="dk1"/>
+                </a:solidFill>
+              </a:rPr>
+              <a:t>conda</a:t>
+            </a:r>
+            <a:r>
+              <a:rPr lang="en-US" sz="1800" dirty="0">
+                <a:solidFill>
+                  <a:schemeClr val="dk1"/>
+                </a:solidFill>
+              </a:rPr>
+              <a:t> environment to a </a:t>
+            </a:r>
+            <a:r>
+              <a:rPr lang="en-US" sz="1800" dirty="0" err="1">
+                <a:solidFill>
+                  <a:schemeClr val="dk1"/>
+                </a:solidFill>
+              </a:rPr>
+              <a:t>yaml</a:t>
+            </a:r>
+            <a:r>
+              <a:rPr lang="en-US" sz="1800" dirty="0">
+                <a:solidFill>
+                  <a:schemeClr val="dk1"/>
+                </a:solidFill>
+              </a:rPr>
+              <a:t> file: </a:t>
+            </a:r>
+          </a:p>
+          <a:p>
+            <a:pPr>
+              <a:buClr>
+                <a:schemeClr val="dk1"/>
+              </a:buClr>
+              <a:buSzPts val="1100"/>
+            </a:pPr>
+            <a:endParaRPr lang="en-US" sz="200" dirty="0">
+              <a:solidFill>
+                <a:schemeClr val="dk1"/>
+              </a:solidFill>
+            </a:endParaRPr>
+          </a:p>
+          <a:p>
+            <a:pPr>
+              <a:buClr>
+                <a:schemeClr val="dk1"/>
+              </a:buClr>
+              <a:buSzPts val="1100"/>
+            </a:pPr>
+            <a:r>
+              <a:rPr lang="en-US" sz="1700" dirty="0">
+                <a:solidFill>
+                  <a:schemeClr val="dk1"/>
+                </a:solidFill>
+              </a:rPr>
+              <a:t>	</a:t>
+            </a:r>
+            <a:r>
+              <a:rPr lang="en-US" sz="1800" dirty="0" err="1">
+                <a:solidFill>
+                  <a:schemeClr val="dk1"/>
+                </a:solidFill>
+                <a:highlight>
+                  <a:srgbClr val="C0C0C0"/>
+                </a:highlight>
+                <a:latin typeface="Consolas"/>
+                <a:ea typeface="Consolas"/>
+                <a:cs typeface="Consolas"/>
+                <a:sym typeface="Consolas"/>
+              </a:rPr>
+              <a:t>conda</a:t>
+            </a:r>
+            <a:r>
+              <a:rPr lang="en-US" sz="1800" dirty="0">
+                <a:solidFill>
+                  <a:schemeClr val="dk1"/>
+                </a:solidFill>
+                <a:highlight>
+                  <a:srgbClr val="C0C0C0"/>
+                </a:highlight>
+                <a:latin typeface="Consolas"/>
+                <a:ea typeface="Consolas"/>
+                <a:cs typeface="Consolas"/>
+                <a:sym typeface="Consolas"/>
+              </a:rPr>
+              <a:t> env export &gt; </a:t>
             </a:r>
             <a:r>
               <a:rPr lang="en-US" sz="1800" dirty="0" err="1">
@@ -18643,7 +18776,7 @@
         <p:spPr>
           <a:xfrm>
             <a:off x="1887475" y="2180939"/>
-            <a:ext cx="4272600" cy="2759100"/>
+            <a:ext cx="4272600" cy="2594261"/>
           </a:xfrm>
           <a:prstGeom prst="flowChartAlternateProcess">
             <a:avLst/>
@@ -20312,7 +20445,7 @@
         <p14:flip dir="l"/>
       </p:transition>
     </mc:Choice>
-    <mc:Fallback xmlns="" xmlns:mv="urn:schemas-microsoft-com:mac:vml" xmlns:c="http://schemas.openxmlformats.org/drawingml/2006/chart" xmlns:dgm="http://schemas.openxmlformats.org/drawingml/2006/diagram" xmlns:o="urn:schemas-microsoft-com:office:office" xmlns:v="urn:schemas-microsoft-com:vml" xmlns:pvml="urn:schemas-microsoft-com:office:powerpoint" xmlns:com="http://schemas.openxmlformats.org/drawingml/2006/compatibility" xmlns:p15="http://schemas.microsoft.com/office/powerpoint/2012/main" xmlns:ahyp="http://schemas.microsoft.com/office/drawing/2018/hyperlinkcolor">
+    <mc:Fallback xmlns:ahyp="http://schemas.microsoft.com/office/drawing/2018/hyperlinkcolor" xmlns:p15="http://schemas.microsoft.com/office/powerpoint/2012/main" xmlns:com="http://schemas.openxmlformats.org/drawingml/2006/compatibility" xmlns:pvml="urn:schemas-microsoft-com:office:powerpoint" xmlns:v="urn:schemas-microsoft-com:vml" xmlns:o="urn:schemas-microsoft-com:office:office" xmlns:dgm="http://schemas.openxmlformats.org/drawingml/2006/diagram" xmlns:c="http://schemas.openxmlformats.org/drawingml/2006/chart" xmlns:mv="urn:schemas-microsoft-com:mac:vml" xmlns="">
       <p:transition spd="slow">
         <p:fade/>
       </p:transition>

--- a/Session3_Version_Control/Session3_Version_Control.pptx
+++ b/Session3_Version_Control/Session3_Version_Control.pptx
@@ -5,7 +5,7 @@
     <p:sldMasterId id="2147483648" r:id="rId1"/>
   </p:sldMasterIdLst>
   <p:notesMasterIdLst>
-    <p:notesMasterId r:id="rId30"/>
+    <p:notesMasterId r:id="rId31"/>
   </p:notesMasterIdLst>
   <p:sldIdLst>
     <p:sldId id="291" r:id="rId2"/>
@@ -14,45 +14,46 @@
     <p:sldId id="293" r:id="rId5"/>
     <p:sldId id="257" r:id="rId6"/>
     <p:sldId id="286" r:id="rId7"/>
-    <p:sldId id="294" r:id="rId8"/>
-    <p:sldId id="262" r:id="rId9"/>
-    <p:sldId id="273" r:id="rId10"/>
-    <p:sldId id="275" r:id="rId11"/>
-    <p:sldId id="274" r:id="rId12"/>
-    <p:sldId id="278" r:id="rId13"/>
-    <p:sldId id="279" r:id="rId14"/>
-    <p:sldId id="295" r:id="rId15"/>
-    <p:sldId id="281" r:id="rId16"/>
-    <p:sldId id="282" r:id="rId17"/>
-    <p:sldId id="280" r:id="rId18"/>
-    <p:sldId id="283" r:id="rId19"/>
-    <p:sldId id="284" r:id="rId20"/>
-    <p:sldId id="296" r:id="rId21"/>
-    <p:sldId id="285" r:id="rId22"/>
-    <p:sldId id="290" r:id="rId23"/>
-    <p:sldId id="297" r:id="rId24"/>
-    <p:sldId id="265" r:id="rId25"/>
-    <p:sldId id="292" r:id="rId26"/>
-    <p:sldId id="298" r:id="rId27"/>
-    <p:sldId id="287" r:id="rId28"/>
-    <p:sldId id="288" r:id="rId29"/>
+    <p:sldId id="299" r:id="rId8"/>
+    <p:sldId id="294" r:id="rId9"/>
+    <p:sldId id="262" r:id="rId10"/>
+    <p:sldId id="273" r:id="rId11"/>
+    <p:sldId id="275" r:id="rId12"/>
+    <p:sldId id="274" r:id="rId13"/>
+    <p:sldId id="278" r:id="rId14"/>
+    <p:sldId id="279" r:id="rId15"/>
+    <p:sldId id="295" r:id="rId16"/>
+    <p:sldId id="281" r:id="rId17"/>
+    <p:sldId id="282" r:id="rId18"/>
+    <p:sldId id="280" r:id="rId19"/>
+    <p:sldId id="283" r:id="rId20"/>
+    <p:sldId id="284" r:id="rId21"/>
+    <p:sldId id="296" r:id="rId22"/>
+    <p:sldId id="285" r:id="rId23"/>
+    <p:sldId id="290" r:id="rId24"/>
+    <p:sldId id="297" r:id="rId25"/>
+    <p:sldId id="265" r:id="rId26"/>
+    <p:sldId id="292" r:id="rId27"/>
+    <p:sldId id="298" r:id="rId28"/>
+    <p:sldId id="287" r:id="rId29"/>
+    <p:sldId id="288" r:id="rId30"/>
   </p:sldIdLst>
   <p:sldSz cx="9144000" cy="6858000" type="screen4x3"/>
   <p:notesSz cx="7010400" cy="9236075"/>
   <p:embeddedFontLst>
     <p:embeddedFont>
       <p:font typeface="Consolas" panose="020B0609020204030204" pitchFamily="49" charset="0"/>
-      <p:regular r:id="rId31"/>
-      <p:bold r:id="rId32"/>
-      <p:italic r:id="rId33"/>
-      <p:boldItalic r:id="rId34"/>
+      <p:regular r:id="rId32"/>
+      <p:bold r:id="rId33"/>
+      <p:italic r:id="rId34"/>
+      <p:boldItalic r:id="rId35"/>
     </p:embeddedFont>
     <p:embeddedFont>
       <p:font typeface="Roboto Medium" panose="020F0502020204030204" pitchFamily="34" charset="0"/>
-      <p:regular r:id="rId35"/>
-      <p:bold r:id="rId36"/>
-      <p:italic r:id="rId37"/>
-      <p:boldItalic r:id="rId38"/>
+      <p:regular r:id="rId36"/>
+      <p:bold r:id="rId37"/>
+      <p:italic r:id="rId38"/>
+      <p:boldItalic r:id="rId39"/>
     </p:embeddedFont>
   </p:embeddedFontLst>
   <p:defaultTextStyle>
@@ -303,7 +304,7 @@
       <p15:notesGuideLst xmlns:p15="http://schemas.microsoft.com/office/powerpoint/2012/main"/>
     </p:ext>
     <p:ext uri="http://customooxmlschemas.google.com/">
-      <go:slidesCustomData xmlns:go="http://customooxmlschemas.google.com/" xmlns:ahyp="http://schemas.microsoft.com/office/drawing/2018/hyperlinkcolor" xmlns:p15="http://schemas.microsoft.com/office/powerpoint/2012/main" xmlns:p14="http://schemas.microsoft.com/office/powerpoint/2010/main" xmlns:com="http://schemas.openxmlformats.org/drawingml/2006/compatibility" xmlns:pvml="urn:schemas-microsoft-com:office:powerpoint" xmlns:v="urn:schemas-microsoft-com:vml" xmlns:o="urn:schemas-microsoft-com:office:office" xmlns:dgm="http://schemas.openxmlformats.org/drawingml/2006/diagram" xmlns:c="http://schemas.openxmlformats.org/drawingml/2006/chart" xmlns:mv="urn:schemas-microsoft-com:mac:vml" xmlns:mc="http://schemas.openxmlformats.org/markup-compatibility/2006" xmlns="" r:id="rId39" roundtripDataSignature="AMtx7mgJb/dxg8SBACTioISI2Z3PoJo6hg=="/>
+      <go:slidesCustomData xmlns="" xmlns:mc="http://schemas.openxmlformats.org/markup-compatibility/2006" xmlns:mv="urn:schemas-microsoft-com:mac:vml" xmlns:c="http://schemas.openxmlformats.org/drawingml/2006/chart" xmlns:dgm="http://schemas.openxmlformats.org/drawingml/2006/diagram" xmlns:o="urn:schemas-microsoft-com:office:office" xmlns:v="urn:schemas-microsoft-com:vml" xmlns:pvml="urn:schemas-microsoft-com:office:powerpoint" xmlns:com="http://schemas.openxmlformats.org/drawingml/2006/compatibility" xmlns:p14="http://schemas.microsoft.com/office/powerpoint/2010/main" xmlns:p15="http://schemas.microsoft.com/office/powerpoint/2012/main" xmlns:ahyp="http://schemas.microsoft.com/office/drawing/2018/hyperlinkcolor" xmlns:go="http://customooxmlschemas.google.com/" r:id="rId40" roundtripDataSignature="AMtx7mgJb/dxg8SBACTioISI2Z3PoJo6hg=="/>
     </p:ext>
   </p:extLst>
 </p:presentation>
@@ -2101,7 +2102,7 @@
     </p:spTree>
     <p:extLst>
       <p:ext uri="{BB962C8B-B14F-4D97-AF65-F5344CB8AC3E}">
-        <p14:creationId xmlns:p14="http://schemas.microsoft.com/office/powerpoint/2010/main" val="122400219"/>
+        <p14:creationId xmlns:p14="http://schemas.microsoft.com/office/powerpoint/2010/main" val="3706206933"/>
       </p:ext>
     </p:extLst>
   </p:cSld>
@@ -2278,7 +2279,7 @@
     </p:spTree>
     <p:extLst>
       <p:ext uri="{BB962C8B-B14F-4D97-AF65-F5344CB8AC3E}">
-        <p14:creationId xmlns:p14="http://schemas.microsoft.com/office/powerpoint/2010/main" val="3548649959"/>
+        <p14:creationId xmlns:p14="http://schemas.microsoft.com/office/powerpoint/2010/main" val="122400219"/>
       </p:ext>
     </p:extLst>
   </p:cSld>
@@ -2446,7 +2447,7 @@
             </a:pPr>
             <a:fld id="{00000000-1234-1234-1234-123412341234}" type="slidenum">
               <a:rPr lang="en-US"/>
-              <a:t>15</a:t>
+              <a:t>14</a:t>
             </a:fld>
             <a:endParaRPr/>
           </a:p>
@@ -2455,7 +2456,7 @@
     </p:spTree>
     <p:extLst>
       <p:ext uri="{BB962C8B-B14F-4D97-AF65-F5344CB8AC3E}">
-        <p14:creationId xmlns:p14="http://schemas.microsoft.com/office/powerpoint/2010/main" val="3646464581"/>
+        <p14:creationId xmlns:p14="http://schemas.microsoft.com/office/powerpoint/2010/main" val="3548649959"/>
       </p:ext>
     </p:extLst>
   </p:cSld>
@@ -2632,7 +2633,7 @@
     </p:spTree>
     <p:extLst>
       <p:ext uri="{BB962C8B-B14F-4D97-AF65-F5344CB8AC3E}">
-        <p14:creationId xmlns:p14="http://schemas.microsoft.com/office/powerpoint/2010/main" val="3602785248"/>
+        <p14:creationId xmlns:p14="http://schemas.microsoft.com/office/powerpoint/2010/main" val="3646464581"/>
       </p:ext>
     </p:extLst>
   </p:cSld>
@@ -2809,7 +2810,7 @@
     </p:spTree>
     <p:extLst>
       <p:ext uri="{BB962C8B-B14F-4D97-AF65-F5344CB8AC3E}">
-        <p14:creationId xmlns:p14="http://schemas.microsoft.com/office/powerpoint/2010/main" val="2414966488"/>
+        <p14:creationId xmlns:p14="http://schemas.microsoft.com/office/powerpoint/2010/main" val="3602785248"/>
       </p:ext>
     </p:extLst>
   </p:cSld>
@@ -2986,7 +2987,7 @@
     </p:spTree>
     <p:extLst>
       <p:ext uri="{BB962C8B-B14F-4D97-AF65-F5344CB8AC3E}">
-        <p14:creationId xmlns:p14="http://schemas.microsoft.com/office/powerpoint/2010/main" val="2645793442"/>
+        <p14:creationId xmlns:p14="http://schemas.microsoft.com/office/powerpoint/2010/main" val="2414966488"/>
       </p:ext>
     </p:extLst>
   </p:cSld>
@@ -3163,7 +3164,7 @@
     </p:spTree>
     <p:extLst>
       <p:ext uri="{BB962C8B-B14F-4D97-AF65-F5344CB8AC3E}">
-        <p14:creationId xmlns:p14="http://schemas.microsoft.com/office/powerpoint/2010/main" val="2675879870"/>
+        <p14:creationId xmlns:p14="http://schemas.microsoft.com/office/powerpoint/2010/main" val="2645793442"/>
       </p:ext>
     </p:extLst>
   </p:cSld>
@@ -3331,7 +3332,7 @@
             </a:pPr>
             <a:fld id="{00000000-1234-1234-1234-123412341234}" type="slidenum">
               <a:rPr lang="en-US"/>
-              <a:t>21</a:t>
+              <a:t>20</a:t>
             </a:fld>
             <a:endParaRPr/>
           </a:p>
@@ -3340,7 +3341,7 @@
     </p:spTree>
     <p:extLst>
       <p:ext uri="{BB962C8B-B14F-4D97-AF65-F5344CB8AC3E}">
-        <p14:creationId xmlns:p14="http://schemas.microsoft.com/office/powerpoint/2010/main" val="836961367"/>
+        <p14:creationId xmlns:p14="http://schemas.microsoft.com/office/powerpoint/2010/main" val="2675879870"/>
       </p:ext>
     </p:extLst>
   </p:cSld>
@@ -3517,7 +3518,7 @@
     </p:spTree>
     <p:extLst>
       <p:ext uri="{BB962C8B-B14F-4D97-AF65-F5344CB8AC3E}">
-        <p14:creationId xmlns:p14="http://schemas.microsoft.com/office/powerpoint/2010/main" val="1125828970"/>
+        <p14:creationId xmlns:p14="http://schemas.microsoft.com/office/powerpoint/2010/main" val="836961367"/>
       </p:ext>
     </p:extLst>
   </p:cSld>
@@ -3532,7 +3533,7 @@
   <p:cSld>
     <p:spTree>
       <p:nvGrpSpPr>
-        <p:cNvPr id="1" name="Shape 125"/>
+        <p:cNvPr id="1" name="Shape 97"/>
         <p:cNvGrpSpPr/>
         <p:nvPr/>
       </p:nvGrpSpPr>
@@ -3546,7 +3547,7 @@
       </p:grpSpPr>
       <p:sp>
         <p:nvSpPr>
-          <p:cNvPr id="126" name="Google Shape;126;ge6d407e7a1_0_85:notes"/>
+          <p:cNvPr id="98" name="Google Shape;98;ge6d407e7a1_0_0:notes"/>
           <p:cNvSpPr>
             <a:spLocks noGrp="1" noRot="1" noChangeAspect="1"/>
           </p:cNvSpPr>
@@ -3597,7 +3598,7 @@
       </p:sp>
       <p:sp>
         <p:nvSpPr>
-          <p:cNvPr id="127" name="Google Shape;127;ge6d407e7a1_0_85:notes"/>
+          <p:cNvPr id="99" name="Google Shape;99;ge6d407e7a1_0_0:notes"/>
           <p:cNvSpPr txBox="1">
             <a:spLocks noGrp="1"/>
           </p:cNvSpPr>
@@ -3643,7 +3644,7 @@
       </p:sp>
       <p:sp>
         <p:nvSpPr>
-          <p:cNvPr id="128" name="Google Shape;128;ge6d407e7a1_0_85:notes"/>
+          <p:cNvPr id="100" name="Google Shape;100;ge6d407e7a1_0_0:notes"/>
           <p:cNvSpPr txBox="1">
             <a:spLocks noGrp="1"/>
           </p:cNvSpPr>
@@ -3685,7 +3686,7 @@
             </a:pPr>
             <a:fld id="{00000000-1234-1234-1234-123412341234}" type="slidenum">
               <a:rPr lang="en-US"/>
-              <a:t>24</a:t>
+              <a:t>23</a:t>
             </a:fld>
             <a:endParaRPr/>
           </a:p>
@@ -3694,7 +3695,7 @@
     </p:spTree>
     <p:extLst>
       <p:ext uri="{BB962C8B-B14F-4D97-AF65-F5344CB8AC3E}">
-        <p14:creationId xmlns:p14="http://schemas.microsoft.com/office/powerpoint/2010/main" val="88461634"/>
+        <p14:creationId xmlns:p14="http://schemas.microsoft.com/office/powerpoint/2010/main" val="1125828970"/>
       </p:ext>
     </p:extLst>
   </p:cSld>
@@ -4048,7 +4049,7 @@
     </p:spTree>
     <p:extLst>
       <p:ext uri="{BB962C8B-B14F-4D97-AF65-F5344CB8AC3E}">
-        <p14:creationId xmlns:p14="http://schemas.microsoft.com/office/powerpoint/2010/main" val="1390414966"/>
+        <p14:creationId xmlns:p14="http://schemas.microsoft.com/office/powerpoint/2010/main" val="88461634"/>
       </p:ext>
     </p:extLst>
   </p:cSld>
@@ -4063,7 +4064,7 @@
   <p:cSld>
     <p:spTree>
       <p:nvGrpSpPr>
-        <p:cNvPr id="1" name="Shape 97"/>
+        <p:cNvPr id="1" name="Shape 125"/>
         <p:cNvGrpSpPr/>
         <p:nvPr/>
       </p:nvGrpSpPr>
@@ -4077,7 +4078,7 @@
       </p:grpSpPr>
       <p:sp>
         <p:nvSpPr>
-          <p:cNvPr id="98" name="Google Shape;98;ge6d407e7a1_0_0:notes"/>
+          <p:cNvPr id="126" name="Google Shape;126;ge6d407e7a1_0_85:notes"/>
           <p:cNvSpPr>
             <a:spLocks noGrp="1" noRot="1" noChangeAspect="1"/>
           </p:cNvSpPr>
@@ -4128,7 +4129,7 @@
       </p:sp>
       <p:sp>
         <p:nvSpPr>
-          <p:cNvPr id="99" name="Google Shape;99;ge6d407e7a1_0_0:notes"/>
+          <p:cNvPr id="127" name="Google Shape;127;ge6d407e7a1_0_85:notes"/>
           <p:cNvSpPr txBox="1">
             <a:spLocks noGrp="1"/>
           </p:cNvSpPr>
@@ -4174,7 +4175,7 @@
       </p:sp>
       <p:sp>
         <p:nvSpPr>
-          <p:cNvPr id="100" name="Google Shape;100;ge6d407e7a1_0_0:notes"/>
+          <p:cNvPr id="128" name="Google Shape;128;ge6d407e7a1_0_85:notes"/>
           <p:cNvSpPr txBox="1">
             <a:spLocks noGrp="1"/>
           </p:cNvSpPr>
@@ -4216,7 +4217,7 @@
             </a:pPr>
             <a:fld id="{00000000-1234-1234-1234-123412341234}" type="slidenum">
               <a:rPr lang="en-US"/>
-              <a:t>27</a:t>
+              <a:t>26</a:t>
             </a:fld>
             <a:endParaRPr/>
           </a:p>
@@ -4225,7 +4226,7 @@
     </p:spTree>
     <p:extLst>
       <p:ext uri="{BB962C8B-B14F-4D97-AF65-F5344CB8AC3E}">
-        <p14:creationId xmlns:p14="http://schemas.microsoft.com/office/powerpoint/2010/main" val="359841412"/>
+        <p14:creationId xmlns:p14="http://schemas.microsoft.com/office/powerpoint/2010/main" val="1390414966"/>
       </p:ext>
     </p:extLst>
   </p:cSld>
@@ -4394,6 +4395,183 @@
             <a:fld id="{00000000-1234-1234-1234-123412341234}" type="slidenum">
               <a:rPr lang="en-US"/>
               <a:t>28</a:t>
+            </a:fld>
+            <a:endParaRPr/>
+          </a:p>
+        </p:txBody>
+      </p:sp>
+    </p:spTree>
+    <p:extLst>
+      <p:ext uri="{BB962C8B-B14F-4D97-AF65-F5344CB8AC3E}">
+        <p14:creationId xmlns:p14="http://schemas.microsoft.com/office/powerpoint/2010/main" val="359841412"/>
+      </p:ext>
+    </p:extLst>
+  </p:cSld>
+  <p:clrMapOvr>
+    <a:masterClrMapping/>
+  </p:clrMapOvr>
+</p:notes>
+</file>
+
+<file path=ppt/notesSlides/notesSlide23.xml><?xml version="1.0" encoding="utf-8"?>
+<p:notes xmlns:a="http://schemas.openxmlformats.org/drawingml/2006/main" xmlns:r="http://schemas.openxmlformats.org/officeDocument/2006/relationships" xmlns:p="http://schemas.openxmlformats.org/presentationml/2006/main" showMasterSp="0" showMasterPhAnim="0">
+  <p:cSld>
+    <p:spTree>
+      <p:nvGrpSpPr>
+        <p:cNvPr id="1" name="Shape 97"/>
+        <p:cNvGrpSpPr/>
+        <p:nvPr/>
+      </p:nvGrpSpPr>
+      <p:grpSpPr>
+        <a:xfrm>
+          <a:off x="0" y="0"/>
+          <a:ext cx="0" cy="0"/>
+          <a:chOff x="0" y="0"/>
+          <a:chExt cx="0" cy="0"/>
+        </a:xfrm>
+      </p:grpSpPr>
+      <p:sp>
+        <p:nvSpPr>
+          <p:cNvPr id="98" name="Google Shape;98;ge6d407e7a1_0_0:notes"/>
+          <p:cNvSpPr>
+            <a:spLocks noGrp="1" noRot="1" noChangeAspect="1"/>
+          </p:cNvSpPr>
+          <p:nvPr>
+            <p:ph type="sldImg" idx="2"/>
+          </p:nvPr>
+        </p:nvSpPr>
+        <p:spPr>
+          <a:xfrm>
+            <a:off x="1195388" y="692150"/>
+            <a:ext cx="4619625" cy="3463925"/>
+          </a:xfrm>
+          <a:custGeom>
+            <a:avLst/>
+            <a:gdLst/>
+            <a:ahLst/>
+            <a:cxnLst/>
+            <a:rect l="l" t="t" r="r" b="b"/>
+            <a:pathLst>
+              <a:path w="120000" h="120000" extrusionOk="0">
+                <a:moveTo>
+                  <a:pt x="0" y="0"/>
+                </a:moveTo>
+                <a:lnTo>
+                  <a:pt x="120000" y="0"/>
+                </a:lnTo>
+                <a:lnTo>
+                  <a:pt x="120000" y="120000"/>
+                </a:lnTo>
+                <a:lnTo>
+                  <a:pt x="0" y="120000"/>
+                </a:lnTo>
+                <a:close/>
+              </a:path>
+            </a:pathLst>
+          </a:custGeom>
+          <a:noFill/>
+          <a:ln w="12700" cap="flat" cmpd="sng">
+            <a:solidFill>
+              <a:srgbClr val="000000"/>
+            </a:solidFill>
+            <a:prstDash val="solid"/>
+            <a:round/>
+            <a:headEnd type="none" w="sm" len="sm"/>
+            <a:tailEnd type="none" w="sm" len="sm"/>
+          </a:ln>
+        </p:spPr>
+      </p:sp>
+      <p:sp>
+        <p:nvSpPr>
+          <p:cNvPr id="99" name="Google Shape;99;ge6d407e7a1_0_0:notes"/>
+          <p:cNvSpPr txBox="1">
+            <a:spLocks noGrp="1"/>
+          </p:cNvSpPr>
+          <p:nvPr>
+            <p:ph type="body" idx="1"/>
+          </p:nvPr>
+        </p:nvSpPr>
+        <p:spPr>
+          <a:xfrm>
+            <a:off x="701040" y="4387136"/>
+            <a:ext cx="5608200" cy="4156200"/>
+          </a:xfrm>
+          <a:prstGeom prst="rect">
+            <a:avLst/>
+          </a:prstGeom>
+          <a:noFill/>
+          <a:ln>
+            <a:noFill/>
+          </a:ln>
+        </p:spPr>
+        <p:txBody>
+          <a:bodyPr spcFirstLastPara="1" wrap="square" lIns="93175" tIns="46575" rIns="93175" bIns="46575" anchor="t" anchorCtr="0">
+            <a:noAutofit/>
+          </a:bodyPr>
+          <a:lstStyle/>
+          <a:p>
+            <a:pPr marL="0" lvl="0" indent="0" algn="l" rtl="0">
+              <a:lnSpc>
+                <a:spcPct val="100000"/>
+              </a:lnSpc>
+              <a:spcBef>
+                <a:spcPts val="0"/>
+              </a:spcBef>
+              <a:spcAft>
+                <a:spcPts val="0"/>
+              </a:spcAft>
+              <a:buSzPts val="1400"/>
+              <a:buNone/>
+            </a:pPr>
+            <a:endParaRPr dirty="0"/>
+          </a:p>
+        </p:txBody>
+      </p:sp>
+      <p:sp>
+        <p:nvSpPr>
+          <p:cNvPr id="100" name="Google Shape;100;ge6d407e7a1_0_0:notes"/>
+          <p:cNvSpPr txBox="1">
+            <a:spLocks noGrp="1"/>
+          </p:cNvSpPr>
+          <p:nvPr>
+            <p:ph type="sldNum" idx="12"/>
+          </p:nvPr>
+        </p:nvSpPr>
+        <p:spPr>
+          <a:xfrm>
+            <a:off x="3970938" y="8772669"/>
+            <a:ext cx="3037800" cy="461700"/>
+          </a:xfrm>
+          <a:prstGeom prst="rect">
+            <a:avLst/>
+          </a:prstGeom>
+          <a:noFill/>
+          <a:ln>
+            <a:noFill/>
+          </a:ln>
+        </p:spPr>
+        <p:txBody>
+          <a:bodyPr spcFirstLastPara="1" wrap="square" lIns="93175" tIns="46575" rIns="93175" bIns="46575" anchor="b" anchorCtr="0">
+            <a:noAutofit/>
+          </a:bodyPr>
+          <a:lstStyle/>
+          <a:p>
+            <a:pPr marL="0" lvl="0" indent="0" algn="r" rtl="0">
+              <a:lnSpc>
+                <a:spcPct val="100000"/>
+              </a:lnSpc>
+              <a:spcBef>
+                <a:spcPts val="0"/>
+              </a:spcBef>
+              <a:spcAft>
+                <a:spcPts val="0"/>
+              </a:spcAft>
+              <a:buSzPts val="1400"/>
+              <a:buNone/>
+            </a:pPr>
+            <a:fld id="{00000000-1234-1234-1234-123412341234}" type="slidenum">
+              <a:rPr lang="en-US"/>
+              <a:t>29</a:t>
             </a:fld>
             <a:endParaRPr/>
           </a:p>
@@ -5091,13 +5269,18 @@
             </a:pPr>
             <a:fld id="{00000000-1234-1234-1234-123412341234}" type="slidenum">
               <a:rPr lang="en-US"/>
-              <a:t>8</a:t>
+              <a:t>7</a:t>
             </a:fld>
             <a:endParaRPr/>
           </a:p>
         </p:txBody>
       </p:sp>
     </p:spTree>
+    <p:extLst>
+      <p:ext uri="{BB962C8B-B14F-4D97-AF65-F5344CB8AC3E}">
+        <p14:creationId xmlns:p14="http://schemas.microsoft.com/office/powerpoint/2010/main" val="474087928"/>
+      </p:ext>
+    </p:extLst>
   </p:cSld>
   <p:clrMapOvr>
     <a:masterClrMapping/>
@@ -5270,11 +5453,6 @@
         </p:txBody>
       </p:sp>
     </p:spTree>
-    <p:extLst>
-      <p:ext uri="{BB962C8B-B14F-4D97-AF65-F5344CB8AC3E}">
-        <p14:creationId xmlns:p14="http://schemas.microsoft.com/office/powerpoint/2010/main" val="3270747929"/>
-      </p:ext>
-    </p:extLst>
   </p:cSld>
   <p:clrMapOvr>
     <a:masterClrMapping/>
@@ -5449,7 +5627,7 @@
     </p:spTree>
     <p:extLst>
       <p:ext uri="{BB962C8B-B14F-4D97-AF65-F5344CB8AC3E}">
-        <p14:creationId xmlns:p14="http://schemas.microsoft.com/office/powerpoint/2010/main" val="1465821008"/>
+        <p14:creationId xmlns:p14="http://schemas.microsoft.com/office/powerpoint/2010/main" val="3270747929"/>
       </p:ext>
     </p:extLst>
   </p:cSld>
@@ -5626,7 +5804,7 @@
     </p:spTree>
     <p:extLst>
       <p:ext uri="{BB962C8B-B14F-4D97-AF65-F5344CB8AC3E}">
-        <p14:creationId xmlns:p14="http://schemas.microsoft.com/office/powerpoint/2010/main" val="3706206933"/>
+        <p14:creationId xmlns:p14="http://schemas.microsoft.com/office/powerpoint/2010/main" val="1465821008"/>
       </p:ext>
     </p:extLst>
   </p:cSld>
@@ -12131,7 +12309,7 @@
         </p:nvSpPr>
         <p:spPr>
           <a:xfrm>
-            <a:off x="457200" y="0"/>
+            <a:off x="165100" y="0"/>
             <a:ext cx="8645700" cy="1143000"/>
           </a:xfrm>
           <a:prstGeom prst="rect">
@@ -12163,7 +12341,7 @@
             </a:pPr>
             <a:r>
               <a:rPr lang="en-US" dirty="0"/>
-              <a:t>Make Changes to your repo</a:t>
+              <a:t>Cloning a repo and initializing a local repo</a:t>
             </a:r>
             <a:endParaRPr dirty="0"/>
           </a:p>
@@ -12227,8 +12405,8 @@
         </p:nvSpPr>
         <p:spPr>
           <a:xfrm>
-            <a:off x="268574" y="904875"/>
-            <a:ext cx="8645700" cy="4893617"/>
+            <a:off x="268574" y="866775"/>
+            <a:ext cx="8418226" cy="5447615"/>
           </a:xfrm>
           <a:prstGeom prst="rect">
             <a:avLst/>
@@ -12244,28 +12422,136 @@
           </a:bodyPr>
           <a:lstStyle/>
           <a:p>
-            <a:pPr>
+            <a:pPr marL="0" lvl="0" indent="0" algn="l" rtl="0">
+              <a:spcBef>
+                <a:spcPts val="0"/>
+              </a:spcBef>
+              <a:spcAft>
+                <a:spcPts val="0"/>
+              </a:spcAft>
               <a:buClr>
                 <a:schemeClr val="dk1"/>
               </a:buClr>
               <a:buSzPts val="1100"/>
+              <a:buFont typeface="Arial"/>
+              <a:buNone/>
             </a:pPr>
             <a:r>
               <a:rPr lang="en-US" sz="1800" dirty="0"/>
-              <a:t>Note that when you initialize a repo a new hidden folder will be saved here:</a:t>
-            </a:r>
-          </a:p>
-          <a:p>
-            <a:pPr>
+              <a:t>A Git </a:t>
+            </a:r>
+            <a:r>
+              <a:rPr lang="en-US" sz="1800" b="1" dirty="0"/>
+              <a:t>repository</a:t>
+            </a:r>
+            <a:r>
+              <a:rPr lang="en-US" sz="1800" dirty="0"/>
+              <a:t> (”repo”) is essentially a </a:t>
+            </a:r>
+            <a:r>
+              <a:rPr lang="en-US" sz="1800" b="1" dirty="0"/>
+              <a:t>container</a:t>
+            </a:r>
+            <a:r>
+              <a:rPr lang="en-US" sz="1800" dirty="0"/>
+              <a:t> for your Git code. </a:t>
+            </a:r>
+          </a:p>
+          <a:p>
+            <a:pPr marL="0" lvl="0" indent="0" algn="l" rtl="0">
+              <a:spcBef>
+                <a:spcPts val="0"/>
+              </a:spcBef>
+              <a:spcAft>
+                <a:spcPts val="0"/>
+              </a:spcAft>
               <a:buClr>
                 <a:schemeClr val="dk1"/>
               </a:buClr>
               <a:buSzPts val="1100"/>
+              <a:buFont typeface="Arial"/>
+              <a:buNone/>
+            </a:pPr>
+            <a:r>
+              <a:rPr lang="en-US" sz="1800" dirty="0"/>
+              <a:t>You can create a Git repo on KLC from scratch or you can download an existing public </a:t>
+            </a:r>
+            <a:r>
+              <a:rPr lang="en-US" sz="1800" dirty="0" err="1"/>
+              <a:t>Github</a:t>
+            </a:r>
+            <a:r>
+              <a:rPr lang="en-US" sz="1800" dirty="0"/>
+              <a:t> repo and work on the code locally on KLC.</a:t>
+            </a:r>
+          </a:p>
+          <a:p>
+            <a:pPr marL="0" lvl="0" indent="0" algn="l" rtl="0">
+              <a:spcBef>
+                <a:spcPts val="0"/>
+              </a:spcBef>
+              <a:spcAft>
+                <a:spcPts val="0"/>
+              </a:spcAft>
+              <a:buClr>
+                <a:schemeClr val="dk1"/>
+              </a:buClr>
+              <a:buSzPts val="1100"/>
+              <a:buFont typeface="Arial"/>
+              <a:buNone/>
             </a:pPr>
             <a:endParaRPr lang="en-US" sz="1800" dirty="0"/>
           </a:p>
           <a:p>
-            <a:pPr marL="465138" lvl="1">
+            <a:pPr marL="0" lvl="0" indent="0" algn="l" rtl="0">
+              <a:spcBef>
+                <a:spcPts val="0"/>
+              </a:spcBef>
+              <a:spcAft>
+                <a:spcPts val="0"/>
+              </a:spcAft>
+              <a:buClr>
+                <a:schemeClr val="dk1"/>
+              </a:buClr>
+              <a:buSzPts val="1100"/>
+              <a:buFont typeface="Arial"/>
+              <a:buNone/>
+            </a:pPr>
+            <a:r>
+              <a:rPr lang="en-US" sz="1800" dirty="0"/>
+              <a:t>Let’s first clone a public </a:t>
+            </a:r>
+            <a:r>
+              <a:rPr lang="en-US" sz="1800" dirty="0" err="1"/>
+              <a:t>Github</a:t>
+            </a:r>
+            <a:r>
+              <a:rPr lang="en-US" sz="1800" dirty="0"/>
+              <a:t> repo to your home directory: </a:t>
+            </a:r>
+            <a:endParaRPr sz="1800" dirty="0"/>
+          </a:p>
+          <a:p>
+            <a:pPr marL="457200">
+              <a:buClr>
+                <a:schemeClr val="dk1"/>
+              </a:buClr>
+              <a:buSzPts val="1100"/>
+            </a:pPr>
+            <a:endParaRPr lang="en-US" sz="1800" dirty="0">
+              <a:solidFill>
+                <a:schemeClr val="dk1"/>
+              </a:solidFill>
+              <a:highlight>
+                <a:srgbClr val="CCCCCC"/>
+              </a:highlight>
+              <a:latin typeface="Consolas"/>
+              <a:cs typeface="Consolas"/>
+              <a:sym typeface="Roboto Medium"/>
+            </a:endParaRPr>
+          </a:p>
+          <a:p>
+            <a:pPr marL="457200">
               <a:buClr>
                 <a:schemeClr val="dk1"/>
               </a:buClr>
@@ -12283,47 +12569,8 @@
                 <a:cs typeface="Consolas"/>
                 <a:sym typeface="Roboto Medium"/>
               </a:rPr>
-              <a:t>ls -a</a:t>
-            </a:r>
-            <a:endParaRPr lang="en-US" sz="1800" dirty="0"/>
-          </a:p>
-          <a:p>
-            <a:pPr>
-              <a:buClr>
-                <a:schemeClr val="dk1"/>
-              </a:buClr>
-              <a:buSzPts val="1100"/>
-            </a:pPr>
-            <a:endParaRPr lang="en-US" sz="1800" dirty="0"/>
-          </a:p>
-          <a:p>
-            <a:pPr>
-              <a:buClr>
-                <a:schemeClr val="dk1"/>
-              </a:buClr>
-              <a:buSzPts val="1100"/>
-            </a:pPr>
-            <a:r>
-              <a:rPr lang="en-US" sz="1800" dirty="0"/>
-              <a:t>If you type the following, you notice there is no activity in your Git repo:</a:t>
-            </a:r>
-          </a:p>
-          <a:p>
-            <a:pPr>
-              <a:buClr>
-                <a:schemeClr val="dk1"/>
-              </a:buClr>
-              <a:buSzPts val="1100"/>
-            </a:pPr>
-            <a:endParaRPr lang="en-US" sz="1800" dirty="0"/>
-          </a:p>
-          <a:p>
-            <a:pPr lvl="0" indent="465138">
-              <a:buClr>
-                <a:schemeClr val="dk1"/>
-              </a:buClr>
-              <a:buSzPts val="1100"/>
-            </a:pPr>
+              <a:t>git clone </a:t>
+            </a:r>
             <a:r>
               <a:rPr lang="en-US" sz="1800" dirty="0">
                 <a:solidFill>
@@ -12335,196 +12582,10 @@
                 <a:latin typeface="Consolas"/>
                 <a:cs typeface="Consolas"/>
                 <a:sym typeface="Roboto Medium"/>
+                <a:hlinkClick r:id="rId3"/>
               </a:rPr>
-              <a:t>git status</a:t>
-            </a:r>
-            <a:endParaRPr lang="en-US" sz="1800" dirty="0"/>
-          </a:p>
-          <a:p>
-            <a:pPr marL="0" lvl="0" indent="0" algn="l" rtl="0">
-              <a:spcBef>
-                <a:spcPts val="0"/>
-              </a:spcBef>
-              <a:spcAft>
-                <a:spcPts val="0"/>
-              </a:spcAft>
-              <a:buClr>
-                <a:schemeClr val="dk1"/>
-              </a:buClr>
-              <a:buSzPts val="1100"/>
-              <a:buFont typeface="Arial"/>
-              <a:buNone/>
-            </a:pPr>
-            <a:endParaRPr lang="en-US" sz="1800" dirty="0"/>
-          </a:p>
-          <a:p>
-            <a:pPr marL="0" lvl="0" indent="0" algn="l" rtl="0">
-              <a:spcBef>
-                <a:spcPts val="0"/>
-              </a:spcBef>
-              <a:spcAft>
-                <a:spcPts val="0"/>
-              </a:spcAft>
-              <a:buClr>
-                <a:schemeClr val="dk1"/>
-              </a:buClr>
-              <a:buSzPts val="1100"/>
-              <a:buFont typeface="Arial"/>
-              <a:buNone/>
-            </a:pPr>
-            <a:r>
-              <a:rPr lang="en-US" sz="1800" dirty="0"/>
-              <a:t>Let’s make some basic changes to the Git repo we initialized. For instance, let’s start by moving in all the FEC files we cloned from </a:t>
-            </a:r>
-            <a:r>
-              <a:rPr lang="en-US" sz="1800" dirty="0" err="1"/>
-              <a:t>Github</a:t>
-            </a:r>
-            <a:r>
-              <a:rPr lang="en-US" sz="1800" dirty="0"/>
-              <a:t>.</a:t>
-            </a:r>
-          </a:p>
-          <a:p>
-            <a:pPr marL="0" lvl="0" indent="0" algn="l" rtl="0">
-              <a:spcBef>
-                <a:spcPts val="0"/>
-              </a:spcBef>
-              <a:spcAft>
-                <a:spcPts val="0"/>
-              </a:spcAft>
-              <a:buClr>
-                <a:schemeClr val="dk1"/>
-              </a:buClr>
-              <a:buSzPts val="1100"/>
-              <a:buFont typeface="Arial"/>
-              <a:buNone/>
-            </a:pPr>
-            <a:endParaRPr lang="en-US" sz="1800" dirty="0">
-              <a:solidFill>
-                <a:schemeClr val="dk1"/>
-              </a:solidFill>
-              <a:latin typeface="Consolas"/>
-              <a:cs typeface="Consolas"/>
-            </a:endParaRPr>
-          </a:p>
-          <a:p>
-            <a:pPr marL="457200" lvl="1">
-              <a:buClr>
-                <a:schemeClr val="dk1"/>
-              </a:buClr>
-              <a:buSzPts val="1100"/>
-            </a:pPr>
-            <a:r>
-              <a:rPr lang="en-US" sz="1800" dirty="0">
-                <a:solidFill>
-                  <a:schemeClr val="dk1"/>
-                </a:solidFill>
-                <a:highlight>
-                  <a:srgbClr val="C0C0C0"/>
-                </a:highlight>
-                <a:latin typeface="Consolas"/>
-                <a:cs typeface="Consolas"/>
-              </a:rPr>
-              <a:t>mv ~/fellows_workshop_2022/Session3_Version_Control/</a:t>
-            </a:r>
-            <a:r>
-              <a:rPr lang="en-US" sz="1800" dirty="0" err="1">
-                <a:solidFill>
-                  <a:schemeClr val="dk1"/>
-                </a:solidFill>
-                <a:highlight>
-                  <a:srgbClr val="C0C0C0"/>
-                </a:highlight>
-                <a:latin typeface="Consolas"/>
-                <a:cs typeface="Consolas"/>
-              </a:rPr>
-              <a:t>fec</a:t>
-            </a:r>
-            <a:r>
-              <a:rPr lang="en-US" sz="1800" dirty="0">
-                <a:solidFill>
-                  <a:schemeClr val="dk1"/>
-                </a:solidFill>
-                <a:highlight>
-                  <a:srgbClr val="C0C0C0"/>
-                </a:highlight>
-                <a:latin typeface="Consolas"/>
-                <a:cs typeface="Consolas"/>
-              </a:rPr>
-              <a:t>* ~/fellows_workshop_2022/Session3_Version_Control/practice/</a:t>
-            </a:r>
-          </a:p>
-          <a:p>
-            <a:pPr indent="465138">
-              <a:buClr>
-                <a:schemeClr val="dk1"/>
-              </a:buClr>
-              <a:buSzPts val="1100"/>
-            </a:pPr>
-            <a:endParaRPr lang="en-US" sz="1800" dirty="0"/>
-          </a:p>
-          <a:p>
-            <a:pPr marL="0" lvl="0" indent="0" algn="l" rtl="0">
-              <a:spcBef>
-                <a:spcPts val="0"/>
-              </a:spcBef>
-              <a:spcAft>
-                <a:spcPts val="0"/>
-              </a:spcAft>
-              <a:buClr>
-                <a:schemeClr val="dk1"/>
-              </a:buClr>
-              <a:buSzPts val="1100"/>
-              <a:buFont typeface="Arial"/>
-              <a:buNone/>
-            </a:pPr>
-            <a:r>
-              <a:rPr lang="en-US" sz="1800" dirty="0"/>
-              <a:t>Now running </a:t>
-            </a:r>
-            <a:r>
-              <a:rPr lang="en-US" sz="1800" dirty="0">
-                <a:solidFill>
-                  <a:schemeClr val="dk1"/>
-                </a:solidFill>
-                <a:highlight>
-                  <a:srgbClr val="C0C0C0"/>
-                </a:highlight>
-                <a:latin typeface="Consolas"/>
-                <a:cs typeface="Consolas"/>
-              </a:rPr>
-              <a:t>git status </a:t>
-            </a:r>
-            <a:r>
-              <a:rPr lang="en-US" sz="1800" dirty="0"/>
-              <a:t>will show untracked changes.</a:t>
-            </a:r>
-          </a:p>
-          <a:p>
-            <a:pPr marL="0" lvl="0" indent="0" algn="l" rtl="0">
-              <a:spcBef>
-                <a:spcPts val="0"/>
-              </a:spcBef>
-              <a:spcAft>
-                <a:spcPts val="0"/>
-              </a:spcAft>
-              <a:buClr>
-                <a:schemeClr val="dk1"/>
-              </a:buClr>
-              <a:buSzPts val="1100"/>
-              <a:buFont typeface="Arial"/>
-              <a:buNone/>
-            </a:pPr>
-            <a:endParaRPr lang="en-US" sz="1800" dirty="0"/>
-          </a:p>
-          <a:p>
-            <a:pPr marL="11113">
-              <a:buClr>
-                <a:schemeClr val="dk1"/>
-              </a:buClr>
-              <a:buSzPts val="1100"/>
-            </a:pPr>
+              <a:t>https://github.com/rs-kellogg/fellows_workshop_2022</a:t>
+            </a:r>
             <a:endParaRPr lang="en-US" sz="1800" dirty="0">
               <a:solidFill>
                 <a:schemeClr val="dk1"/>
@@ -12537,6 +12598,315 @@
               <a:sym typeface="Roboto Medium"/>
             </a:endParaRPr>
           </a:p>
+          <a:p>
+            <a:pPr marL="457200">
+              <a:buClr>
+                <a:schemeClr val="dk1"/>
+              </a:buClr>
+              <a:buSzPts val="1100"/>
+            </a:pPr>
+            <a:endParaRPr lang="en-US" sz="1800" dirty="0">
+              <a:solidFill>
+                <a:schemeClr val="dk1"/>
+              </a:solidFill>
+              <a:highlight>
+                <a:srgbClr val="C0C0C0"/>
+              </a:highlight>
+              <a:latin typeface="Roboto Medium"/>
+              <a:cs typeface="Roboto Medium"/>
+              <a:sym typeface="Roboto Medium"/>
+            </a:endParaRPr>
+          </a:p>
+          <a:p>
+            <a:pPr marL="11113">
+              <a:buClr>
+                <a:schemeClr val="dk1"/>
+              </a:buClr>
+              <a:buSzPts val="1100"/>
+            </a:pPr>
+            <a:r>
+              <a:rPr lang="en-US" sz="1800" dirty="0">
+                <a:sym typeface="Roboto Medium"/>
+              </a:rPr>
+              <a:t>It should download a directory called: </a:t>
+            </a:r>
+            <a:r>
+              <a:rPr lang="en-US" sz="1800" dirty="0">
+                <a:solidFill>
+                  <a:schemeClr val="dk1"/>
+                </a:solidFill>
+                <a:highlight>
+                  <a:srgbClr val="C0C0C0"/>
+                </a:highlight>
+                <a:latin typeface="Consolas"/>
+                <a:cs typeface="Consolas"/>
+                <a:sym typeface="Roboto Medium"/>
+              </a:rPr>
+              <a:t>fellows_workshop_2022.</a:t>
+            </a:r>
+          </a:p>
+          <a:p>
+            <a:pPr marL="11113">
+              <a:buClr>
+                <a:schemeClr val="dk1"/>
+              </a:buClr>
+              <a:buSzPts val="1100"/>
+            </a:pPr>
+            <a:endParaRPr lang="en-US" sz="1800" dirty="0">
+              <a:solidFill>
+                <a:schemeClr val="dk1"/>
+              </a:solidFill>
+              <a:highlight>
+                <a:srgbClr val="C0C0C0"/>
+              </a:highlight>
+              <a:latin typeface="Consolas"/>
+              <a:cs typeface="Consolas"/>
+              <a:sym typeface="Roboto Medium"/>
+            </a:endParaRPr>
+          </a:p>
+          <a:p>
+            <a:pPr marL="11113">
+              <a:buClr>
+                <a:schemeClr val="dk1"/>
+              </a:buClr>
+              <a:buSzPts val="1100"/>
+            </a:pPr>
+            <a:r>
+              <a:rPr lang="en-US" sz="1800" dirty="0">
+                <a:sym typeface="Roboto Medium"/>
+              </a:rPr>
+              <a:t>Create a subfolder called </a:t>
+            </a:r>
+            <a:r>
+              <a:rPr lang="en-US" sz="1800" dirty="0">
+                <a:solidFill>
+                  <a:schemeClr val="dk1"/>
+                </a:solidFill>
+                <a:highlight>
+                  <a:srgbClr val="C0C0C0"/>
+                </a:highlight>
+                <a:latin typeface="Consolas"/>
+                <a:cs typeface="Consolas"/>
+                <a:sym typeface="Roboto Medium"/>
+              </a:rPr>
+              <a:t>practice </a:t>
+            </a:r>
+            <a:r>
+              <a:rPr lang="en-US" sz="1800" dirty="0">
+                <a:sym typeface="Roboto Medium"/>
+              </a:rPr>
+              <a:t>within the Week 3 directory</a:t>
+            </a:r>
+          </a:p>
+          <a:p>
+            <a:pPr marL="11113">
+              <a:buClr>
+                <a:schemeClr val="dk1"/>
+              </a:buClr>
+              <a:buSzPts val="1100"/>
+            </a:pPr>
+            <a:endParaRPr lang="en-US" sz="1800" dirty="0">
+              <a:solidFill>
+                <a:schemeClr val="dk1"/>
+              </a:solidFill>
+              <a:highlight>
+                <a:srgbClr val="C0C0C0"/>
+              </a:highlight>
+              <a:latin typeface="Consolas"/>
+              <a:cs typeface="Consolas"/>
+              <a:sym typeface="Roboto Medium"/>
+            </a:endParaRPr>
+          </a:p>
+          <a:p>
+            <a:pPr marL="11113" lvl="2" indent="454025">
+              <a:buClr>
+                <a:schemeClr val="dk1"/>
+              </a:buClr>
+              <a:buSzPts val="1100"/>
+            </a:pPr>
+            <a:r>
+              <a:rPr lang="en-US" sz="1800" dirty="0">
+                <a:solidFill>
+                  <a:schemeClr val="dk1"/>
+                </a:solidFill>
+                <a:highlight>
+                  <a:srgbClr val="C0C0C0"/>
+                </a:highlight>
+                <a:latin typeface="Consolas"/>
+                <a:cs typeface="Consolas"/>
+                <a:sym typeface="Roboto Medium"/>
+              </a:rPr>
+              <a:t>cd fellows_workshop_2022/Session3_Version_Control/</a:t>
+            </a:r>
+          </a:p>
+          <a:p>
+            <a:pPr marL="11113" lvl="2" indent="454025">
+              <a:buClr>
+                <a:schemeClr val="dk1"/>
+              </a:buClr>
+              <a:buSzPts val="1100"/>
+            </a:pPr>
+            <a:r>
+              <a:rPr lang="en-US" sz="1800" dirty="0" err="1">
+                <a:solidFill>
+                  <a:schemeClr val="dk1"/>
+                </a:solidFill>
+                <a:highlight>
+                  <a:srgbClr val="C0C0C0"/>
+                </a:highlight>
+                <a:latin typeface="Consolas"/>
+                <a:cs typeface="Consolas"/>
+                <a:sym typeface="Roboto Medium"/>
+              </a:rPr>
+              <a:t>mkdir</a:t>
+            </a:r>
+            <a:r>
+              <a:rPr lang="en-US" sz="1800" dirty="0">
+                <a:solidFill>
+                  <a:schemeClr val="dk1"/>
+                </a:solidFill>
+                <a:highlight>
+                  <a:srgbClr val="C0C0C0"/>
+                </a:highlight>
+                <a:latin typeface="Consolas"/>
+                <a:cs typeface="Consolas"/>
+                <a:sym typeface="Roboto Medium"/>
+              </a:rPr>
+              <a:t> practice</a:t>
+            </a:r>
+          </a:p>
+          <a:p>
+            <a:pPr marL="11113" lvl="2" indent="454025">
+              <a:buClr>
+                <a:schemeClr val="dk1"/>
+              </a:buClr>
+              <a:buSzPts val="1100"/>
+            </a:pPr>
+            <a:r>
+              <a:rPr lang="en-US" sz="1800" dirty="0">
+                <a:solidFill>
+                  <a:schemeClr val="dk1"/>
+                </a:solidFill>
+                <a:highlight>
+                  <a:srgbClr val="C0C0C0"/>
+                </a:highlight>
+                <a:latin typeface="Consolas"/>
+                <a:cs typeface="Consolas"/>
+                <a:sym typeface="Roboto Medium"/>
+              </a:rPr>
+              <a:t>cd practice</a:t>
+            </a:r>
+            <a:endParaRPr lang="en-US" sz="1800" dirty="0">
+              <a:solidFill>
+                <a:schemeClr val="dk1"/>
+              </a:solidFill>
+              <a:highlight>
+                <a:srgbClr val="CCCCCC"/>
+              </a:highlight>
+              <a:latin typeface="Roboto Medium"/>
+              <a:cs typeface="Roboto Medium"/>
+              <a:sym typeface="Roboto Medium"/>
+            </a:endParaRPr>
+          </a:p>
+          <a:p>
+            <a:pPr marL="11113">
+              <a:buClr>
+                <a:schemeClr val="dk1"/>
+              </a:buClr>
+              <a:buSzPts val="1100"/>
+            </a:pPr>
+            <a:endParaRPr lang="en-US" sz="1800" dirty="0">
+              <a:solidFill>
+                <a:schemeClr val="dk1"/>
+              </a:solidFill>
+              <a:highlight>
+                <a:srgbClr val="C0C0C0"/>
+              </a:highlight>
+              <a:latin typeface="Consolas"/>
+              <a:cs typeface="Consolas"/>
+              <a:sym typeface="Roboto Medium"/>
+            </a:endParaRPr>
+          </a:p>
+          <a:p>
+            <a:pPr marL="11113">
+              <a:buClr>
+                <a:schemeClr val="dk1"/>
+              </a:buClr>
+              <a:buSzPts val="1100"/>
+            </a:pPr>
+            <a:r>
+              <a:rPr lang="en-US" sz="1800" dirty="0">
+                <a:sym typeface="Roboto Medium"/>
+              </a:rPr>
+              <a:t>The first step to start version control with Git is to initialize your (empty) directory:</a:t>
+            </a:r>
+          </a:p>
+          <a:p>
+            <a:pPr marL="11113">
+              <a:buClr>
+                <a:schemeClr val="dk1"/>
+              </a:buClr>
+              <a:buSzPts val="1100"/>
+            </a:pPr>
+            <a:endParaRPr lang="en-US" sz="1800" dirty="0">
+              <a:solidFill>
+                <a:schemeClr val="dk1"/>
+              </a:solidFill>
+              <a:highlight>
+                <a:srgbClr val="C0C0C0"/>
+              </a:highlight>
+              <a:latin typeface="Consolas"/>
+              <a:cs typeface="Consolas"/>
+              <a:sym typeface="Roboto Medium"/>
+            </a:endParaRPr>
+          </a:p>
+          <a:p>
+            <a:pPr marL="11113" lvl="2" indent="454025">
+              <a:buClr>
+                <a:schemeClr val="dk1"/>
+              </a:buClr>
+              <a:buSzPts val="1100"/>
+            </a:pPr>
+            <a:r>
+              <a:rPr lang="en-US" sz="1800" dirty="0">
+                <a:solidFill>
+                  <a:schemeClr val="dk1"/>
+                </a:solidFill>
+                <a:highlight>
+                  <a:srgbClr val="C0C0C0"/>
+                </a:highlight>
+                <a:latin typeface="Consolas"/>
+                <a:cs typeface="Consolas"/>
+                <a:sym typeface="Roboto Medium"/>
+              </a:rPr>
+              <a:t>git </a:t>
+            </a:r>
+            <a:r>
+              <a:rPr lang="en-US" sz="1800" dirty="0" err="1">
+                <a:solidFill>
+                  <a:schemeClr val="dk1"/>
+                </a:solidFill>
+                <a:highlight>
+                  <a:srgbClr val="C0C0C0"/>
+                </a:highlight>
+                <a:latin typeface="Consolas"/>
+                <a:cs typeface="Consolas"/>
+                <a:sym typeface="Roboto Medium"/>
+              </a:rPr>
+              <a:t>init</a:t>
+            </a:r>
+            <a:endParaRPr lang="en-US" sz="1800" dirty="0">
+              <a:solidFill>
+                <a:schemeClr val="dk1"/>
+              </a:solidFill>
+              <a:highlight>
+                <a:srgbClr val="C0C0C0"/>
+              </a:highlight>
+              <a:latin typeface="Consolas"/>
+              <a:cs typeface="Consolas"/>
+              <a:sym typeface="Roboto Medium"/>
+            </a:endParaRPr>
+          </a:p>
         </p:txBody>
       </p:sp>
       <p:sp>
@@ -12544,7 +12914,7 @@
           <p:cNvPr id="2" name="Google Shape;94;ge58bbe3d21_0_49">
             <a:extLst>
               <a:ext uri="{FF2B5EF4-FFF2-40B4-BE49-F238E27FC236}">
-                <a16:creationId xmlns:a16="http://schemas.microsoft.com/office/drawing/2014/main" id="{06C8CD7B-FE67-E9D5-3A65-6D1A5427A04F}"/>
+                <a16:creationId xmlns:a16="http://schemas.microsoft.com/office/drawing/2014/main" id="{9A66AA1B-FCBC-61D6-E5AE-44544A585300}"/>
               </a:ext>
             </a:extLst>
           </p:cNvPr>
@@ -12598,7 +12968,7 @@
     </p:spTree>
     <p:extLst>
       <p:ext uri="{BB962C8B-B14F-4D97-AF65-F5344CB8AC3E}">
-        <p14:creationId xmlns:p14="http://schemas.microsoft.com/office/powerpoint/2010/main" val="3899540546"/>
+        <p14:creationId xmlns:p14="http://schemas.microsoft.com/office/powerpoint/2010/main" val="1866508830"/>
       </p:ext>
     </p:extLst>
   </p:cSld>
@@ -12669,7 +13039,7 @@
             </a:pPr>
             <a:r>
               <a:rPr lang="en-US" dirty="0"/>
-              <a:t>Saving Changes to a local git repo</a:t>
+              <a:t>Make Changes to your repo</a:t>
             </a:r>
             <a:endParaRPr dirty="0"/>
           </a:p>
@@ -12725,69 +13095,16 @@
           </a:p>
         </p:txBody>
       </p:sp>
-      <p:pic>
-        <p:nvPicPr>
-          <p:cNvPr id="3074" name="Picture 2" descr="Git Staging Area: Explained Like I&amp;#39;m Five - DEV Community">
-            <a:extLst>
-              <a:ext uri="{FF2B5EF4-FFF2-40B4-BE49-F238E27FC236}">
-                <a16:creationId xmlns:a16="http://schemas.microsoft.com/office/drawing/2014/main" id="{ADB943DB-5A51-3045-84AF-B2099C9B0467}"/>
-              </a:ext>
-            </a:extLst>
-          </p:cNvPr>
-          <p:cNvPicPr>
-            <a:picLocks noChangeAspect="1" noChangeArrowheads="1"/>
-          </p:cNvPicPr>
-          <p:nvPr/>
-        </p:nvPicPr>
-        <p:blipFill>
-          <a:blip r:embed="rId3">
-            <a:extLst>
-              <a:ext uri="{28A0092B-C50C-407E-A947-70E740481C1C}">
-                <a14:useLocalDpi xmlns:a14="http://schemas.microsoft.com/office/drawing/2010/main" val="0"/>
-              </a:ext>
-            </a:extLst>
-          </a:blip>
-          <a:srcRect/>
-          <a:stretch>
-            <a:fillRect/>
-          </a:stretch>
-        </p:blipFill>
-        <p:spPr bwMode="auto">
-          <a:xfrm>
-            <a:off x="930628" y="1739900"/>
-            <a:ext cx="7282744" cy="4096544"/>
-          </a:xfrm>
-          <a:prstGeom prst="rect">
-            <a:avLst/>
-          </a:prstGeom>
-          <a:noFill/>
-          <a:extLst>
-            <a:ext uri="{909E8E84-426E-40DD-AFC4-6F175D3DCCD1}">
-              <a14:hiddenFill xmlns:a14="http://schemas.microsoft.com/office/drawing/2010/main">
-                <a:solidFill>
-                  <a:srgbClr val="FFFFFF"/>
-                </a:solidFill>
-              </a14:hiddenFill>
-            </a:ext>
-          </a:extLst>
-        </p:spPr>
-      </p:pic>
       <p:sp>
         <p:nvSpPr>
-          <p:cNvPr id="8" name="Google Shape;105;ge6d407e7a1_0_0">
-            <a:extLst>
-              <a:ext uri="{FF2B5EF4-FFF2-40B4-BE49-F238E27FC236}">
-                <a16:creationId xmlns:a16="http://schemas.microsoft.com/office/drawing/2014/main" id="{D1E650A8-F22D-6548-AD24-5D2946CC5779}"/>
-              </a:ext>
-            </a:extLst>
-          </p:cNvPr>
+          <p:cNvPr id="105" name="Google Shape;105;ge6d407e7a1_0_0"/>
           <p:cNvSpPr txBox="1"/>
           <p:nvPr/>
         </p:nvSpPr>
         <p:spPr>
           <a:xfrm>
             <a:off x="268574" y="904875"/>
-            <a:ext cx="8418226" cy="1292631"/>
+            <a:ext cx="8645700" cy="4893617"/>
           </a:xfrm>
           <a:prstGeom prst="rect">
             <a:avLst/>
@@ -12803,6 +13120,103 @@
           </a:bodyPr>
           <a:lstStyle/>
           <a:p>
+            <a:pPr>
+              <a:buClr>
+                <a:schemeClr val="dk1"/>
+              </a:buClr>
+              <a:buSzPts val="1100"/>
+            </a:pPr>
+            <a:r>
+              <a:rPr lang="en-US" sz="1800" dirty="0"/>
+              <a:t>Note that when you initialize a repo a new hidden folder will be saved here:</a:t>
+            </a:r>
+          </a:p>
+          <a:p>
+            <a:pPr>
+              <a:buClr>
+                <a:schemeClr val="dk1"/>
+              </a:buClr>
+              <a:buSzPts val="1100"/>
+            </a:pPr>
+            <a:endParaRPr lang="en-US" sz="1800" dirty="0"/>
+          </a:p>
+          <a:p>
+            <a:pPr marL="465138" lvl="1">
+              <a:buClr>
+                <a:schemeClr val="dk1"/>
+              </a:buClr>
+              <a:buSzPts val="1100"/>
+            </a:pPr>
+            <a:r>
+              <a:rPr lang="en-US" sz="1800" dirty="0">
+                <a:solidFill>
+                  <a:schemeClr val="dk1"/>
+                </a:solidFill>
+                <a:highlight>
+                  <a:srgbClr val="C0C0C0"/>
+                </a:highlight>
+                <a:latin typeface="Consolas"/>
+                <a:cs typeface="Consolas"/>
+                <a:sym typeface="Roboto Medium"/>
+              </a:rPr>
+              <a:t>ls -a</a:t>
+            </a:r>
+            <a:endParaRPr lang="en-US" sz="1800" dirty="0"/>
+          </a:p>
+          <a:p>
+            <a:pPr>
+              <a:buClr>
+                <a:schemeClr val="dk1"/>
+              </a:buClr>
+              <a:buSzPts val="1100"/>
+            </a:pPr>
+            <a:endParaRPr lang="en-US" sz="1800" dirty="0"/>
+          </a:p>
+          <a:p>
+            <a:pPr>
+              <a:buClr>
+                <a:schemeClr val="dk1"/>
+              </a:buClr>
+              <a:buSzPts val="1100"/>
+            </a:pPr>
+            <a:r>
+              <a:rPr lang="en-US" sz="1800" dirty="0"/>
+              <a:t>If you type the following, you notice there is no activity in your Git repo:</a:t>
+            </a:r>
+          </a:p>
+          <a:p>
+            <a:pPr>
+              <a:buClr>
+                <a:schemeClr val="dk1"/>
+              </a:buClr>
+              <a:buSzPts val="1100"/>
+            </a:pPr>
+            <a:endParaRPr lang="en-US" sz="1800" dirty="0"/>
+          </a:p>
+          <a:p>
+            <a:pPr lvl="0" indent="465138">
+              <a:buClr>
+                <a:schemeClr val="dk1"/>
+              </a:buClr>
+              <a:buSzPts val="1100"/>
+            </a:pPr>
+            <a:r>
+              <a:rPr lang="en-US" sz="1800" dirty="0">
+                <a:solidFill>
+                  <a:schemeClr val="dk1"/>
+                </a:solidFill>
+                <a:highlight>
+                  <a:srgbClr val="C0C0C0"/>
+                </a:highlight>
+                <a:latin typeface="Consolas"/>
+                <a:cs typeface="Consolas"/>
+                <a:sym typeface="Roboto Medium"/>
+              </a:rPr>
+              <a:t>git status</a:t>
+            </a:r>
+            <a:endParaRPr lang="en-US" sz="1800" dirty="0"/>
+          </a:p>
+          <a:p>
             <a:pPr marL="0" lvl="0" indent="0" algn="l" rtl="0">
               <a:spcBef>
                 <a:spcPts val="0"/>
@@ -12817,12 +13231,7 @@
               <a:buFont typeface="Arial"/>
               <a:buNone/>
             </a:pPr>
-            <a:r>
-              <a:rPr lang="en-US" sz="1800" dirty="0">
-                <a:sym typeface="Roboto Medium"/>
-              </a:rPr>
-              <a:t>Since a Git repo consists of two spaces: a “staging area” and the actual “repository”, saving changes requires two steps:</a:t>
-            </a:r>
+            <a:endParaRPr lang="en-US" sz="1800" dirty="0"/>
           </a:p>
           <a:p>
             <a:pPr marL="0" lvl="0" indent="0" algn="l" rtl="0">
@@ -12840,10 +13249,16 @@
               <a:buNone/>
             </a:pPr>
             <a:r>
-              <a:rPr lang="en-US" sz="1800" dirty="0">
-                <a:sym typeface="Roboto Medium"/>
-              </a:rPr>
-              <a:t>1.) an “add” and 2.) a “commit”.</a:t>
+              <a:rPr lang="en-US" sz="1800" dirty="0"/>
+              <a:t>Let’s make some basic changes to the Git repo we initialized. For instance, let’s start by moving in all the FEC files we cloned from </a:t>
+            </a:r>
+            <a:r>
+              <a:rPr lang="en-US" sz="1800" dirty="0" err="1"/>
+              <a:t>Github</a:t>
+            </a:r>
+            <a:r>
+              <a:rPr lang="en-US" sz="1800" dirty="0"/>
+              <a:t>.</a:t>
             </a:r>
           </a:p>
           <a:p>
@@ -12860,6 +13275,131 @@
               <a:buSzPts val="1100"/>
               <a:buFont typeface="Arial"/>
               <a:buNone/>
+            </a:pPr>
+            <a:endParaRPr lang="en-US" sz="1800" dirty="0">
+              <a:solidFill>
+                <a:schemeClr val="dk1"/>
+              </a:solidFill>
+              <a:latin typeface="Consolas"/>
+              <a:cs typeface="Consolas"/>
+            </a:endParaRPr>
+          </a:p>
+          <a:p>
+            <a:pPr marL="457200" lvl="1">
+              <a:buClr>
+                <a:schemeClr val="dk1"/>
+              </a:buClr>
+              <a:buSzPts val="1100"/>
+            </a:pPr>
+            <a:r>
+              <a:rPr lang="en-US" sz="1800" dirty="0">
+                <a:solidFill>
+                  <a:schemeClr val="dk1"/>
+                </a:solidFill>
+                <a:highlight>
+                  <a:srgbClr val="C0C0C0"/>
+                </a:highlight>
+                <a:latin typeface="Consolas"/>
+                <a:cs typeface="Consolas"/>
+              </a:rPr>
+              <a:t>mv ~/fellows_workshop_2022/Session3_Version_Control/</a:t>
+            </a:r>
+            <a:r>
+              <a:rPr lang="en-US" sz="1800" dirty="0" err="1">
+                <a:solidFill>
+                  <a:schemeClr val="dk1"/>
+                </a:solidFill>
+                <a:highlight>
+                  <a:srgbClr val="C0C0C0"/>
+                </a:highlight>
+                <a:latin typeface="Consolas"/>
+                <a:cs typeface="Consolas"/>
+              </a:rPr>
+              <a:t>fec</a:t>
+            </a:r>
+            <a:r>
+              <a:rPr lang="en-US" sz="1800" dirty="0">
+                <a:solidFill>
+                  <a:schemeClr val="dk1"/>
+                </a:solidFill>
+                <a:highlight>
+                  <a:srgbClr val="C0C0C0"/>
+                </a:highlight>
+                <a:latin typeface="Consolas"/>
+                <a:cs typeface="Consolas"/>
+              </a:rPr>
+              <a:t>* ~/fellows_workshop_2022/Session3_Version_Control/practice/</a:t>
+            </a:r>
+          </a:p>
+          <a:p>
+            <a:pPr indent="465138">
+              <a:buClr>
+                <a:schemeClr val="dk1"/>
+              </a:buClr>
+              <a:buSzPts val="1100"/>
+            </a:pPr>
+            <a:endParaRPr lang="en-US" sz="1800" dirty="0"/>
+          </a:p>
+          <a:p>
+            <a:pPr marL="0" lvl="0" indent="0" algn="l" rtl="0">
+              <a:spcBef>
+                <a:spcPts val="0"/>
+              </a:spcBef>
+              <a:spcAft>
+                <a:spcPts val="0"/>
+              </a:spcAft>
+              <a:buClr>
+                <a:schemeClr val="dk1"/>
+              </a:buClr>
+              <a:buSzPts val="1100"/>
+              <a:buFont typeface="Arial"/>
+              <a:buNone/>
+            </a:pPr>
+            <a:r>
+              <a:rPr lang="en-US" sz="1800" dirty="0"/>
+              <a:t>Now running </a:t>
+            </a:r>
+            <a:r>
+              <a:rPr lang="en-US" sz="1800" dirty="0">
+                <a:solidFill>
+                  <a:schemeClr val="dk1"/>
+                </a:solidFill>
+                <a:highlight>
+                  <a:srgbClr val="C0C0C0"/>
+                </a:highlight>
+                <a:latin typeface="Consolas"/>
+                <a:cs typeface="Consolas"/>
+              </a:rPr>
+              <a:t>git status </a:t>
+            </a:r>
+            <a:r>
+              <a:rPr lang="en-US" sz="1800" dirty="0"/>
+              <a:t>will show untracked changes.</a:t>
+            </a:r>
+          </a:p>
+          <a:p>
+            <a:pPr marL="0" lvl="0" indent="0" algn="l" rtl="0">
+              <a:spcBef>
+                <a:spcPts val="0"/>
+              </a:spcBef>
+              <a:spcAft>
+                <a:spcPts val="0"/>
+              </a:spcAft>
+              <a:buClr>
+                <a:schemeClr val="dk1"/>
+              </a:buClr>
+              <a:buSzPts val="1100"/>
+              <a:buFont typeface="Arial"/>
+              <a:buNone/>
+            </a:pPr>
+            <a:endParaRPr lang="en-US" sz="1800" dirty="0"/>
+          </a:p>
+          <a:p>
+            <a:pPr marL="11113">
+              <a:buClr>
+                <a:schemeClr val="dk1"/>
+              </a:buClr>
+              <a:buSzPts val="1100"/>
             </a:pPr>
             <a:endParaRPr lang="en-US" sz="1800" dirty="0">
               <a:solidFill>
@@ -12877,63 +13417,10 @@
       </p:sp>
       <p:sp>
         <p:nvSpPr>
-          <p:cNvPr id="9" name="TextBox 8">
+          <p:cNvPr id="2" name="Google Shape;94;ge58bbe3d21_0_49">
             <a:extLst>
               <a:ext uri="{FF2B5EF4-FFF2-40B4-BE49-F238E27FC236}">
-                <a16:creationId xmlns:a16="http://schemas.microsoft.com/office/drawing/2014/main" id="{ECD73A1D-6C96-B747-BDCC-BD459361D758}"/>
-              </a:ext>
-            </a:extLst>
-          </p:cNvPr>
-          <p:cNvSpPr txBox="1"/>
-          <p:nvPr/>
-        </p:nvSpPr>
-        <p:spPr>
-          <a:xfrm>
-            <a:off x="1105879" y="5830888"/>
-            <a:ext cx="7580921" cy="738664"/>
-          </a:xfrm>
-          <a:prstGeom prst="rect">
-            <a:avLst/>
-          </a:prstGeom>
-          <a:noFill/>
-        </p:spPr>
-        <p:txBody>
-          <a:bodyPr wrap="none" rtlCol="0">
-            <a:spAutoFit/>
-          </a:bodyPr>
-          <a:lstStyle/>
-          <a:p>
-            <a:r>
-              <a:rPr lang="en-US" i="1" dirty="0"/>
-              <a:t>Image taken from: </a:t>
-            </a:r>
-          </a:p>
-          <a:p>
-            <a:r>
-              <a:rPr lang="en-US" i="1" dirty="0">
-                <a:hlinkClick r:id="rId4"/>
-              </a:rPr>
-              <a:t>https://medium.com/tech-and-the-city/changing-a-super-old-git-commit-history-20346f709ca9</a:t>
-            </a:r>
-            <a:r>
-              <a:rPr lang="en-US" i="1" dirty="0"/>
-              <a:t> </a:t>
-            </a:r>
-          </a:p>
-          <a:p>
-            <a:r>
-              <a:rPr lang="en-US" i="1" dirty="0"/>
-              <a:t> </a:t>
-            </a:r>
-          </a:p>
-        </p:txBody>
-      </p:sp>
-      <p:sp>
-        <p:nvSpPr>
-          <p:cNvPr id="3" name="Google Shape;94;ge58bbe3d21_0_49">
-            <a:extLst>
-              <a:ext uri="{FF2B5EF4-FFF2-40B4-BE49-F238E27FC236}">
-                <a16:creationId xmlns:a16="http://schemas.microsoft.com/office/drawing/2014/main" id="{B5541CA9-1F87-1C41-011D-1B37365EBE52}"/>
+                <a16:creationId xmlns:a16="http://schemas.microsoft.com/office/drawing/2014/main" id="{06C8CD7B-FE67-E9D5-3A65-6D1A5427A04F}"/>
               </a:ext>
             </a:extLst>
           </p:cNvPr>
@@ -12987,7 +13474,7 @@
     </p:spTree>
     <p:extLst>
       <p:ext uri="{BB962C8B-B14F-4D97-AF65-F5344CB8AC3E}">
-        <p14:creationId xmlns:p14="http://schemas.microsoft.com/office/powerpoint/2010/main" val="139947978"/>
+        <p14:creationId xmlns:p14="http://schemas.microsoft.com/office/powerpoint/2010/main" val="3899540546"/>
       </p:ext>
     </p:extLst>
   </p:cSld>
@@ -13114,6 +13601,53 @@
           </a:p>
         </p:txBody>
       </p:sp>
+      <p:pic>
+        <p:nvPicPr>
+          <p:cNvPr id="3074" name="Picture 2" descr="Git Staging Area: Explained Like I&amp;#39;m Five - DEV Community">
+            <a:extLst>
+              <a:ext uri="{FF2B5EF4-FFF2-40B4-BE49-F238E27FC236}">
+                <a16:creationId xmlns:a16="http://schemas.microsoft.com/office/drawing/2014/main" id="{ADB943DB-5A51-3045-84AF-B2099C9B0467}"/>
+              </a:ext>
+            </a:extLst>
+          </p:cNvPr>
+          <p:cNvPicPr>
+            <a:picLocks noChangeAspect="1" noChangeArrowheads="1"/>
+          </p:cNvPicPr>
+          <p:nvPr/>
+        </p:nvPicPr>
+        <p:blipFill>
+          <a:blip r:embed="rId3">
+            <a:extLst>
+              <a:ext uri="{28A0092B-C50C-407E-A947-70E740481C1C}">
+                <a14:useLocalDpi xmlns:a14="http://schemas.microsoft.com/office/drawing/2010/main" val="0"/>
+              </a:ext>
+            </a:extLst>
+          </a:blip>
+          <a:srcRect/>
+          <a:stretch>
+            <a:fillRect/>
+          </a:stretch>
+        </p:blipFill>
+        <p:spPr bwMode="auto">
+          <a:xfrm>
+            <a:off x="930628" y="1739900"/>
+            <a:ext cx="7282744" cy="4096544"/>
+          </a:xfrm>
+          <a:prstGeom prst="rect">
+            <a:avLst/>
+          </a:prstGeom>
+          <a:noFill/>
+          <a:extLst>
+            <a:ext uri="{909E8E84-426E-40DD-AFC4-6F175D3DCCD1}">
+              <a14:hiddenFill xmlns:a14="http://schemas.microsoft.com/office/drawing/2010/main">
+                <a:solidFill>
+                  <a:srgbClr val="FFFFFF"/>
+                </a:solidFill>
+              </a14:hiddenFill>
+            </a:ext>
+          </a:extLst>
+        </p:spPr>
+      </p:pic>
       <p:sp>
         <p:nvSpPr>
           <p:cNvPr id="8" name="Google Shape;105;ge6d407e7a1_0_0">
@@ -13129,7 +13663,7 @@
         <p:spPr>
           <a:xfrm>
             <a:off x="268574" y="904875"/>
-            <a:ext cx="8418226" cy="5170616"/>
+            <a:ext cx="8418226" cy="1292631"/>
           </a:xfrm>
           <a:prstGeom prst="rect">
             <a:avLst/>
@@ -13145,149 +13679,64 @@
           </a:bodyPr>
           <a:lstStyle/>
           <a:p>
-            <a:pPr lvl="0">
+            <a:pPr marL="0" lvl="0" indent="0" algn="l" rtl="0">
+              <a:spcBef>
+                <a:spcPts val="0"/>
+              </a:spcBef>
+              <a:spcAft>
+                <a:spcPts val="0"/>
+              </a:spcAft>
               <a:buClr>
                 <a:schemeClr val="dk1"/>
               </a:buClr>
               <a:buSzPts val="1100"/>
+              <a:buFont typeface="Arial"/>
+              <a:buNone/>
             </a:pPr>
             <a:r>
               <a:rPr lang="en-US" sz="1800" dirty="0">
                 <a:sym typeface="Roboto Medium"/>
               </a:rPr>
-              <a:t>We can add the files we moved to the staging area with the following: </a:t>
-            </a:r>
-          </a:p>
-          <a:p>
-            <a:pPr lvl="0">
+              <a:t>Since a Git repo consists of two spaces: a “staging area” and the actual “repository”, saving changes requires two steps:</a:t>
+            </a:r>
+          </a:p>
+          <a:p>
+            <a:pPr marL="0" lvl="0" indent="0" algn="l" rtl="0">
+              <a:spcBef>
+                <a:spcPts val="0"/>
+              </a:spcBef>
+              <a:spcAft>
+                <a:spcPts val="0"/>
+              </a:spcAft>
               <a:buClr>
                 <a:schemeClr val="dk1"/>
               </a:buClr>
               <a:buSzPts val="1100"/>
-            </a:pPr>
-            <a:endParaRPr lang="en-US" sz="1800" dirty="0">
-              <a:sym typeface="Roboto Medium"/>
-            </a:endParaRPr>
-          </a:p>
-          <a:p>
-            <a:pPr marL="11113" lvl="2" indent="454025">
-              <a:buClr>
-                <a:schemeClr val="dk1"/>
-              </a:buClr>
-              <a:buSzPts val="1100"/>
+              <a:buFont typeface="Arial"/>
+              <a:buNone/>
             </a:pPr>
             <a:r>
               <a:rPr lang="en-US" sz="1800" dirty="0">
-                <a:solidFill>
-                  <a:schemeClr val="dk1"/>
-                </a:solidFill>
-                <a:highlight>
-                  <a:srgbClr val="C0C0C0"/>
-                </a:highlight>
-                <a:latin typeface="Consolas"/>
-                <a:cs typeface="Consolas"/>
                 <a:sym typeface="Roboto Medium"/>
               </a:rPr>
-              <a:t>﻿git add </a:t>
-            </a:r>
-            <a:r>
-              <a:rPr lang="en-US" sz="1800" dirty="0" err="1">
-                <a:solidFill>
-                  <a:schemeClr val="dk1"/>
-                </a:solidFill>
-                <a:highlight>
-                  <a:srgbClr val="C0C0C0"/>
-                </a:highlight>
-                <a:latin typeface="Consolas"/>
-                <a:cs typeface="Consolas"/>
-                <a:sym typeface="Roboto Medium"/>
-              </a:rPr>
-              <a:t>fec_all.sh</a:t>
-            </a:r>
-            <a:r>
-              <a:rPr lang="en-US" sz="1800" dirty="0">
-                <a:solidFill>
-                  <a:schemeClr val="dk1"/>
-                </a:solidFill>
-                <a:highlight>
-                  <a:srgbClr val="C0C0C0"/>
-                </a:highlight>
-                <a:latin typeface="Consolas"/>
-                <a:cs typeface="Consolas"/>
-                <a:sym typeface="Roboto Medium"/>
-              </a:rPr>
-              <a:t> </a:t>
-            </a:r>
-            <a:r>
-              <a:rPr lang="en-US" sz="1800" dirty="0" err="1">
-                <a:solidFill>
-                  <a:schemeClr val="dk1"/>
-                </a:solidFill>
-                <a:highlight>
-                  <a:srgbClr val="C0C0C0"/>
-                </a:highlight>
-                <a:latin typeface="Consolas"/>
-                <a:cs typeface="Consolas"/>
-                <a:sym typeface="Roboto Medium"/>
-              </a:rPr>
-              <a:t>fec_cron.sh</a:t>
-            </a:r>
-            <a:r>
-              <a:rPr lang="en-US" sz="1800" dirty="0">
-                <a:solidFill>
-                  <a:schemeClr val="dk1"/>
-                </a:solidFill>
-                <a:highlight>
-                  <a:srgbClr val="C0C0C0"/>
-                </a:highlight>
-                <a:latin typeface="Consolas"/>
-                <a:cs typeface="Consolas"/>
-                <a:sym typeface="Roboto Medium"/>
-              </a:rPr>
-              <a:t> </a:t>
-            </a:r>
-            <a:r>
-              <a:rPr lang="en-US" sz="1800" dirty="0" err="1">
-                <a:solidFill>
-                  <a:schemeClr val="dk1"/>
-                </a:solidFill>
-                <a:highlight>
-                  <a:srgbClr val="C0C0C0"/>
-                </a:highlight>
-                <a:latin typeface="Consolas"/>
-                <a:cs typeface="Consolas"/>
-                <a:sym typeface="Roboto Medium"/>
-              </a:rPr>
-              <a:t>fec_extract.py</a:t>
-            </a:r>
-            <a:r>
-              <a:rPr lang="en-US" sz="1800" dirty="0">
-                <a:solidFill>
-                  <a:schemeClr val="dk1"/>
-                </a:solidFill>
-                <a:highlight>
-                  <a:srgbClr val="C0C0C0"/>
-                </a:highlight>
-                <a:latin typeface="Consolas"/>
-                <a:cs typeface="Consolas"/>
-                <a:sym typeface="Roboto Medium"/>
-              </a:rPr>
-              <a:t> </a:t>
-            </a:r>
-            <a:r>
-              <a:rPr lang="en-US" sz="1800" dirty="0" err="1">
-                <a:solidFill>
-                  <a:schemeClr val="dk1"/>
-                </a:solidFill>
-                <a:highlight>
-                  <a:srgbClr val="C0C0C0"/>
-                </a:highlight>
-                <a:latin typeface="Consolas"/>
-                <a:cs typeface="Consolas"/>
-                <a:sym typeface="Roboto Medium"/>
-              </a:rPr>
-              <a:t>fec_process.R</a:t>
-            </a:r>
+              <a:t>1.) an “add” and 2.) a “commit”.</a:t>
+            </a:r>
+          </a:p>
+          <a:p>
+            <a:pPr marL="0" lvl="0" indent="0" algn="l" rtl="0">
+              <a:spcBef>
+                <a:spcPts val="0"/>
+              </a:spcBef>
+              <a:spcAft>
+                <a:spcPts val="0"/>
+              </a:spcAft>
+              <a:buClr>
+                <a:schemeClr val="dk1"/>
+              </a:buClr>
+              <a:buSzPts val="1100"/>
+              <a:buFont typeface="Arial"/>
+              <a:buNone/>
+            </a:pPr>
             <a:endParaRPr lang="en-US" sz="1800" dirty="0">
               <a:solidFill>
                 <a:schemeClr val="dk1"/>
@@ -13300,268 +13749,67 @@
               <a:sym typeface="Roboto Medium"/>
             </a:endParaRPr>
           </a:p>
-          <a:p>
-            <a:pPr lvl="0">
-              <a:buClr>
-                <a:schemeClr val="dk1"/>
-              </a:buClr>
-              <a:buSzPts val="1100"/>
-            </a:pPr>
-            <a:endParaRPr lang="en-US" sz="1800" dirty="0">
-              <a:sym typeface="Roboto Medium"/>
-            </a:endParaRPr>
-          </a:p>
-          <a:p>
-            <a:pPr lvl="0">
-              <a:buClr>
-                <a:schemeClr val="dk1"/>
-              </a:buClr>
-              <a:buSzPts val="1100"/>
-            </a:pPr>
-            <a:r>
-              <a:rPr lang="en-US" sz="1800" dirty="0">
-                <a:sym typeface="Roboto Medium"/>
-              </a:rPr>
-              <a:t>OR</a:t>
-            </a:r>
-          </a:p>
-          <a:p>
-            <a:pPr lvl="0">
-              <a:buClr>
-                <a:schemeClr val="dk1"/>
-              </a:buClr>
-              <a:buSzPts val="1100"/>
-            </a:pPr>
-            <a:endParaRPr lang="en-US" sz="1800" dirty="0">
-              <a:sym typeface="Roboto Medium"/>
-            </a:endParaRPr>
-          </a:p>
-          <a:p>
-            <a:pPr lvl="0" indent="465138">
-              <a:buClr>
-                <a:schemeClr val="dk1"/>
-              </a:buClr>
-              <a:buSzPts val="1100"/>
-            </a:pPr>
-            <a:r>
-              <a:rPr lang="en-US" sz="1800" dirty="0">
-                <a:solidFill>
-                  <a:schemeClr val="dk1"/>
-                </a:solidFill>
-                <a:highlight>
-                  <a:srgbClr val="C0C0C0"/>
-                </a:highlight>
-                <a:latin typeface="Consolas"/>
-                <a:cs typeface="Consolas"/>
-                <a:sym typeface="Roboto Medium"/>
-              </a:rPr>
-              <a:t>git add . </a:t>
-            </a:r>
-          </a:p>
-          <a:p>
-            <a:pPr lvl="0">
-              <a:buClr>
-                <a:schemeClr val="dk1"/>
-              </a:buClr>
-              <a:buSzPts val="1100"/>
-            </a:pPr>
-            <a:endParaRPr lang="en-US" sz="1800" dirty="0">
-              <a:sym typeface="Roboto Medium"/>
-            </a:endParaRPr>
-          </a:p>
-          <a:p>
-            <a:pPr>
-              <a:buClr>
-                <a:schemeClr val="dk1"/>
-              </a:buClr>
-              <a:buSzPts val="1100"/>
-            </a:pPr>
-            <a:r>
-              <a:rPr lang="en-US" sz="1800" dirty="0">
-                <a:sym typeface="Roboto Medium"/>
-              </a:rPr>
-              <a:t>We can move the files from staging area to the local Git </a:t>
-            </a:r>
-            <a:r>
-              <a:rPr lang="en-US" sz="1800" dirty="0">
-                <a:solidFill>
-                  <a:schemeClr val="dk1"/>
-                </a:solidFill>
-                <a:highlight>
-                  <a:srgbClr val="C0C0C0"/>
-                </a:highlight>
-                <a:latin typeface="Consolas"/>
-                <a:cs typeface="Consolas"/>
-                <a:sym typeface="Roboto Medium"/>
-              </a:rPr>
-              <a:t>practice</a:t>
-            </a:r>
-            <a:r>
-              <a:rPr lang="en-US" sz="1800" dirty="0">
-                <a:solidFill>
-                  <a:schemeClr val="dk1"/>
-                </a:solidFill>
-                <a:latin typeface="Consolas"/>
-                <a:cs typeface="Consolas"/>
-                <a:sym typeface="Roboto Medium"/>
-              </a:rPr>
-              <a:t> </a:t>
-            </a:r>
-            <a:r>
-              <a:rPr lang="en-US" sz="1800" dirty="0">
-                <a:sym typeface="Roboto Medium"/>
-              </a:rPr>
-              <a:t>repo with:</a:t>
-            </a:r>
-          </a:p>
-          <a:p>
-            <a:pPr lvl="0">
-              <a:buClr>
-                <a:schemeClr val="dk1"/>
-              </a:buClr>
-              <a:buSzPts val="1100"/>
-            </a:pPr>
-            <a:endParaRPr lang="en-US" sz="1800" dirty="0">
-              <a:sym typeface="Roboto Medium"/>
-            </a:endParaRPr>
-          </a:p>
-          <a:p>
-            <a:pPr lvl="0">
-              <a:buClr>
-                <a:schemeClr val="dk1"/>
-              </a:buClr>
-              <a:buSzPts val="1100"/>
-            </a:pPr>
-            <a:endParaRPr lang="en-US" sz="1800" dirty="0">
-              <a:sym typeface="Roboto Medium"/>
-            </a:endParaRPr>
-          </a:p>
-          <a:p>
-            <a:pPr marL="11113" lvl="2" indent="454025">
-              <a:buClr>
-                <a:schemeClr val="dk1"/>
-              </a:buClr>
-              <a:buSzPts val="1100"/>
-            </a:pPr>
-            <a:r>
-              <a:rPr lang="en-US" sz="1800" dirty="0">
-                <a:solidFill>
-                  <a:schemeClr val="dk1"/>
-                </a:solidFill>
-                <a:highlight>
-                  <a:srgbClr val="C0C0C0"/>
-                </a:highlight>
-                <a:latin typeface="Consolas"/>
-                <a:cs typeface="Consolas"/>
-                <a:sym typeface="Roboto Medium"/>
-              </a:rPr>
-              <a:t>﻿git commit -m "Add all FEC files to repo”</a:t>
-            </a:r>
-          </a:p>
-          <a:p>
-            <a:pPr lvl="0">
-              <a:buClr>
-                <a:schemeClr val="dk1"/>
-              </a:buClr>
-              <a:buSzPts val="1100"/>
-            </a:pPr>
-            <a:endParaRPr lang="en-US" sz="1800" dirty="0">
-              <a:sym typeface="Roboto Medium"/>
-            </a:endParaRPr>
-          </a:p>
-          <a:p>
-            <a:pPr lvl="0">
-              <a:buClr>
-                <a:schemeClr val="dk1"/>
-              </a:buClr>
-              <a:buSzPts val="1100"/>
-            </a:pPr>
-            <a:r>
-              <a:rPr lang="en-US" sz="1800" dirty="0">
-                <a:sym typeface="Roboto Medium"/>
-              </a:rPr>
-              <a:t>After making these changes, we can retrieve a log: </a:t>
-            </a:r>
-          </a:p>
-          <a:p>
-            <a:pPr lvl="0">
-              <a:buClr>
-                <a:schemeClr val="dk1"/>
-              </a:buClr>
-              <a:buSzPts val="1100"/>
-            </a:pPr>
-            <a:endParaRPr lang="en-US" sz="1800" dirty="0">
-              <a:sym typeface="Roboto Medium"/>
-            </a:endParaRPr>
-          </a:p>
-          <a:p>
-            <a:pPr indent="465138">
-              <a:buClr>
-                <a:schemeClr val="dk1"/>
-              </a:buClr>
-              <a:buSzPts val="1100"/>
-            </a:pPr>
-            <a:r>
-              <a:rPr lang="en-US" sz="1800" dirty="0">
-                <a:solidFill>
-                  <a:schemeClr val="dk1"/>
-                </a:solidFill>
-                <a:highlight>
-                  <a:srgbClr val="C0C0C0"/>
-                </a:highlight>
-                <a:latin typeface="Consolas"/>
-                <a:cs typeface="Consolas"/>
-                <a:sym typeface="Roboto Medium"/>
-              </a:rPr>
-              <a:t>git log </a:t>
-            </a:r>
-          </a:p>
-          <a:p>
-            <a:pPr lvl="0">
-              <a:buClr>
-                <a:schemeClr val="dk1"/>
-              </a:buClr>
-              <a:buSzPts val="1100"/>
-            </a:pPr>
-            <a:endParaRPr lang="en-US" sz="1800" dirty="0">
-              <a:sym typeface="Roboto Medium"/>
-            </a:endParaRPr>
-          </a:p>
-          <a:p>
-            <a:pPr marL="0" lvl="0" indent="0" algn="l" rtl="0">
-              <a:spcBef>
-                <a:spcPts val="0"/>
-              </a:spcBef>
-              <a:spcAft>
-                <a:spcPts val="0"/>
-              </a:spcAft>
-              <a:buClr>
-                <a:schemeClr val="dk1"/>
-              </a:buClr>
-              <a:buSzPts val="1100"/>
-              <a:buFont typeface="Arial"/>
-              <a:buNone/>
-            </a:pPr>
-            <a:endParaRPr lang="en-US" sz="1800" dirty="0">
-              <a:solidFill>
-                <a:schemeClr val="dk1"/>
-              </a:solidFill>
-              <a:highlight>
-                <a:srgbClr val="C0C0C0"/>
-              </a:highlight>
-              <a:latin typeface="Consolas"/>
-              <a:cs typeface="Consolas"/>
-              <a:sym typeface="Roboto Medium"/>
-            </a:endParaRPr>
-          </a:p>
         </p:txBody>
       </p:sp>
       <p:sp>
         <p:nvSpPr>
-          <p:cNvPr id="2" name="Google Shape;94;ge58bbe3d21_0_49">
+          <p:cNvPr id="9" name="TextBox 8">
             <a:extLst>
               <a:ext uri="{FF2B5EF4-FFF2-40B4-BE49-F238E27FC236}">
-                <a16:creationId xmlns:a16="http://schemas.microsoft.com/office/drawing/2014/main" id="{664BA176-9949-C298-00D8-CB98E883BAC1}"/>
+                <a16:creationId xmlns:a16="http://schemas.microsoft.com/office/drawing/2014/main" id="{ECD73A1D-6C96-B747-BDCC-BD459361D758}"/>
+              </a:ext>
+            </a:extLst>
+          </p:cNvPr>
+          <p:cNvSpPr txBox="1"/>
+          <p:nvPr/>
+        </p:nvSpPr>
+        <p:spPr>
+          <a:xfrm>
+            <a:off x="1105879" y="5830888"/>
+            <a:ext cx="7580921" cy="738664"/>
+          </a:xfrm>
+          <a:prstGeom prst="rect">
+            <a:avLst/>
+          </a:prstGeom>
+          <a:noFill/>
+        </p:spPr>
+        <p:txBody>
+          <a:bodyPr wrap="none" rtlCol="0">
+            <a:spAutoFit/>
+          </a:bodyPr>
+          <a:lstStyle/>
+          <a:p>
+            <a:r>
+              <a:rPr lang="en-US" i="1" dirty="0"/>
+              <a:t>Image taken from: </a:t>
+            </a:r>
+          </a:p>
+          <a:p>
+            <a:r>
+              <a:rPr lang="en-US" i="1" dirty="0">
+                <a:hlinkClick r:id="rId4"/>
+              </a:rPr>
+              <a:t>https://medium.com/tech-and-the-city/changing-a-super-old-git-commit-history-20346f709ca9</a:t>
+            </a:r>
+            <a:r>
+              <a:rPr lang="en-US" i="1" dirty="0"/>
+              <a:t> </a:t>
+            </a:r>
+          </a:p>
+          <a:p>
+            <a:r>
+              <a:rPr lang="en-US" i="1" dirty="0"/>
+              <a:t> </a:t>
+            </a:r>
+          </a:p>
+        </p:txBody>
+      </p:sp>
+      <p:sp>
+        <p:nvSpPr>
+          <p:cNvPr id="3" name="Google Shape;94;ge58bbe3d21_0_49">
+            <a:extLst>
+              <a:ext uri="{FF2B5EF4-FFF2-40B4-BE49-F238E27FC236}">
+                <a16:creationId xmlns:a16="http://schemas.microsoft.com/office/drawing/2014/main" id="{B5541CA9-1F87-1C41-011D-1B37365EBE52}"/>
               </a:ext>
             </a:extLst>
           </p:cNvPr>
@@ -13615,7 +13863,7 @@
     </p:spTree>
     <p:extLst>
       <p:ext uri="{BB962C8B-B14F-4D97-AF65-F5344CB8AC3E}">
-        <p14:creationId xmlns:p14="http://schemas.microsoft.com/office/powerpoint/2010/main" val="910129075"/>
+        <p14:creationId xmlns:p14="http://schemas.microsoft.com/office/powerpoint/2010/main" val="139947978"/>
       </p:ext>
     </p:extLst>
   </p:cSld>
@@ -13686,7 +13934,7 @@
             </a:pPr>
             <a:r>
               <a:rPr lang="en-US" dirty="0"/>
-              <a:t>Retrieving a Previous Version</a:t>
+              <a:t>Saving Changes to a local git repo</a:t>
             </a:r>
             <a:endParaRPr dirty="0"/>
           </a:p>
@@ -13737,6 +13985,634 @@
             <a:fld id="{00000000-1234-1234-1234-123412341234}" type="slidenum">
               <a:rPr lang="en-US"/>
               <a:t>13</a:t>
+            </a:fld>
+            <a:endParaRPr/>
+          </a:p>
+        </p:txBody>
+      </p:sp>
+      <p:sp>
+        <p:nvSpPr>
+          <p:cNvPr id="8" name="Google Shape;105;ge6d407e7a1_0_0">
+            <a:extLst>
+              <a:ext uri="{FF2B5EF4-FFF2-40B4-BE49-F238E27FC236}">
+                <a16:creationId xmlns:a16="http://schemas.microsoft.com/office/drawing/2014/main" id="{D1E650A8-F22D-6548-AD24-5D2946CC5779}"/>
+              </a:ext>
+            </a:extLst>
+          </p:cNvPr>
+          <p:cNvSpPr txBox="1"/>
+          <p:nvPr/>
+        </p:nvSpPr>
+        <p:spPr>
+          <a:xfrm>
+            <a:off x="268574" y="904875"/>
+            <a:ext cx="8418226" cy="5170616"/>
+          </a:xfrm>
+          <a:prstGeom prst="rect">
+            <a:avLst/>
+          </a:prstGeom>
+          <a:noFill/>
+          <a:ln>
+            <a:noFill/>
+          </a:ln>
+        </p:spPr>
+        <p:txBody>
+          <a:bodyPr spcFirstLastPara="1" wrap="square" lIns="91425" tIns="91425" rIns="91425" bIns="91425" anchor="t" anchorCtr="0">
+            <a:spAutoFit/>
+          </a:bodyPr>
+          <a:lstStyle/>
+          <a:p>
+            <a:pPr lvl="0">
+              <a:buClr>
+                <a:schemeClr val="dk1"/>
+              </a:buClr>
+              <a:buSzPts val="1100"/>
+            </a:pPr>
+            <a:r>
+              <a:rPr lang="en-US" sz="1800" dirty="0">
+                <a:sym typeface="Roboto Medium"/>
+              </a:rPr>
+              <a:t>We can add the files we moved to the staging area with the following: </a:t>
+            </a:r>
+          </a:p>
+          <a:p>
+            <a:pPr lvl="0">
+              <a:buClr>
+                <a:schemeClr val="dk1"/>
+              </a:buClr>
+              <a:buSzPts val="1100"/>
+            </a:pPr>
+            <a:endParaRPr lang="en-US" sz="1800" dirty="0">
+              <a:sym typeface="Roboto Medium"/>
+            </a:endParaRPr>
+          </a:p>
+          <a:p>
+            <a:pPr marL="11113" lvl="2" indent="454025">
+              <a:buClr>
+                <a:schemeClr val="dk1"/>
+              </a:buClr>
+              <a:buSzPts val="1100"/>
+            </a:pPr>
+            <a:r>
+              <a:rPr lang="en-US" sz="1800" dirty="0">
+                <a:solidFill>
+                  <a:schemeClr val="dk1"/>
+                </a:solidFill>
+                <a:highlight>
+                  <a:srgbClr val="C0C0C0"/>
+                </a:highlight>
+                <a:latin typeface="Consolas"/>
+                <a:cs typeface="Consolas"/>
+                <a:sym typeface="Roboto Medium"/>
+              </a:rPr>
+              <a:t>﻿git add </a:t>
+            </a:r>
+            <a:r>
+              <a:rPr lang="en-US" sz="1800" dirty="0" err="1">
+                <a:solidFill>
+                  <a:schemeClr val="dk1"/>
+                </a:solidFill>
+                <a:highlight>
+                  <a:srgbClr val="C0C0C0"/>
+                </a:highlight>
+                <a:latin typeface="Consolas"/>
+                <a:cs typeface="Consolas"/>
+                <a:sym typeface="Roboto Medium"/>
+              </a:rPr>
+              <a:t>fec_all.sh</a:t>
+            </a:r>
+            <a:r>
+              <a:rPr lang="en-US" sz="1800" dirty="0">
+                <a:solidFill>
+                  <a:schemeClr val="dk1"/>
+                </a:solidFill>
+                <a:highlight>
+                  <a:srgbClr val="C0C0C0"/>
+                </a:highlight>
+                <a:latin typeface="Consolas"/>
+                <a:cs typeface="Consolas"/>
+                <a:sym typeface="Roboto Medium"/>
+              </a:rPr>
+              <a:t> </a:t>
+            </a:r>
+            <a:r>
+              <a:rPr lang="en-US" sz="1800" dirty="0" err="1">
+                <a:solidFill>
+                  <a:schemeClr val="dk1"/>
+                </a:solidFill>
+                <a:highlight>
+                  <a:srgbClr val="C0C0C0"/>
+                </a:highlight>
+                <a:latin typeface="Consolas"/>
+                <a:cs typeface="Consolas"/>
+                <a:sym typeface="Roboto Medium"/>
+              </a:rPr>
+              <a:t>fec_cron.sh</a:t>
+            </a:r>
+            <a:r>
+              <a:rPr lang="en-US" sz="1800" dirty="0">
+                <a:solidFill>
+                  <a:schemeClr val="dk1"/>
+                </a:solidFill>
+                <a:highlight>
+                  <a:srgbClr val="C0C0C0"/>
+                </a:highlight>
+                <a:latin typeface="Consolas"/>
+                <a:cs typeface="Consolas"/>
+                <a:sym typeface="Roboto Medium"/>
+              </a:rPr>
+              <a:t> </a:t>
+            </a:r>
+            <a:r>
+              <a:rPr lang="en-US" sz="1800" dirty="0" err="1">
+                <a:solidFill>
+                  <a:schemeClr val="dk1"/>
+                </a:solidFill>
+                <a:highlight>
+                  <a:srgbClr val="C0C0C0"/>
+                </a:highlight>
+                <a:latin typeface="Consolas"/>
+                <a:cs typeface="Consolas"/>
+                <a:sym typeface="Roboto Medium"/>
+              </a:rPr>
+              <a:t>fec_extract.py</a:t>
+            </a:r>
+            <a:r>
+              <a:rPr lang="en-US" sz="1800" dirty="0">
+                <a:solidFill>
+                  <a:schemeClr val="dk1"/>
+                </a:solidFill>
+                <a:highlight>
+                  <a:srgbClr val="C0C0C0"/>
+                </a:highlight>
+                <a:latin typeface="Consolas"/>
+                <a:cs typeface="Consolas"/>
+                <a:sym typeface="Roboto Medium"/>
+              </a:rPr>
+              <a:t> </a:t>
+            </a:r>
+            <a:r>
+              <a:rPr lang="en-US" sz="1800" dirty="0" err="1">
+                <a:solidFill>
+                  <a:schemeClr val="dk1"/>
+                </a:solidFill>
+                <a:highlight>
+                  <a:srgbClr val="C0C0C0"/>
+                </a:highlight>
+                <a:latin typeface="Consolas"/>
+                <a:cs typeface="Consolas"/>
+                <a:sym typeface="Roboto Medium"/>
+              </a:rPr>
+              <a:t>fec_process.R</a:t>
+            </a:r>
+            <a:endParaRPr lang="en-US" sz="1800" dirty="0">
+              <a:solidFill>
+                <a:schemeClr val="dk1"/>
+              </a:solidFill>
+              <a:highlight>
+                <a:srgbClr val="C0C0C0"/>
+              </a:highlight>
+              <a:latin typeface="Consolas"/>
+              <a:cs typeface="Consolas"/>
+              <a:sym typeface="Roboto Medium"/>
+            </a:endParaRPr>
+          </a:p>
+          <a:p>
+            <a:pPr lvl="0">
+              <a:buClr>
+                <a:schemeClr val="dk1"/>
+              </a:buClr>
+              <a:buSzPts val="1100"/>
+            </a:pPr>
+            <a:endParaRPr lang="en-US" sz="1800" dirty="0">
+              <a:sym typeface="Roboto Medium"/>
+            </a:endParaRPr>
+          </a:p>
+          <a:p>
+            <a:pPr lvl="0">
+              <a:buClr>
+                <a:schemeClr val="dk1"/>
+              </a:buClr>
+              <a:buSzPts val="1100"/>
+            </a:pPr>
+            <a:r>
+              <a:rPr lang="en-US" sz="1800" dirty="0">
+                <a:sym typeface="Roboto Medium"/>
+              </a:rPr>
+              <a:t>OR</a:t>
+            </a:r>
+          </a:p>
+          <a:p>
+            <a:pPr lvl="0">
+              <a:buClr>
+                <a:schemeClr val="dk1"/>
+              </a:buClr>
+              <a:buSzPts val="1100"/>
+            </a:pPr>
+            <a:endParaRPr lang="en-US" sz="1800" dirty="0">
+              <a:sym typeface="Roboto Medium"/>
+            </a:endParaRPr>
+          </a:p>
+          <a:p>
+            <a:pPr lvl="0" indent="465138">
+              <a:buClr>
+                <a:schemeClr val="dk1"/>
+              </a:buClr>
+              <a:buSzPts val="1100"/>
+            </a:pPr>
+            <a:r>
+              <a:rPr lang="en-US" sz="1800" dirty="0">
+                <a:solidFill>
+                  <a:schemeClr val="dk1"/>
+                </a:solidFill>
+                <a:highlight>
+                  <a:srgbClr val="C0C0C0"/>
+                </a:highlight>
+                <a:latin typeface="Consolas"/>
+                <a:cs typeface="Consolas"/>
+                <a:sym typeface="Roboto Medium"/>
+              </a:rPr>
+              <a:t>git add . </a:t>
+            </a:r>
+          </a:p>
+          <a:p>
+            <a:pPr lvl="0">
+              <a:buClr>
+                <a:schemeClr val="dk1"/>
+              </a:buClr>
+              <a:buSzPts val="1100"/>
+            </a:pPr>
+            <a:endParaRPr lang="en-US" sz="1800" dirty="0">
+              <a:sym typeface="Roboto Medium"/>
+            </a:endParaRPr>
+          </a:p>
+          <a:p>
+            <a:pPr>
+              <a:buClr>
+                <a:schemeClr val="dk1"/>
+              </a:buClr>
+              <a:buSzPts val="1100"/>
+            </a:pPr>
+            <a:r>
+              <a:rPr lang="en-US" sz="1800" dirty="0">
+                <a:sym typeface="Roboto Medium"/>
+              </a:rPr>
+              <a:t>We can move the files from staging area to the local Git </a:t>
+            </a:r>
+            <a:r>
+              <a:rPr lang="en-US" sz="1800" dirty="0">
+                <a:solidFill>
+                  <a:schemeClr val="dk1"/>
+                </a:solidFill>
+                <a:highlight>
+                  <a:srgbClr val="C0C0C0"/>
+                </a:highlight>
+                <a:latin typeface="Consolas"/>
+                <a:cs typeface="Consolas"/>
+                <a:sym typeface="Roboto Medium"/>
+              </a:rPr>
+              <a:t>practice</a:t>
+            </a:r>
+            <a:r>
+              <a:rPr lang="en-US" sz="1800" dirty="0">
+                <a:solidFill>
+                  <a:schemeClr val="dk1"/>
+                </a:solidFill>
+                <a:latin typeface="Consolas"/>
+                <a:cs typeface="Consolas"/>
+                <a:sym typeface="Roboto Medium"/>
+              </a:rPr>
+              <a:t> </a:t>
+            </a:r>
+            <a:r>
+              <a:rPr lang="en-US" sz="1800" dirty="0">
+                <a:sym typeface="Roboto Medium"/>
+              </a:rPr>
+              <a:t>repo with:</a:t>
+            </a:r>
+          </a:p>
+          <a:p>
+            <a:pPr lvl="0">
+              <a:buClr>
+                <a:schemeClr val="dk1"/>
+              </a:buClr>
+              <a:buSzPts val="1100"/>
+            </a:pPr>
+            <a:endParaRPr lang="en-US" sz="1800" dirty="0">
+              <a:sym typeface="Roboto Medium"/>
+            </a:endParaRPr>
+          </a:p>
+          <a:p>
+            <a:pPr lvl="0">
+              <a:buClr>
+                <a:schemeClr val="dk1"/>
+              </a:buClr>
+              <a:buSzPts val="1100"/>
+            </a:pPr>
+            <a:endParaRPr lang="en-US" sz="1800" dirty="0">
+              <a:sym typeface="Roboto Medium"/>
+            </a:endParaRPr>
+          </a:p>
+          <a:p>
+            <a:pPr marL="11113" lvl="2" indent="454025">
+              <a:buClr>
+                <a:schemeClr val="dk1"/>
+              </a:buClr>
+              <a:buSzPts val="1100"/>
+            </a:pPr>
+            <a:r>
+              <a:rPr lang="en-US" sz="1800" dirty="0">
+                <a:solidFill>
+                  <a:schemeClr val="dk1"/>
+                </a:solidFill>
+                <a:highlight>
+                  <a:srgbClr val="C0C0C0"/>
+                </a:highlight>
+                <a:latin typeface="Consolas"/>
+                <a:cs typeface="Consolas"/>
+                <a:sym typeface="Roboto Medium"/>
+              </a:rPr>
+              <a:t>﻿git commit -m "Add all FEC files to repo”</a:t>
+            </a:r>
+          </a:p>
+          <a:p>
+            <a:pPr lvl="0">
+              <a:buClr>
+                <a:schemeClr val="dk1"/>
+              </a:buClr>
+              <a:buSzPts val="1100"/>
+            </a:pPr>
+            <a:endParaRPr lang="en-US" sz="1800" dirty="0">
+              <a:sym typeface="Roboto Medium"/>
+            </a:endParaRPr>
+          </a:p>
+          <a:p>
+            <a:pPr lvl="0">
+              <a:buClr>
+                <a:schemeClr val="dk1"/>
+              </a:buClr>
+              <a:buSzPts val="1100"/>
+            </a:pPr>
+            <a:r>
+              <a:rPr lang="en-US" sz="1800" dirty="0">
+                <a:sym typeface="Roboto Medium"/>
+              </a:rPr>
+              <a:t>After making these changes, we can retrieve a log: </a:t>
+            </a:r>
+          </a:p>
+          <a:p>
+            <a:pPr lvl="0">
+              <a:buClr>
+                <a:schemeClr val="dk1"/>
+              </a:buClr>
+              <a:buSzPts val="1100"/>
+            </a:pPr>
+            <a:endParaRPr lang="en-US" sz="1800" dirty="0">
+              <a:sym typeface="Roboto Medium"/>
+            </a:endParaRPr>
+          </a:p>
+          <a:p>
+            <a:pPr indent="465138">
+              <a:buClr>
+                <a:schemeClr val="dk1"/>
+              </a:buClr>
+              <a:buSzPts val="1100"/>
+            </a:pPr>
+            <a:r>
+              <a:rPr lang="en-US" sz="1800" dirty="0">
+                <a:solidFill>
+                  <a:schemeClr val="dk1"/>
+                </a:solidFill>
+                <a:highlight>
+                  <a:srgbClr val="C0C0C0"/>
+                </a:highlight>
+                <a:latin typeface="Consolas"/>
+                <a:cs typeface="Consolas"/>
+                <a:sym typeface="Roboto Medium"/>
+              </a:rPr>
+              <a:t>git log </a:t>
+            </a:r>
+          </a:p>
+          <a:p>
+            <a:pPr lvl="0">
+              <a:buClr>
+                <a:schemeClr val="dk1"/>
+              </a:buClr>
+              <a:buSzPts val="1100"/>
+            </a:pPr>
+            <a:endParaRPr lang="en-US" sz="1800" dirty="0">
+              <a:sym typeface="Roboto Medium"/>
+            </a:endParaRPr>
+          </a:p>
+          <a:p>
+            <a:pPr marL="0" lvl="0" indent="0" algn="l" rtl="0">
+              <a:spcBef>
+                <a:spcPts val="0"/>
+              </a:spcBef>
+              <a:spcAft>
+                <a:spcPts val="0"/>
+              </a:spcAft>
+              <a:buClr>
+                <a:schemeClr val="dk1"/>
+              </a:buClr>
+              <a:buSzPts val="1100"/>
+              <a:buFont typeface="Arial"/>
+              <a:buNone/>
+            </a:pPr>
+            <a:endParaRPr lang="en-US" sz="1800" dirty="0">
+              <a:solidFill>
+                <a:schemeClr val="dk1"/>
+              </a:solidFill>
+              <a:highlight>
+                <a:srgbClr val="C0C0C0"/>
+              </a:highlight>
+              <a:latin typeface="Consolas"/>
+              <a:cs typeface="Consolas"/>
+              <a:sym typeface="Roboto Medium"/>
+            </a:endParaRPr>
+          </a:p>
+        </p:txBody>
+      </p:sp>
+      <p:sp>
+        <p:nvSpPr>
+          <p:cNvPr id="2" name="Google Shape;94;ge58bbe3d21_0_49">
+            <a:extLst>
+              <a:ext uri="{FF2B5EF4-FFF2-40B4-BE49-F238E27FC236}">
+                <a16:creationId xmlns:a16="http://schemas.microsoft.com/office/drawing/2014/main" id="{664BA176-9949-C298-00D8-CB98E883BAC1}"/>
+              </a:ext>
+            </a:extLst>
+          </p:cNvPr>
+          <p:cNvSpPr txBox="1">
+            <a:spLocks noGrp="1"/>
+          </p:cNvSpPr>
+          <p:nvPr>
+            <p:ph type="ftr" idx="11"/>
+          </p:nvPr>
+        </p:nvSpPr>
+        <p:spPr>
+          <a:xfrm>
+            <a:off x="4572000" y="6506896"/>
+            <a:ext cx="4114800" cy="365100"/>
+          </a:xfrm>
+          <a:prstGeom prst="rect">
+            <a:avLst/>
+          </a:prstGeom>
+          <a:noFill/>
+          <a:ln>
+            <a:noFill/>
+          </a:ln>
+        </p:spPr>
+        <p:txBody>
+          <a:bodyPr spcFirstLastPara="1" wrap="square" lIns="91425" tIns="45700" rIns="91425" bIns="45700" anchor="ctr" anchorCtr="0">
+            <a:noAutofit/>
+          </a:bodyPr>
+          <a:lstStyle/>
+          <a:p>
+            <a:pPr marL="0" lvl="0" indent="0" algn="r" rtl="0">
+              <a:lnSpc>
+                <a:spcPct val="100000"/>
+              </a:lnSpc>
+              <a:spcBef>
+                <a:spcPts val="0"/>
+              </a:spcBef>
+              <a:spcAft>
+                <a:spcPts val="0"/>
+              </a:spcAft>
+              <a:buSzPts val="1400"/>
+              <a:buNone/>
+            </a:pPr>
+            <a:r>
+              <a:rPr lang="en-US" dirty="0"/>
+              <a:t>Version Control</a:t>
+            </a:r>
+            <a:endParaRPr dirty="0"/>
+          </a:p>
+        </p:txBody>
+      </p:sp>
+    </p:spTree>
+    <p:extLst>
+      <p:ext uri="{BB962C8B-B14F-4D97-AF65-F5344CB8AC3E}">
+        <p14:creationId xmlns:p14="http://schemas.microsoft.com/office/powerpoint/2010/main" val="910129075"/>
+      </p:ext>
+    </p:extLst>
+  </p:cSld>
+  <p:clrMapOvr>
+    <a:masterClrMapping/>
+  </p:clrMapOvr>
+</p:sld>
+</file>
+
+<file path=ppt/slides/slide14.xml><?xml version="1.0" encoding="utf-8"?>
+<p:sld xmlns:a="http://schemas.openxmlformats.org/drawingml/2006/main" xmlns:r="http://schemas.openxmlformats.org/officeDocument/2006/relationships" xmlns:p="http://schemas.openxmlformats.org/presentationml/2006/main">
+  <p:cSld>
+    <p:spTree>
+      <p:nvGrpSpPr>
+        <p:cNvPr id="1" name="Shape 101"/>
+        <p:cNvGrpSpPr/>
+        <p:nvPr/>
+      </p:nvGrpSpPr>
+      <p:grpSpPr>
+        <a:xfrm>
+          <a:off x="0" y="0"/>
+          <a:ext cx="0" cy="0"/>
+          <a:chOff x="0" y="0"/>
+          <a:chExt cx="0" cy="0"/>
+        </a:xfrm>
+      </p:grpSpPr>
+      <p:sp>
+        <p:nvSpPr>
+          <p:cNvPr id="102" name="Google Shape;102;ge6d407e7a1_0_0"/>
+          <p:cNvSpPr txBox="1">
+            <a:spLocks noGrp="1"/>
+          </p:cNvSpPr>
+          <p:nvPr>
+            <p:ph type="title"/>
+          </p:nvPr>
+        </p:nvSpPr>
+        <p:spPr>
+          <a:xfrm>
+            <a:off x="457200" y="0"/>
+            <a:ext cx="8645700" cy="1143000"/>
+          </a:xfrm>
+          <a:prstGeom prst="rect">
+            <a:avLst/>
+          </a:prstGeom>
+          <a:noFill/>
+          <a:ln>
+            <a:noFill/>
+          </a:ln>
+        </p:spPr>
+        <p:txBody>
+          <a:bodyPr spcFirstLastPara="1" wrap="square" lIns="91425" tIns="45700" rIns="91425" bIns="45700" anchor="ctr" anchorCtr="0">
+            <a:noAutofit/>
+          </a:bodyPr>
+          <a:lstStyle/>
+          <a:p>
+            <a:pPr marL="0" lvl="0" indent="0" algn="l" rtl="0">
+              <a:lnSpc>
+                <a:spcPct val="100000"/>
+              </a:lnSpc>
+              <a:spcBef>
+                <a:spcPts val="0"/>
+              </a:spcBef>
+              <a:spcAft>
+                <a:spcPts val="0"/>
+              </a:spcAft>
+              <a:buSzPts val="3200"/>
+              <a:buNone/>
+            </a:pPr>
+            <a:r>
+              <a:rPr lang="en-US" dirty="0"/>
+              <a:t>Retrieving a Previous Version</a:t>
+            </a:r>
+            <a:endParaRPr dirty="0"/>
+          </a:p>
+        </p:txBody>
+      </p:sp>
+      <p:sp>
+        <p:nvSpPr>
+          <p:cNvPr id="104" name="Google Shape;104;ge6d407e7a1_0_0"/>
+          <p:cNvSpPr txBox="1">
+            <a:spLocks noGrp="1"/>
+          </p:cNvSpPr>
+          <p:nvPr>
+            <p:ph type="sldNum" idx="12"/>
+          </p:nvPr>
+        </p:nvSpPr>
+        <p:spPr>
+          <a:xfrm>
+            <a:off x="8686800" y="6506896"/>
+            <a:ext cx="416100" cy="365100"/>
+          </a:xfrm>
+          <a:prstGeom prst="rect">
+            <a:avLst/>
+          </a:prstGeom>
+          <a:noFill/>
+          <a:ln>
+            <a:noFill/>
+          </a:ln>
+        </p:spPr>
+        <p:txBody>
+          <a:bodyPr spcFirstLastPara="1" wrap="square" lIns="91425" tIns="45700" rIns="91425" bIns="45700" anchor="ctr" anchorCtr="0">
+            <a:noAutofit/>
+          </a:bodyPr>
+          <a:lstStyle/>
+          <a:p>
+            <a:pPr marL="0" lvl="0" indent="0" algn="r" rtl="0">
+              <a:lnSpc>
+                <a:spcPct val="100000"/>
+              </a:lnSpc>
+              <a:spcBef>
+                <a:spcPts val="0"/>
+              </a:spcBef>
+              <a:spcAft>
+                <a:spcPts val="0"/>
+              </a:spcAft>
+              <a:buSzPts val="1000"/>
+              <a:buNone/>
+            </a:pPr>
+            <a:fld id="{00000000-1234-1234-1234-123412341234}" type="slidenum">
+              <a:rPr lang="en-US"/>
+              <a:t>14</a:t>
             </a:fld>
             <a:endParaRPr/>
           </a:p>
@@ -14101,7 +14977,7 @@
 </p:sld>
 </file>
 
-<file path=ppt/slides/slide14.xml><?xml version="1.0" encoding="utf-8"?>
+<file path=ppt/slides/slide15.xml><?xml version="1.0" encoding="utf-8"?>
 <p:sld xmlns:a="http://schemas.openxmlformats.org/drawingml/2006/main" xmlns:r="http://schemas.openxmlformats.org/officeDocument/2006/relationships" xmlns:p="http://schemas.openxmlformats.org/presentationml/2006/main">
   <p:cSld>
     <p:spTree>
@@ -14211,7 +15087,7 @@
             </a:pPr>
             <a:fld id="{00000000-1234-1234-1234-123412341234}" type="slidenum">
               <a:rPr lang="en-US"/>
-              <a:t>14</a:t>
+              <a:t>15</a:t>
             </a:fld>
             <a:endParaRPr lang="en-US"/>
           </a:p>
@@ -14286,7 +15162,7 @@
 </p:sld>
 </file>
 
-<file path=ppt/slides/slide15.xml><?xml version="1.0" encoding="utf-8"?>
+<file path=ppt/slides/slide16.xml><?xml version="1.0" encoding="utf-8"?>
 <p:sld xmlns:a="http://schemas.openxmlformats.org/drawingml/2006/main" xmlns:r="http://schemas.openxmlformats.org/officeDocument/2006/relationships" xmlns:p="http://schemas.openxmlformats.org/presentationml/2006/main">
   <p:cSld>
     <p:spTree>
@@ -14405,7 +15281,7 @@
             </a:pPr>
             <a:fld id="{00000000-1234-1234-1234-123412341234}" type="slidenum">
               <a:rPr lang="en-US"/>
-              <a:t>15</a:t>
+              <a:t>16</a:t>
             </a:fld>
             <a:endParaRPr/>
           </a:p>
@@ -14614,495 +15490,6 @@
 </p:sld>
 </file>
 
-<file path=ppt/slides/slide16.xml><?xml version="1.0" encoding="utf-8"?>
-<p:sld xmlns:a="http://schemas.openxmlformats.org/drawingml/2006/main" xmlns:r="http://schemas.openxmlformats.org/officeDocument/2006/relationships" xmlns:p="http://schemas.openxmlformats.org/presentationml/2006/main">
-  <p:cSld>
-    <p:spTree>
-      <p:nvGrpSpPr>
-        <p:cNvPr id="1" name="Shape 101"/>
-        <p:cNvGrpSpPr/>
-        <p:nvPr/>
-      </p:nvGrpSpPr>
-      <p:grpSpPr>
-        <a:xfrm>
-          <a:off x="0" y="0"/>
-          <a:ext cx="0" cy="0"/>
-          <a:chOff x="0" y="0"/>
-          <a:chExt cx="0" cy="0"/>
-        </a:xfrm>
-      </p:grpSpPr>
-      <p:sp>
-        <p:nvSpPr>
-          <p:cNvPr id="102" name="Google Shape;102;ge6d407e7a1_0_0"/>
-          <p:cNvSpPr txBox="1">
-            <a:spLocks noGrp="1"/>
-          </p:cNvSpPr>
-          <p:nvPr>
-            <p:ph type="title"/>
-          </p:nvPr>
-        </p:nvSpPr>
-        <p:spPr>
-          <a:xfrm>
-            <a:off x="457200" y="0"/>
-            <a:ext cx="8645700" cy="1143000"/>
-          </a:xfrm>
-          <a:prstGeom prst="rect">
-            <a:avLst/>
-          </a:prstGeom>
-          <a:noFill/>
-          <a:ln>
-            <a:noFill/>
-          </a:ln>
-        </p:spPr>
-        <p:txBody>
-          <a:bodyPr spcFirstLastPara="1" wrap="square" lIns="91425" tIns="45700" rIns="91425" bIns="45700" anchor="ctr" anchorCtr="0">
-            <a:noAutofit/>
-          </a:bodyPr>
-          <a:lstStyle/>
-          <a:p>
-            <a:pPr marL="0" lvl="0" indent="0" algn="l" rtl="0">
-              <a:lnSpc>
-                <a:spcPct val="100000"/>
-              </a:lnSpc>
-              <a:spcBef>
-                <a:spcPts val="0"/>
-              </a:spcBef>
-              <a:spcAft>
-                <a:spcPts val="0"/>
-              </a:spcAft>
-              <a:buSzPts val="3200"/>
-              <a:buNone/>
-            </a:pPr>
-            <a:r>
-              <a:rPr lang="en-US" dirty="0"/>
-              <a:t>Accessing a </a:t>
-            </a:r>
-            <a:r>
-              <a:rPr lang="en-US" dirty="0" err="1"/>
-              <a:t>github</a:t>
-            </a:r>
-            <a:r>
-              <a:rPr lang="en-US" dirty="0"/>
-              <a:t> repo on KLC</a:t>
-            </a:r>
-            <a:endParaRPr dirty="0"/>
-          </a:p>
-        </p:txBody>
-      </p:sp>
-      <p:sp>
-        <p:nvSpPr>
-          <p:cNvPr id="104" name="Google Shape;104;ge6d407e7a1_0_0"/>
-          <p:cNvSpPr txBox="1">
-            <a:spLocks noGrp="1"/>
-          </p:cNvSpPr>
-          <p:nvPr>
-            <p:ph type="sldNum" idx="12"/>
-          </p:nvPr>
-        </p:nvSpPr>
-        <p:spPr>
-          <a:xfrm>
-            <a:off x="8686800" y="6506896"/>
-            <a:ext cx="416100" cy="365100"/>
-          </a:xfrm>
-          <a:prstGeom prst="rect">
-            <a:avLst/>
-          </a:prstGeom>
-          <a:noFill/>
-          <a:ln>
-            <a:noFill/>
-          </a:ln>
-        </p:spPr>
-        <p:txBody>
-          <a:bodyPr spcFirstLastPara="1" wrap="square" lIns="91425" tIns="45700" rIns="91425" bIns="45700" anchor="ctr" anchorCtr="0">
-            <a:noAutofit/>
-          </a:bodyPr>
-          <a:lstStyle/>
-          <a:p>
-            <a:pPr marL="0" lvl="0" indent="0" algn="r" rtl="0">
-              <a:lnSpc>
-                <a:spcPct val="100000"/>
-              </a:lnSpc>
-              <a:spcBef>
-                <a:spcPts val="0"/>
-              </a:spcBef>
-              <a:spcAft>
-                <a:spcPts val="0"/>
-              </a:spcAft>
-              <a:buSzPts val="1000"/>
-              <a:buNone/>
-            </a:pPr>
-            <a:fld id="{00000000-1234-1234-1234-123412341234}" type="slidenum">
-              <a:rPr lang="en-US"/>
-              <a:t>16</a:t>
-            </a:fld>
-            <a:endParaRPr/>
-          </a:p>
-        </p:txBody>
-      </p:sp>
-      <p:sp>
-        <p:nvSpPr>
-          <p:cNvPr id="8" name="Google Shape;105;ge6d407e7a1_0_0">
-            <a:extLst>
-              <a:ext uri="{FF2B5EF4-FFF2-40B4-BE49-F238E27FC236}">
-                <a16:creationId xmlns:a16="http://schemas.microsoft.com/office/drawing/2014/main" id="{D1E650A8-F22D-6548-AD24-5D2946CC5779}"/>
-              </a:ext>
-            </a:extLst>
-          </p:cNvPr>
-          <p:cNvSpPr txBox="1"/>
-          <p:nvPr/>
-        </p:nvSpPr>
-        <p:spPr>
-          <a:xfrm>
-            <a:off x="268574" y="904875"/>
-            <a:ext cx="8834326" cy="3785621"/>
-          </a:xfrm>
-          <a:prstGeom prst="rect">
-            <a:avLst/>
-          </a:prstGeom>
-          <a:noFill/>
-          <a:ln>
-            <a:noFill/>
-          </a:ln>
-        </p:spPr>
-        <p:txBody>
-          <a:bodyPr spcFirstLastPara="1" wrap="square" lIns="91425" tIns="91425" rIns="91425" bIns="91425" anchor="t" anchorCtr="0">
-            <a:spAutoFit/>
-          </a:bodyPr>
-          <a:lstStyle/>
-          <a:p>
-            <a:pPr lvl="0">
-              <a:buClr>
-                <a:schemeClr val="dk1"/>
-              </a:buClr>
-              <a:buSzPts val="1100"/>
-            </a:pPr>
-            <a:r>
-              <a:rPr lang="en-US" sz="1800" dirty="0">
-                <a:sym typeface="Roboto Medium"/>
-              </a:rPr>
-              <a:t>The instructions should list how to add a ”remote” to your </a:t>
-            </a:r>
-            <a:r>
-              <a:rPr lang="en-US" sz="1800" dirty="0" err="1">
-                <a:sym typeface="Roboto Medium"/>
-              </a:rPr>
-              <a:t>Github</a:t>
-            </a:r>
-            <a:r>
-              <a:rPr lang="en-US" sz="1800" dirty="0">
-                <a:sym typeface="Roboto Medium"/>
-              </a:rPr>
-              <a:t> repo, which is equivalent to a label for your </a:t>
-            </a:r>
-            <a:r>
-              <a:rPr lang="en-US" sz="1800" dirty="0" err="1">
-                <a:sym typeface="Roboto Medium"/>
-              </a:rPr>
-              <a:t>Github</a:t>
-            </a:r>
-            <a:r>
-              <a:rPr lang="en-US" sz="1800" dirty="0">
-                <a:sym typeface="Roboto Medium"/>
-              </a:rPr>
-              <a:t> </a:t>
-            </a:r>
-            <a:r>
-              <a:rPr lang="en-US" sz="1800" dirty="0" err="1">
-                <a:sym typeface="Roboto Medium"/>
-              </a:rPr>
-              <a:t>url</a:t>
-            </a:r>
-            <a:r>
-              <a:rPr lang="en-US" sz="1800" dirty="0">
-                <a:sym typeface="Roboto Medium"/>
-              </a:rPr>
-              <a:t>.</a:t>
-            </a:r>
-          </a:p>
-          <a:p>
-            <a:pPr lvl="0">
-              <a:buClr>
-                <a:schemeClr val="dk1"/>
-              </a:buClr>
-              <a:buSzPts val="1100"/>
-            </a:pPr>
-            <a:endParaRPr lang="en-US" sz="1800" dirty="0">
-              <a:sym typeface="Roboto Medium"/>
-            </a:endParaRPr>
-          </a:p>
-          <a:p>
-            <a:pPr marL="11113" lvl="2" indent="454025">
-              <a:buClr>
-                <a:schemeClr val="dk1"/>
-              </a:buClr>
-              <a:buSzPts val="1100"/>
-            </a:pPr>
-            <a:r>
-              <a:rPr lang="en-US" sz="1800" dirty="0">
-                <a:solidFill>
-                  <a:schemeClr val="dk1"/>
-                </a:solidFill>
-                <a:highlight>
-                  <a:srgbClr val="C0C0C0"/>
-                </a:highlight>
-                <a:latin typeface="Consolas"/>
-                <a:cs typeface="Consolas"/>
-                <a:sym typeface="Roboto Medium"/>
-              </a:rPr>
-              <a:t>﻿</a:t>
-            </a:r>
-            <a:r>
-              <a:rPr lang="en-US" sz="1800" dirty="0">
-                <a:solidFill>
-                  <a:schemeClr val="dk1"/>
-                </a:solidFill>
-                <a:highlight>
-                  <a:srgbClr val="C0C0C0"/>
-                </a:highlight>
-                <a:latin typeface="Consolas"/>
-                <a:cs typeface="Consolas"/>
-              </a:rPr>
-              <a:t>git remote add origin https://</a:t>
-            </a:r>
-            <a:r>
-              <a:rPr lang="en-US" sz="1800" dirty="0" err="1">
-                <a:solidFill>
-                  <a:schemeClr val="dk1"/>
-                </a:solidFill>
-                <a:highlight>
-                  <a:srgbClr val="C0C0C0"/>
-                </a:highlight>
-                <a:latin typeface="Consolas"/>
-                <a:cs typeface="Consolas"/>
-              </a:rPr>
-              <a:t>github.com</a:t>
-            </a:r>
-            <a:r>
-              <a:rPr lang="en-US" sz="1800" dirty="0">
-                <a:solidFill>
-                  <a:schemeClr val="dk1"/>
-                </a:solidFill>
-                <a:highlight>
-                  <a:srgbClr val="C0C0C0"/>
-                </a:highlight>
-                <a:latin typeface="Consolas"/>
-                <a:cs typeface="Consolas"/>
-              </a:rPr>
-              <a:t>/&lt;user&gt;/</a:t>
-            </a:r>
-            <a:r>
-              <a:rPr lang="en-US" sz="1800" dirty="0" err="1">
-                <a:solidFill>
-                  <a:schemeClr val="dk1"/>
-                </a:solidFill>
-                <a:highlight>
-                  <a:srgbClr val="C0C0C0"/>
-                </a:highlight>
-                <a:latin typeface="Consolas"/>
-                <a:cs typeface="Consolas"/>
-              </a:rPr>
-              <a:t>git_practice.git</a:t>
-            </a:r>
-            <a:endParaRPr lang="en-US" sz="1800" dirty="0">
-              <a:solidFill>
-                <a:schemeClr val="dk1"/>
-              </a:solidFill>
-              <a:highlight>
-                <a:srgbClr val="C0C0C0"/>
-              </a:highlight>
-              <a:latin typeface="Consolas"/>
-              <a:cs typeface="Consolas"/>
-            </a:endParaRPr>
-          </a:p>
-          <a:p>
-            <a:pPr lvl="0">
-              <a:buClr>
-                <a:schemeClr val="dk1"/>
-              </a:buClr>
-              <a:buSzPts val="1100"/>
-            </a:pPr>
-            <a:endParaRPr lang="en-US" sz="1800" dirty="0">
-              <a:sym typeface="Roboto Medium"/>
-            </a:endParaRPr>
-          </a:p>
-          <a:p>
-            <a:pPr lvl="0">
-              <a:buClr>
-                <a:schemeClr val="dk1"/>
-              </a:buClr>
-              <a:buSzPts val="1100"/>
-            </a:pPr>
-            <a:endParaRPr lang="en-US" sz="1800" dirty="0">
-              <a:sym typeface="Roboto Medium"/>
-            </a:endParaRPr>
-          </a:p>
-          <a:p>
-            <a:pPr lvl="0">
-              <a:buClr>
-                <a:schemeClr val="dk1"/>
-              </a:buClr>
-              <a:buSzPts val="1100"/>
-            </a:pPr>
-            <a:r>
-              <a:rPr lang="en-US" sz="1800" dirty="0">
-                <a:sym typeface="Roboto Medium"/>
-              </a:rPr>
-              <a:t>Note that “origin” is just a generic name.  You can use any name you like.  The following command will show you the remote that is set.</a:t>
-            </a:r>
-          </a:p>
-          <a:p>
-            <a:pPr lvl="0">
-              <a:buClr>
-                <a:schemeClr val="dk1"/>
-              </a:buClr>
-              <a:buSzPts val="1100"/>
-            </a:pPr>
-            <a:endParaRPr lang="en-US" sz="1800" dirty="0">
-              <a:sym typeface="Roboto Medium"/>
-            </a:endParaRPr>
-          </a:p>
-          <a:p>
-            <a:pPr marL="11113" lvl="2" indent="454025">
-              <a:buClr>
-                <a:schemeClr val="dk1"/>
-              </a:buClr>
-              <a:buSzPts val="1100"/>
-            </a:pPr>
-            <a:r>
-              <a:rPr lang="en-US" sz="1800" dirty="0">
-                <a:solidFill>
-                  <a:schemeClr val="dk1"/>
-                </a:solidFill>
-                <a:highlight>
-                  <a:srgbClr val="C0C0C0"/>
-                </a:highlight>
-                <a:latin typeface="Consolas"/>
-                <a:cs typeface="Consolas"/>
-                <a:sym typeface="Roboto Medium"/>
-              </a:rPr>
-              <a:t>﻿git remote -v </a:t>
-            </a:r>
-          </a:p>
-          <a:p>
-            <a:pPr lvl="0">
-              <a:buClr>
-                <a:schemeClr val="dk1"/>
-              </a:buClr>
-              <a:buSzPts val="1100"/>
-            </a:pPr>
-            <a:endParaRPr lang="en-US" sz="1800" dirty="0">
-              <a:sym typeface="Roboto Medium"/>
-            </a:endParaRPr>
-          </a:p>
-          <a:p>
-            <a:pPr lvl="0">
-              <a:buClr>
-                <a:schemeClr val="dk1"/>
-              </a:buClr>
-              <a:buSzPts val="1100"/>
-            </a:pPr>
-            <a:endParaRPr lang="en-US" sz="1800" dirty="0">
-              <a:sym typeface="Roboto Medium"/>
-            </a:endParaRPr>
-          </a:p>
-          <a:p>
-            <a:pPr marL="0" lvl="0" indent="0" algn="l" rtl="0">
-              <a:spcBef>
-                <a:spcPts val="0"/>
-              </a:spcBef>
-              <a:spcAft>
-                <a:spcPts val="0"/>
-              </a:spcAft>
-              <a:buClr>
-                <a:schemeClr val="dk1"/>
-              </a:buClr>
-              <a:buSzPts val="1100"/>
-              <a:buFont typeface="Arial"/>
-              <a:buNone/>
-            </a:pPr>
-            <a:endParaRPr lang="en-US" sz="1800" dirty="0">
-              <a:solidFill>
-                <a:schemeClr val="dk1"/>
-              </a:solidFill>
-              <a:highlight>
-                <a:srgbClr val="C0C0C0"/>
-              </a:highlight>
-              <a:latin typeface="Consolas"/>
-              <a:cs typeface="Consolas"/>
-              <a:sym typeface="Roboto Medium"/>
-            </a:endParaRPr>
-          </a:p>
-        </p:txBody>
-      </p:sp>
-      <p:sp>
-        <p:nvSpPr>
-          <p:cNvPr id="2" name="Google Shape;94;ge58bbe3d21_0_49">
-            <a:extLst>
-              <a:ext uri="{FF2B5EF4-FFF2-40B4-BE49-F238E27FC236}">
-                <a16:creationId xmlns:a16="http://schemas.microsoft.com/office/drawing/2014/main" id="{869343D5-5EC5-84EE-83A0-6E0927528FCF}"/>
-              </a:ext>
-            </a:extLst>
-          </p:cNvPr>
-          <p:cNvSpPr txBox="1">
-            <a:spLocks noGrp="1"/>
-          </p:cNvSpPr>
-          <p:nvPr>
-            <p:ph type="ftr" idx="11"/>
-          </p:nvPr>
-        </p:nvSpPr>
-        <p:spPr>
-          <a:xfrm>
-            <a:off x="4572000" y="6506896"/>
-            <a:ext cx="4114800" cy="365100"/>
-          </a:xfrm>
-          <a:prstGeom prst="rect">
-            <a:avLst/>
-          </a:prstGeom>
-          <a:noFill/>
-          <a:ln>
-            <a:noFill/>
-          </a:ln>
-        </p:spPr>
-        <p:txBody>
-          <a:bodyPr spcFirstLastPara="1" wrap="square" lIns="91425" tIns="45700" rIns="91425" bIns="45700" anchor="ctr" anchorCtr="0">
-            <a:noAutofit/>
-          </a:bodyPr>
-          <a:lstStyle/>
-          <a:p>
-            <a:pPr marL="0" lvl="0" indent="0" algn="r" rtl="0">
-              <a:lnSpc>
-                <a:spcPct val="100000"/>
-              </a:lnSpc>
-              <a:spcBef>
-                <a:spcPts val="0"/>
-              </a:spcBef>
-              <a:spcAft>
-                <a:spcPts val="0"/>
-              </a:spcAft>
-              <a:buSzPts val="1400"/>
-              <a:buNone/>
-            </a:pPr>
-            <a:r>
-              <a:rPr lang="en-US" dirty="0"/>
-              <a:t>Version Control</a:t>
-            </a:r>
-            <a:endParaRPr dirty="0"/>
-          </a:p>
-        </p:txBody>
-      </p:sp>
-    </p:spTree>
-    <p:extLst>
-      <p:ext uri="{BB962C8B-B14F-4D97-AF65-F5344CB8AC3E}">
-        <p14:creationId xmlns:p14="http://schemas.microsoft.com/office/powerpoint/2010/main" val="1067155141"/>
-      </p:ext>
-    </p:extLst>
-  </p:cSld>
-  <p:clrMapOvr>
-    <a:masterClrMapping/>
-  </p:clrMapOvr>
-</p:sld>
-</file>
-
 <file path=ppt/slides/slide17.xml><?xml version="1.0" encoding="utf-8"?>
 <p:sld xmlns:a="http://schemas.openxmlformats.org/drawingml/2006/main" xmlns:r="http://schemas.openxmlformats.org/officeDocument/2006/relationships" xmlns:p="http://schemas.openxmlformats.org/presentationml/2006/main">
   <p:cSld>
@@ -15164,15 +15551,15 @@
             </a:pPr>
             <a:r>
               <a:rPr lang="en-US" dirty="0"/>
-              <a:t>Saving Changes to a </a:t>
+              <a:t>Accessing a </a:t>
             </a:r>
             <a:r>
               <a:rPr lang="en-US" dirty="0" err="1"/>
-              <a:t>Github</a:t>
+              <a:t>github</a:t>
             </a:r>
             <a:r>
               <a:rPr lang="en-US" dirty="0"/>
-              <a:t> repo</a:t>
+              <a:t> repo on KLC</a:t>
             </a:r>
             <a:endParaRPr dirty="0"/>
           </a:p>
@@ -15228,59 +15615,307 @@
           </a:p>
         </p:txBody>
       </p:sp>
-      <p:pic>
-        <p:nvPicPr>
-          <p:cNvPr id="4098" name="Picture 2">
+      <p:sp>
+        <p:nvSpPr>
+          <p:cNvPr id="8" name="Google Shape;105;ge6d407e7a1_0_0">
             <a:extLst>
               <a:ext uri="{FF2B5EF4-FFF2-40B4-BE49-F238E27FC236}">
-                <a16:creationId xmlns:a16="http://schemas.microsoft.com/office/drawing/2014/main" id="{49A7D192-5F67-9D41-AFB0-2F1E023F4256}"/>
+                <a16:creationId xmlns:a16="http://schemas.microsoft.com/office/drawing/2014/main" id="{D1E650A8-F22D-6548-AD24-5D2946CC5779}"/>
               </a:ext>
             </a:extLst>
           </p:cNvPr>
-          <p:cNvPicPr>
-            <a:picLocks noChangeAspect="1" noChangeArrowheads="1"/>
-          </p:cNvPicPr>
+          <p:cNvSpPr txBox="1"/>
           <p:nvPr/>
-        </p:nvPicPr>
-        <p:blipFill>
-          <a:blip r:embed="rId3">
-            <a:extLst>
-              <a:ext uri="{28A0092B-C50C-407E-A947-70E740481C1C}">
-                <a14:useLocalDpi xmlns:a14="http://schemas.microsoft.com/office/drawing/2010/main" val="0"/>
-              </a:ext>
-            </a:extLst>
-          </a:blip>
-          <a:srcRect/>
-          <a:stretch>
-            <a:fillRect/>
-          </a:stretch>
-        </p:blipFill>
-        <p:spPr bwMode="auto">
+        </p:nvSpPr>
+        <p:spPr>
           <a:xfrm>
-            <a:off x="1524000" y="1003300"/>
-            <a:ext cx="5627688" cy="5272525"/>
+            <a:off x="268574" y="904875"/>
+            <a:ext cx="8834326" cy="3785621"/>
           </a:xfrm>
           <a:prstGeom prst="rect">
             <a:avLst/>
           </a:prstGeom>
           <a:noFill/>
-          <a:extLst>
-            <a:ext uri="{909E8E84-426E-40DD-AFC4-6F175D3DCCD1}">
-              <a14:hiddenFill xmlns:a14="http://schemas.microsoft.com/office/drawing/2010/main">
-                <a:solidFill>
-                  <a:srgbClr val="FFFFFF"/>
-                </a:solidFill>
-              </a14:hiddenFill>
-            </a:ext>
-          </a:extLst>
+          <a:ln>
+            <a:noFill/>
+          </a:ln>
         </p:spPr>
-      </p:pic>
+        <p:txBody>
+          <a:bodyPr spcFirstLastPara="1" wrap="square" lIns="91425" tIns="91425" rIns="91425" bIns="91425" anchor="t" anchorCtr="0">
+            <a:spAutoFit/>
+          </a:bodyPr>
+          <a:lstStyle/>
+          <a:p>
+            <a:pPr lvl="0">
+              <a:buClr>
+                <a:schemeClr val="dk1"/>
+              </a:buClr>
+              <a:buSzPts val="1100"/>
+            </a:pPr>
+            <a:r>
+              <a:rPr lang="en-US" sz="1800" dirty="0">
+                <a:sym typeface="Roboto Medium"/>
+              </a:rPr>
+              <a:t>The instructions should list how to add a ”remote” to your </a:t>
+            </a:r>
+            <a:r>
+              <a:rPr lang="en-US" sz="1800" dirty="0" err="1">
+                <a:sym typeface="Roboto Medium"/>
+              </a:rPr>
+              <a:t>Github</a:t>
+            </a:r>
+            <a:r>
+              <a:rPr lang="en-US" sz="1800" dirty="0">
+                <a:sym typeface="Roboto Medium"/>
+              </a:rPr>
+              <a:t> repo, which is equivalent to a label for your </a:t>
+            </a:r>
+            <a:r>
+              <a:rPr lang="en-US" sz="1800" dirty="0" err="1">
+                <a:sym typeface="Roboto Medium"/>
+              </a:rPr>
+              <a:t>Github</a:t>
+            </a:r>
+            <a:r>
+              <a:rPr lang="en-US" sz="1800" dirty="0">
+                <a:sym typeface="Roboto Medium"/>
+              </a:rPr>
+              <a:t> </a:t>
+            </a:r>
+            <a:r>
+              <a:rPr lang="en-US" sz="1800" dirty="0" err="1">
+                <a:sym typeface="Roboto Medium"/>
+              </a:rPr>
+              <a:t>url</a:t>
+            </a:r>
+            <a:r>
+              <a:rPr lang="en-US" sz="1800" dirty="0">
+                <a:sym typeface="Roboto Medium"/>
+              </a:rPr>
+              <a:t>.</a:t>
+            </a:r>
+          </a:p>
+          <a:p>
+            <a:pPr lvl="0">
+              <a:buClr>
+                <a:schemeClr val="dk1"/>
+              </a:buClr>
+              <a:buSzPts val="1100"/>
+            </a:pPr>
+            <a:endParaRPr lang="en-US" sz="1800" dirty="0">
+              <a:sym typeface="Roboto Medium"/>
+            </a:endParaRPr>
+          </a:p>
+          <a:p>
+            <a:pPr marL="11113" lvl="2" indent="454025">
+              <a:buClr>
+                <a:schemeClr val="dk1"/>
+              </a:buClr>
+              <a:buSzPts val="1100"/>
+            </a:pPr>
+            <a:r>
+              <a:rPr lang="en-US" sz="1800" dirty="0">
+                <a:solidFill>
+                  <a:schemeClr val="dk1"/>
+                </a:solidFill>
+                <a:highlight>
+                  <a:srgbClr val="C0C0C0"/>
+                </a:highlight>
+                <a:latin typeface="Consolas"/>
+                <a:cs typeface="Consolas"/>
+                <a:sym typeface="Roboto Medium"/>
+              </a:rPr>
+              <a:t>﻿</a:t>
+            </a:r>
+            <a:r>
+              <a:rPr lang="en-US" sz="1800" dirty="0">
+                <a:solidFill>
+                  <a:schemeClr val="dk1"/>
+                </a:solidFill>
+                <a:highlight>
+                  <a:srgbClr val="C0C0C0"/>
+                </a:highlight>
+                <a:latin typeface="Consolas"/>
+                <a:cs typeface="Consolas"/>
+              </a:rPr>
+              <a:t>git remote add origin https://</a:t>
+            </a:r>
+            <a:r>
+              <a:rPr lang="en-US" sz="1800" dirty="0" err="1">
+                <a:solidFill>
+                  <a:schemeClr val="dk1"/>
+                </a:solidFill>
+                <a:highlight>
+                  <a:srgbClr val="C0C0C0"/>
+                </a:highlight>
+                <a:latin typeface="Consolas"/>
+                <a:cs typeface="Consolas"/>
+              </a:rPr>
+              <a:t>github.com</a:t>
+            </a:r>
+            <a:r>
+              <a:rPr lang="en-US" sz="1800" dirty="0">
+                <a:solidFill>
+                  <a:schemeClr val="dk1"/>
+                </a:solidFill>
+                <a:highlight>
+                  <a:srgbClr val="C0C0C0"/>
+                </a:highlight>
+                <a:latin typeface="Consolas"/>
+                <a:cs typeface="Consolas"/>
+              </a:rPr>
+              <a:t>/&lt;user&gt;/</a:t>
+            </a:r>
+            <a:r>
+              <a:rPr lang="en-US" sz="1800" dirty="0" err="1">
+                <a:solidFill>
+                  <a:schemeClr val="dk1"/>
+                </a:solidFill>
+                <a:highlight>
+                  <a:srgbClr val="C0C0C0"/>
+                </a:highlight>
+                <a:latin typeface="Consolas"/>
+                <a:cs typeface="Consolas"/>
+              </a:rPr>
+              <a:t>git_practice.git</a:t>
+            </a:r>
+            <a:endParaRPr lang="en-US" sz="1800" dirty="0">
+              <a:solidFill>
+                <a:schemeClr val="dk1"/>
+              </a:solidFill>
+              <a:highlight>
+                <a:srgbClr val="C0C0C0"/>
+              </a:highlight>
+              <a:latin typeface="Consolas"/>
+              <a:cs typeface="Consolas"/>
+            </a:endParaRPr>
+          </a:p>
+          <a:p>
+            <a:pPr lvl="0">
+              <a:buClr>
+                <a:schemeClr val="dk1"/>
+              </a:buClr>
+              <a:buSzPts val="1100"/>
+            </a:pPr>
+            <a:endParaRPr lang="en-US" sz="1800" dirty="0">
+              <a:sym typeface="Roboto Medium"/>
+            </a:endParaRPr>
+          </a:p>
+          <a:p>
+            <a:pPr lvl="0">
+              <a:buClr>
+                <a:schemeClr val="dk1"/>
+              </a:buClr>
+              <a:buSzPts val="1100"/>
+            </a:pPr>
+            <a:endParaRPr lang="en-US" sz="1800" dirty="0">
+              <a:sym typeface="Roboto Medium"/>
+            </a:endParaRPr>
+          </a:p>
+          <a:p>
+            <a:pPr lvl="0">
+              <a:buClr>
+                <a:schemeClr val="dk1"/>
+              </a:buClr>
+              <a:buSzPts val="1100"/>
+            </a:pPr>
+            <a:r>
+              <a:rPr lang="en-US" sz="1800" dirty="0">
+                <a:sym typeface="Roboto Medium"/>
+              </a:rPr>
+              <a:t>Note that “origin” is just a generic name.  You can use any name you like.  The following command will show you the remote that is set.</a:t>
+            </a:r>
+          </a:p>
+          <a:p>
+            <a:pPr lvl="0">
+              <a:buClr>
+                <a:schemeClr val="dk1"/>
+              </a:buClr>
+              <a:buSzPts val="1100"/>
+            </a:pPr>
+            <a:endParaRPr lang="en-US" sz="1800" dirty="0">
+              <a:sym typeface="Roboto Medium"/>
+            </a:endParaRPr>
+          </a:p>
+          <a:p>
+            <a:pPr marL="11113" lvl="2" indent="454025">
+              <a:buClr>
+                <a:schemeClr val="dk1"/>
+              </a:buClr>
+              <a:buSzPts val="1100"/>
+            </a:pPr>
+            <a:r>
+              <a:rPr lang="en-US" sz="1800" dirty="0">
+                <a:solidFill>
+                  <a:schemeClr val="dk1"/>
+                </a:solidFill>
+                <a:highlight>
+                  <a:srgbClr val="C0C0C0"/>
+                </a:highlight>
+                <a:latin typeface="Consolas"/>
+                <a:cs typeface="Consolas"/>
+                <a:sym typeface="Roboto Medium"/>
+              </a:rPr>
+              <a:t>﻿git remote -v </a:t>
+            </a:r>
+          </a:p>
+          <a:p>
+            <a:pPr lvl="0">
+              <a:buClr>
+                <a:schemeClr val="dk1"/>
+              </a:buClr>
+              <a:buSzPts val="1100"/>
+            </a:pPr>
+            <a:endParaRPr lang="en-US" sz="1800" dirty="0">
+              <a:sym typeface="Roboto Medium"/>
+            </a:endParaRPr>
+          </a:p>
+          <a:p>
+            <a:pPr lvl="0">
+              <a:buClr>
+                <a:schemeClr val="dk1"/>
+              </a:buClr>
+              <a:buSzPts val="1100"/>
+            </a:pPr>
+            <a:endParaRPr lang="en-US" sz="1800" dirty="0">
+              <a:sym typeface="Roboto Medium"/>
+            </a:endParaRPr>
+          </a:p>
+          <a:p>
+            <a:pPr marL="0" lvl="0" indent="0" algn="l" rtl="0">
+              <a:spcBef>
+                <a:spcPts val="0"/>
+              </a:spcBef>
+              <a:spcAft>
+                <a:spcPts val="0"/>
+              </a:spcAft>
+              <a:buClr>
+                <a:schemeClr val="dk1"/>
+              </a:buClr>
+              <a:buSzPts val="1100"/>
+              <a:buFont typeface="Arial"/>
+              <a:buNone/>
+            </a:pPr>
+            <a:endParaRPr lang="en-US" sz="1800" dirty="0">
+              <a:solidFill>
+                <a:schemeClr val="dk1"/>
+              </a:solidFill>
+              <a:highlight>
+                <a:srgbClr val="C0C0C0"/>
+              </a:highlight>
+              <a:latin typeface="Consolas"/>
+              <a:cs typeface="Consolas"/>
+              <a:sym typeface="Roboto Medium"/>
+            </a:endParaRPr>
+          </a:p>
+        </p:txBody>
+      </p:sp>
       <p:sp>
         <p:nvSpPr>
           <p:cNvPr id="2" name="Google Shape;94;ge58bbe3d21_0_49">
             <a:extLst>
               <a:ext uri="{FF2B5EF4-FFF2-40B4-BE49-F238E27FC236}">
-                <a16:creationId xmlns:a16="http://schemas.microsoft.com/office/drawing/2014/main" id="{1E427AEF-E093-7CD1-210A-AC34A032C96F}"/>
+                <a16:creationId xmlns:a16="http://schemas.microsoft.com/office/drawing/2014/main" id="{869343D5-5EC5-84EE-83A0-6E0927528FCF}"/>
               </a:ext>
             </a:extLst>
           </p:cNvPr>
@@ -15334,7 +15969,7 @@
     </p:spTree>
     <p:extLst>
       <p:ext uri="{BB962C8B-B14F-4D97-AF65-F5344CB8AC3E}">
-        <p14:creationId xmlns:p14="http://schemas.microsoft.com/office/powerpoint/2010/main" val="2954514973"/>
+        <p14:creationId xmlns:p14="http://schemas.microsoft.com/office/powerpoint/2010/main" val="1067155141"/>
       </p:ext>
     </p:extLst>
   </p:cSld>
@@ -15405,11 +16040,15 @@
             </a:pPr>
             <a:r>
               <a:rPr lang="en-US" dirty="0"/>
-              <a:t>Saving local Git repo to </a:t>
+              <a:t>Saving Changes to a </a:t>
             </a:r>
             <a:r>
               <a:rPr lang="en-US" dirty="0" err="1"/>
               <a:t>Github</a:t>
+            </a:r>
+            <a:r>
+              <a:rPr lang="en-US" dirty="0"/>
+              <a:t> repo</a:t>
             </a:r>
             <a:endParaRPr dirty="0"/>
           </a:p>
@@ -15465,303 +16104,59 @@
           </a:p>
         </p:txBody>
       </p:sp>
-      <p:sp>
-        <p:nvSpPr>
-          <p:cNvPr id="8" name="Google Shape;105;ge6d407e7a1_0_0">
+      <p:pic>
+        <p:nvPicPr>
+          <p:cNvPr id="4098" name="Picture 2">
             <a:extLst>
               <a:ext uri="{FF2B5EF4-FFF2-40B4-BE49-F238E27FC236}">
-                <a16:creationId xmlns:a16="http://schemas.microsoft.com/office/drawing/2014/main" id="{D1E650A8-F22D-6548-AD24-5D2946CC5779}"/>
+                <a16:creationId xmlns:a16="http://schemas.microsoft.com/office/drawing/2014/main" id="{49A7D192-5F67-9D41-AFB0-2F1E023F4256}"/>
               </a:ext>
             </a:extLst>
           </p:cNvPr>
-          <p:cNvSpPr txBox="1"/>
+          <p:cNvPicPr>
+            <a:picLocks noChangeAspect="1" noChangeArrowheads="1"/>
+          </p:cNvPicPr>
           <p:nvPr/>
-        </p:nvSpPr>
-        <p:spPr>
+        </p:nvPicPr>
+        <p:blipFill>
+          <a:blip r:embed="rId3">
+            <a:extLst>
+              <a:ext uri="{28A0092B-C50C-407E-A947-70E740481C1C}">
+                <a14:useLocalDpi xmlns:a14="http://schemas.microsoft.com/office/drawing/2010/main" val="0"/>
+              </a:ext>
+            </a:extLst>
+          </a:blip>
+          <a:srcRect/>
+          <a:stretch>
+            <a:fillRect/>
+          </a:stretch>
+        </p:blipFill>
+        <p:spPr bwMode="auto">
           <a:xfrm>
-            <a:off x="268574" y="904875"/>
-            <a:ext cx="8834326" cy="3785621"/>
+            <a:off x="1524000" y="1003300"/>
+            <a:ext cx="5627688" cy="5272525"/>
           </a:xfrm>
           <a:prstGeom prst="rect">
             <a:avLst/>
           </a:prstGeom>
           <a:noFill/>
-          <a:ln>
-            <a:noFill/>
-          </a:ln>
+          <a:extLst>
+            <a:ext uri="{909E8E84-426E-40DD-AFC4-6F175D3DCCD1}">
+              <a14:hiddenFill xmlns:a14="http://schemas.microsoft.com/office/drawing/2010/main">
+                <a:solidFill>
+                  <a:srgbClr val="FFFFFF"/>
+                </a:solidFill>
+              </a14:hiddenFill>
+            </a:ext>
+          </a:extLst>
         </p:spPr>
-        <p:txBody>
-          <a:bodyPr spcFirstLastPara="1" wrap="square" lIns="91425" tIns="91425" rIns="91425" bIns="91425" anchor="t" anchorCtr="0">
-            <a:spAutoFit/>
-          </a:bodyPr>
-          <a:lstStyle/>
-          <a:p>
-            <a:pPr>
-              <a:buClr>
-                <a:schemeClr val="dk1"/>
-              </a:buClr>
-              <a:buSzPts val="1100"/>
-            </a:pPr>
-            <a:r>
-              <a:rPr lang="en-US" sz="1800" dirty="0">
-                <a:sym typeface="Roboto Medium"/>
-              </a:rPr>
-              <a:t>To push the changes in your local repo to </a:t>
-            </a:r>
-            <a:r>
-              <a:rPr lang="en-US" sz="1800" dirty="0" err="1">
-                <a:sym typeface="Roboto Medium"/>
-              </a:rPr>
-              <a:t>Github</a:t>
-            </a:r>
-            <a:r>
-              <a:rPr lang="en-US" sz="1800" dirty="0">
-                <a:sym typeface="Roboto Medium"/>
-              </a:rPr>
-              <a:t>, do the following: </a:t>
-            </a:r>
-          </a:p>
-          <a:p>
-            <a:pPr>
-              <a:buClr>
-                <a:schemeClr val="dk1"/>
-              </a:buClr>
-              <a:buSzPts val="1100"/>
-            </a:pPr>
-            <a:endParaRPr lang="en-US" sz="1800" dirty="0">
-              <a:sym typeface="Roboto Medium"/>
-            </a:endParaRPr>
-          </a:p>
-          <a:p>
-            <a:pPr marL="11113" lvl="2" indent="454025">
-              <a:buClr>
-                <a:schemeClr val="dk1"/>
-              </a:buClr>
-              <a:buSzPts val="1100"/>
-            </a:pPr>
-            <a:r>
-              <a:rPr lang="en-US" sz="1800" dirty="0">
-                <a:solidFill>
-                  <a:schemeClr val="dk1"/>
-                </a:solidFill>
-                <a:highlight>
-                  <a:srgbClr val="C0C0C0"/>
-                </a:highlight>
-                <a:latin typeface="Consolas"/>
-                <a:cs typeface="Consolas"/>
-                <a:sym typeface="Roboto Medium"/>
-              </a:rPr>
-              <a:t>﻿git branch –M main</a:t>
-            </a:r>
-          </a:p>
-          <a:p>
-            <a:pPr marL="11113" lvl="2" indent="454025">
-              <a:buClr>
-                <a:schemeClr val="dk1"/>
-              </a:buClr>
-              <a:buSzPts val="1100"/>
-            </a:pPr>
-            <a:r>
-              <a:rPr lang="en-US" sz="1800" dirty="0">
-                <a:solidFill>
-                  <a:schemeClr val="dk1"/>
-                </a:solidFill>
-                <a:highlight>
-                  <a:srgbClr val="C0C0C0"/>
-                </a:highlight>
-                <a:latin typeface="Consolas"/>
-                <a:cs typeface="Consolas"/>
-                <a:sym typeface="Roboto Medium"/>
-              </a:rPr>
-              <a:t>git push –u origin main</a:t>
-            </a:r>
-            <a:endParaRPr lang="en-US" sz="1800" dirty="0">
-              <a:highlight>
-                <a:srgbClr val="C0C0C0"/>
-              </a:highlight>
-              <a:sym typeface="Roboto Medium"/>
-            </a:endParaRPr>
-          </a:p>
-          <a:p>
-            <a:pPr lvl="0">
-              <a:buClr>
-                <a:schemeClr val="dk1"/>
-              </a:buClr>
-              <a:buSzPts val="1100"/>
-            </a:pPr>
-            <a:endParaRPr lang="en-US" sz="1800" dirty="0">
-              <a:sym typeface="Roboto Medium"/>
-            </a:endParaRPr>
-          </a:p>
-          <a:p>
-            <a:pPr lvl="0">
-              <a:buClr>
-                <a:schemeClr val="dk1"/>
-              </a:buClr>
-              <a:buSzPts val="1100"/>
-            </a:pPr>
-            <a:r>
-              <a:rPr lang="en-US" sz="1800" dirty="0">
-                <a:sym typeface="Roboto Medium"/>
-              </a:rPr>
-              <a:t>The push request will require you to sign into your </a:t>
-            </a:r>
-            <a:r>
-              <a:rPr lang="en-US" sz="1800" dirty="0" err="1">
-                <a:sym typeface="Roboto Medium"/>
-              </a:rPr>
-              <a:t>Github</a:t>
-            </a:r>
-            <a:r>
-              <a:rPr lang="en-US" sz="1800" dirty="0">
-                <a:sym typeface="Roboto Medium"/>
-              </a:rPr>
-              <a:t> account on KLC.  In order to do so you will need a </a:t>
-            </a:r>
-            <a:r>
-              <a:rPr lang="en-US" sz="1800" b="1" dirty="0">
-                <a:sym typeface="Roboto Medium"/>
-              </a:rPr>
-              <a:t>personal access token</a:t>
-            </a:r>
-            <a:r>
-              <a:rPr lang="en-US" sz="1800" dirty="0">
-                <a:sym typeface="Roboto Medium"/>
-              </a:rPr>
-              <a:t>.  You can acquire one by going to:</a:t>
-            </a:r>
-          </a:p>
-          <a:p>
-            <a:pPr lvl="0">
-              <a:buClr>
-                <a:schemeClr val="dk1"/>
-              </a:buClr>
-              <a:buSzPts val="1100"/>
-            </a:pPr>
-            <a:endParaRPr lang="en-US" sz="1800" dirty="0">
-              <a:sym typeface="Roboto Medium"/>
-            </a:endParaRPr>
-          </a:p>
-          <a:p>
-            <a:pPr lvl="0">
-              <a:buClr>
-                <a:schemeClr val="dk1"/>
-              </a:buClr>
-              <a:buSzPts val="1100"/>
-            </a:pPr>
-            <a:r>
-              <a:rPr lang="en-US" sz="1800" dirty="0">
-                <a:solidFill>
-                  <a:srgbClr val="7030A0"/>
-                </a:solidFill>
-                <a:sym typeface="Roboto Medium"/>
-              </a:rPr>
-              <a:t>Settings </a:t>
-            </a:r>
-            <a:r>
-              <a:rPr lang="en-US" sz="1800" dirty="0">
-                <a:solidFill>
-                  <a:srgbClr val="7030A0"/>
-                </a:solidFill>
-                <a:sym typeface="Wingdings" pitchFamily="2" charset="2"/>
-              </a:rPr>
-              <a:t></a:t>
-            </a:r>
-            <a:r>
-              <a:rPr lang="en-US" sz="1800" dirty="0">
-                <a:solidFill>
-                  <a:srgbClr val="7030A0"/>
-                </a:solidFill>
-                <a:sym typeface="Roboto Medium"/>
-              </a:rPr>
-              <a:t> Developer Settings </a:t>
-            </a:r>
-            <a:r>
-              <a:rPr lang="en-US" sz="1800" dirty="0">
-                <a:solidFill>
-                  <a:srgbClr val="7030A0"/>
-                </a:solidFill>
-                <a:sym typeface="Wingdings" pitchFamily="2" charset="2"/>
-              </a:rPr>
-              <a:t> Personal Access Token  Generate New Token</a:t>
-            </a:r>
-          </a:p>
-          <a:p>
-            <a:pPr lvl="0">
-              <a:buClr>
-                <a:schemeClr val="dk1"/>
-              </a:buClr>
-              <a:buSzPts val="1100"/>
-            </a:pPr>
-            <a:endParaRPr lang="en-US" sz="1800" dirty="0">
-              <a:sym typeface="Wingdings" pitchFamily="2" charset="2"/>
-            </a:endParaRPr>
-          </a:p>
-          <a:p>
-            <a:pPr lvl="0">
-              <a:buClr>
-                <a:schemeClr val="dk1"/>
-              </a:buClr>
-              <a:buSzPts val="1100"/>
-            </a:pPr>
-            <a:r>
-              <a:rPr lang="en-US" sz="1800" dirty="0">
-                <a:sym typeface="Wingdings" pitchFamily="2" charset="2"/>
-              </a:rPr>
-              <a:t>The steps are described here: </a:t>
-            </a:r>
-            <a:r>
-              <a:rPr lang="en-US" sz="1800" dirty="0">
-                <a:sym typeface="Wingdings" pitchFamily="2" charset="2"/>
-                <a:hlinkClick r:id="rId3"/>
-              </a:rPr>
-              <a:t>https://docs.github.com/en/github/authenticating-to-github/keeping-your-account-and-data-secure/creating-a-personal-access-token</a:t>
-            </a:r>
-            <a:r>
-              <a:rPr lang="en-US" sz="1800" dirty="0">
-                <a:sym typeface="Wingdings" pitchFamily="2" charset="2"/>
-              </a:rPr>
-              <a:t> </a:t>
-            </a:r>
-            <a:endParaRPr lang="en-US" sz="1800" dirty="0">
-              <a:sym typeface="Roboto Medium"/>
-            </a:endParaRPr>
-          </a:p>
-          <a:p>
-            <a:pPr marL="0" lvl="0" indent="0" algn="l" rtl="0">
-              <a:spcBef>
-                <a:spcPts val="0"/>
-              </a:spcBef>
-              <a:spcAft>
-                <a:spcPts val="0"/>
-              </a:spcAft>
-              <a:buClr>
-                <a:schemeClr val="dk1"/>
-              </a:buClr>
-              <a:buSzPts val="1100"/>
-              <a:buFont typeface="Arial"/>
-              <a:buNone/>
-            </a:pPr>
-            <a:endParaRPr lang="en-US" sz="1800" dirty="0">
-              <a:solidFill>
-                <a:schemeClr val="dk1"/>
-              </a:solidFill>
-              <a:highlight>
-                <a:srgbClr val="C0C0C0"/>
-              </a:highlight>
-              <a:latin typeface="Consolas"/>
-              <a:cs typeface="Consolas"/>
-              <a:sym typeface="Roboto Medium"/>
-            </a:endParaRPr>
-          </a:p>
-        </p:txBody>
-      </p:sp>
+      </p:pic>
       <p:sp>
         <p:nvSpPr>
           <p:cNvPr id="2" name="Google Shape;94;ge58bbe3d21_0_49">
             <a:extLst>
               <a:ext uri="{FF2B5EF4-FFF2-40B4-BE49-F238E27FC236}">
-                <a16:creationId xmlns:a16="http://schemas.microsoft.com/office/drawing/2014/main" id="{A82D0CDB-7C3E-B2A2-E19E-907341552782}"/>
+                <a16:creationId xmlns:a16="http://schemas.microsoft.com/office/drawing/2014/main" id="{1E427AEF-E093-7CD1-210A-AC34A032C96F}"/>
               </a:ext>
             </a:extLst>
           </p:cNvPr>
@@ -15815,7 +16210,7 @@
     </p:spTree>
     <p:extLst>
       <p:ext uri="{BB962C8B-B14F-4D97-AF65-F5344CB8AC3E}">
-        <p14:creationId xmlns:p14="http://schemas.microsoft.com/office/powerpoint/2010/main" val="3690426661"/>
+        <p14:creationId xmlns:p14="http://schemas.microsoft.com/office/powerpoint/2010/main" val="2954514973"/>
       </p:ext>
     </p:extLst>
   </p:cSld>
@@ -15886,15 +16281,11 @@
             </a:pPr>
             <a:r>
               <a:rPr lang="en-US" dirty="0"/>
-              <a:t>Saving </a:t>
+              <a:t>Saving local Git repo to </a:t>
             </a:r>
             <a:r>
               <a:rPr lang="en-US" dirty="0" err="1"/>
               <a:t>Github</a:t>
-            </a:r>
-            <a:r>
-              <a:rPr lang="en-US" dirty="0"/>
-              <a:t> changes to local repo</a:t>
             </a:r>
             <a:endParaRPr dirty="0"/>
           </a:p>
@@ -15965,7 +16356,7 @@
         <p:spPr>
           <a:xfrm>
             <a:off x="268574" y="904875"/>
-            <a:ext cx="8834326" cy="1569630"/>
+            <a:ext cx="8834326" cy="3785621"/>
           </a:xfrm>
           <a:prstGeom prst="rect">
             <a:avLst/>
@@ -15991,7 +16382,7 @@
               <a:rPr lang="en-US" sz="1800" dirty="0">
                 <a:sym typeface="Roboto Medium"/>
               </a:rPr>
-              <a:t>If you manually add files or make other changes on </a:t>
+              <a:t>To push the changes in your local repo to </a:t>
             </a:r>
             <a:r>
               <a:rPr lang="en-US" sz="1800" dirty="0" err="1">
@@ -16003,11 +16394,11 @@
               <a:rPr lang="en-US" sz="1800" dirty="0">
                 <a:sym typeface="Roboto Medium"/>
               </a:rPr>
-              <a:t>, you can sync those changes to your local git repo on KLC by doing the following: </a:t>
-            </a:r>
-          </a:p>
-          <a:p>
-            <a:pPr lvl="0">
+              <a:t>, do the following: </a:t>
+            </a:r>
+          </a:p>
+          <a:p>
+            <a:pPr>
               <a:buClr>
                 <a:schemeClr val="dk1"/>
               </a:buClr>
@@ -16036,7 +16427,29 @@
                 <a:cs typeface="Consolas"/>
                 <a:sym typeface="Roboto Medium"/>
               </a:rPr>
-              <a:t>git pull origin main</a:t>
+              <a:t>﻿git branch –M main</a:t>
+            </a:r>
+          </a:p>
+          <a:p>
+            <a:pPr marL="11113" lvl="2" indent="454025">
+              <a:buClr>
+                <a:schemeClr val="dk1"/>
+              </a:buClr>
+              <a:buSzPts val="1100"/>
+            </a:pPr>
+            <a:r>
+              <a:rPr lang="en-US" sz="1800" dirty="0">
+                <a:solidFill>
+                  <a:schemeClr val="dk1"/>
+                </a:solidFill>
+                <a:highlight>
+                  <a:srgbClr val="C0C0C0"/>
+                </a:highlight>
+                <a:latin typeface="Consolas"/>
+                <a:cs typeface="Consolas"/>
+                <a:sym typeface="Roboto Medium"/>
+              </a:rPr>
+              <a:t>git push –u origin main</a:t>
             </a:r>
             <a:endParaRPr lang="en-US" sz="1800" dirty="0">
               <a:highlight>
@@ -16053,6 +16466,167 @@
               <a:buSzPts val="1100"/>
             </a:pPr>
             <a:endParaRPr lang="en-US" sz="1800" dirty="0">
+              <a:sym typeface="Roboto Medium"/>
+            </a:endParaRPr>
+          </a:p>
+          <a:p>
+            <a:pPr lvl="0">
+              <a:buClr>
+                <a:schemeClr val="dk1"/>
+              </a:buClr>
+              <a:buSzPts val="1100"/>
+            </a:pPr>
+            <a:r>
+              <a:rPr lang="en-US" sz="1800" dirty="0">
+                <a:sym typeface="Roboto Medium"/>
+              </a:rPr>
+              <a:t>The push request will require you to sign into your </a:t>
+            </a:r>
+            <a:r>
+              <a:rPr lang="en-US" sz="1800" dirty="0" err="1">
+                <a:sym typeface="Roboto Medium"/>
+              </a:rPr>
+              <a:t>Github</a:t>
+            </a:r>
+            <a:r>
+              <a:rPr lang="en-US" sz="1800" dirty="0">
+                <a:sym typeface="Roboto Medium"/>
+              </a:rPr>
+              <a:t> account on KLC.  In order to do so you will need a </a:t>
+            </a:r>
+            <a:r>
+              <a:rPr lang="en-US" sz="1800" b="1" dirty="0">
+                <a:sym typeface="Roboto Medium"/>
+              </a:rPr>
+              <a:t>personal access token</a:t>
+            </a:r>
+            <a:r>
+              <a:rPr lang="en-US" sz="1800" dirty="0">
+                <a:sym typeface="Roboto Medium"/>
+              </a:rPr>
+              <a:t>.  You can acquire one by going to:</a:t>
+            </a:r>
+          </a:p>
+          <a:p>
+            <a:pPr lvl="0">
+              <a:buClr>
+                <a:schemeClr val="dk1"/>
+              </a:buClr>
+              <a:buSzPts val="1100"/>
+            </a:pPr>
+            <a:endParaRPr lang="en-US" sz="1800" dirty="0">
+              <a:sym typeface="Roboto Medium"/>
+            </a:endParaRPr>
+          </a:p>
+          <a:p>
+            <a:pPr lvl="0">
+              <a:buClr>
+                <a:schemeClr val="dk1"/>
+              </a:buClr>
+              <a:buSzPts val="1100"/>
+            </a:pPr>
+            <a:r>
+              <a:rPr lang="en-US" sz="1800" dirty="0">
+                <a:solidFill>
+                  <a:srgbClr val="7030A0"/>
+                </a:solidFill>
+                <a:sym typeface="Roboto Medium"/>
+              </a:rPr>
+              <a:t>Settings </a:t>
+            </a:r>
+            <a:r>
+              <a:rPr lang="en-US" sz="1800" dirty="0">
+                <a:solidFill>
+                  <a:srgbClr val="7030A0"/>
+                </a:solidFill>
+                <a:sym typeface="Wingdings" pitchFamily="2" charset="2"/>
+              </a:rPr>
+              <a:t></a:t>
+            </a:r>
+            <a:r>
+              <a:rPr lang="en-US" sz="1800" dirty="0">
+                <a:solidFill>
+                  <a:srgbClr val="7030A0"/>
+                </a:solidFill>
+                <a:sym typeface="Roboto Medium"/>
+              </a:rPr>
+              <a:t> Developer Settings </a:t>
+            </a:r>
+            <a:r>
+              <a:rPr lang="en-US" sz="1800" dirty="0">
+                <a:solidFill>
+                  <a:srgbClr val="7030A0"/>
+                </a:solidFill>
+                <a:sym typeface="Wingdings" pitchFamily="2" charset="2"/>
+              </a:rPr>
+              <a:t> Personal Access Token  Generate New Token</a:t>
+            </a:r>
+          </a:p>
+          <a:p>
+            <a:pPr lvl="0">
+              <a:buClr>
+                <a:schemeClr val="dk1"/>
+              </a:buClr>
+              <a:buSzPts val="1100"/>
+            </a:pPr>
+            <a:endParaRPr lang="en-US" sz="1800" dirty="0">
+              <a:sym typeface="Wingdings" pitchFamily="2" charset="2"/>
+            </a:endParaRPr>
+          </a:p>
+          <a:p>
+            <a:pPr lvl="0">
+              <a:buClr>
+                <a:schemeClr val="dk1"/>
+              </a:buClr>
+              <a:buSzPts val="1100"/>
+            </a:pPr>
+            <a:r>
+              <a:rPr lang="en-US" sz="1800" dirty="0">
+                <a:sym typeface="Wingdings" pitchFamily="2" charset="2"/>
+              </a:rPr>
+              <a:t>The steps are described here: </a:t>
+            </a:r>
+            <a:r>
+              <a:rPr lang="en-US" sz="1800" dirty="0">
+                <a:sym typeface="Wingdings" pitchFamily="2" charset="2"/>
+                <a:hlinkClick r:id="rId3"/>
+              </a:rPr>
+              <a:t>https://docs.github.com/en/github/authenticating-to-github/keeping-your-account-and-data-secure/creating-a-personal-access-token</a:t>
+            </a:r>
+            <a:r>
+              <a:rPr lang="en-US" sz="1800" dirty="0">
+                <a:sym typeface="Wingdings" pitchFamily="2" charset="2"/>
+              </a:rPr>
+              <a:t> </a:t>
+            </a:r>
+            <a:endParaRPr lang="en-US" sz="1800" dirty="0">
+              <a:sym typeface="Roboto Medium"/>
+            </a:endParaRPr>
+          </a:p>
+          <a:p>
+            <a:pPr marL="0" lvl="0" indent="0" algn="l" rtl="0">
+              <a:spcBef>
+                <a:spcPts val="0"/>
+              </a:spcBef>
+              <a:spcAft>
+                <a:spcPts val="0"/>
+              </a:spcAft>
+              <a:buClr>
+                <a:schemeClr val="dk1"/>
+              </a:buClr>
+              <a:buSzPts val="1100"/>
+              <a:buFont typeface="Arial"/>
+              <a:buNone/>
+            </a:pPr>
+            <a:endParaRPr lang="en-US" sz="1800" dirty="0">
+              <a:solidFill>
+                <a:schemeClr val="dk1"/>
+              </a:solidFill>
+              <a:highlight>
+                <a:srgbClr val="C0C0C0"/>
+              </a:highlight>
+              <a:latin typeface="Consolas"/>
+              <a:cs typeface="Consolas"/>
               <a:sym typeface="Roboto Medium"/>
             </a:endParaRPr>
           </a:p>
@@ -16063,7 +16637,7 @@
           <p:cNvPr id="2" name="Google Shape;94;ge58bbe3d21_0_49">
             <a:extLst>
               <a:ext uri="{FF2B5EF4-FFF2-40B4-BE49-F238E27FC236}">
-                <a16:creationId xmlns:a16="http://schemas.microsoft.com/office/drawing/2014/main" id="{C9B9959B-47EE-8AE5-F4DA-F83EE54352B5}"/>
+                <a16:creationId xmlns:a16="http://schemas.microsoft.com/office/drawing/2014/main" id="{A82D0CDB-7C3E-B2A2-E19E-907341552782}"/>
               </a:ext>
             </a:extLst>
           </p:cNvPr>
@@ -16117,7 +16691,7 @@
     </p:spTree>
     <p:extLst>
       <p:ext uri="{BB962C8B-B14F-4D97-AF65-F5344CB8AC3E}">
-        <p14:creationId xmlns:p14="http://schemas.microsoft.com/office/powerpoint/2010/main" val="4015438287"/>
+        <p14:creationId xmlns:p14="http://schemas.microsoft.com/office/powerpoint/2010/main" val="3690426661"/>
       </p:ext>
     </p:extLst>
   </p:cSld>
@@ -16408,6 +16982,308 @@
   <p:cSld>
     <p:spTree>
       <p:nvGrpSpPr>
+        <p:cNvPr id="1" name="Shape 101"/>
+        <p:cNvGrpSpPr/>
+        <p:nvPr/>
+      </p:nvGrpSpPr>
+      <p:grpSpPr>
+        <a:xfrm>
+          <a:off x="0" y="0"/>
+          <a:ext cx="0" cy="0"/>
+          <a:chOff x="0" y="0"/>
+          <a:chExt cx="0" cy="0"/>
+        </a:xfrm>
+      </p:grpSpPr>
+      <p:sp>
+        <p:nvSpPr>
+          <p:cNvPr id="102" name="Google Shape;102;ge6d407e7a1_0_0"/>
+          <p:cNvSpPr txBox="1">
+            <a:spLocks noGrp="1"/>
+          </p:cNvSpPr>
+          <p:nvPr>
+            <p:ph type="title"/>
+          </p:nvPr>
+        </p:nvSpPr>
+        <p:spPr>
+          <a:xfrm>
+            <a:off x="457200" y="0"/>
+            <a:ext cx="8645700" cy="1143000"/>
+          </a:xfrm>
+          <a:prstGeom prst="rect">
+            <a:avLst/>
+          </a:prstGeom>
+          <a:noFill/>
+          <a:ln>
+            <a:noFill/>
+          </a:ln>
+        </p:spPr>
+        <p:txBody>
+          <a:bodyPr spcFirstLastPara="1" wrap="square" lIns="91425" tIns="45700" rIns="91425" bIns="45700" anchor="ctr" anchorCtr="0">
+            <a:noAutofit/>
+          </a:bodyPr>
+          <a:lstStyle/>
+          <a:p>
+            <a:pPr marL="0" lvl="0" indent="0" algn="l" rtl="0">
+              <a:lnSpc>
+                <a:spcPct val="100000"/>
+              </a:lnSpc>
+              <a:spcBef>
+                <a:spcPts val="0"/>
+              </a:spcBef>
+              <a:spcAft>
+                <a:spcPts val="0"/>
+              </a:spcAft>
+              <a:buSzPts val="3200"/>
+              <a:buNone/>
+            </a:pPr>
+            <a:r>
+              <a:rPr lang="en-US" dirty="0"/>
+              <a:t>Saving </a:t>
+            </a:r>
+            <a:r>
+              <a:rPr lang="en-US" dirty="0" err="1"/>
+              <a:t>Github</a:t>
+            </a:r>
+            <a:r>
+              <a:rPr lang="en-US" dirty="0"/>
+              <a:t> changes to local repo</a:t>
+            </a:r>
+            <a:endParaRPr dirty="0"/>
+          </a:p>
+        </p:txBody>
+      </p:sp>
+      <p:sp>
+        <p:nvSpPr>
+          <p:cNvPr id="104" name="Google Shape;104;ge6d407e7a1_0_0"/>
+          <p:cNvSpPr txBox="1">
+            <a:spLocks noGrp="1"/>
+          </p:cNvSpPr>
+          <p:nvPr>
+            <p:ph type="sldNum" idx="12"/>
+          </p:nvPr>
+        </p:nvSpPr>
+        <p:spPr>
+          <a:xfrm>
+            <a:off x="8686800" y="6506896"/>
+            <a:ext cx="416100" cy="365100"/>
+          </a:xfrm>
+          <a:prstGeom prst="rect">
+            <a:avLst/>
+          </a:prstGeom>
+          <a:noFill/>
+          <a:ln>
+            <a:noFill/>
+          </a:ln>
+        </p:spPr>
+        <p:txBody>
+          <a:bodyPr spcFirstLastPara="1" wrap="square" lIns="91425" tIns="45700" rIns="91425" bIns="45700" anchor="ctr" anchorCtr="0">
+            <a:noAutofit/>
+          </a:bodyPr>
+          <a:lstStyle/>
+          <a:p>
+            <a:pPr marL="0" lvl="0" indent="0" algn="r" rtl="0">
+              <a:lnSpc>
+                <a:spcPct val="100000"/>
+              </a:lnSpc>
+              <a:spcBef>
+                <a:spcPts val="0"/>
+              </a:spcBef>
+              <a:spcAft>
+                <a:spcPts val="0"/>
+              </a:spcAft>
+              <a:buSzPts val="1000"/>
+              <a:buNone/>
+            </a:pPr>
+            <a:fld id="{00000000-1234-1234-1234-123412341234}" type="slidenum">
+              <a:rPr lang="en-US"/>
+              <a:t>20</a:t>
+            </a:fld>
+            <a:endParaRPr/>
+          </a:p>
+        </p:txBody>
+      </p:sp>
+      <p:sp>
+        <p:nvSpPr>
+          <p:cNvPr id="8" name="Google Shape;105;ge6d407e7a1_0_0">
+            <a:extLst>
+              <a:ext uri="{FF2B5EF4-FFF2-40B4-BE49-F238E27FC236}">
+                <a16:creationId xmlns:a16="http://schemas.microsoft.com/office/drawing/2014/main" id="{D1E650A8-F22D-6548-AD24-5D2946CC5779}"/>
+              </a:ext>
+            </a:extLst>
+          </p:cNvPr>
+          <p:cNvSpPr txBox="1"/>
+          <p:nvPr/>
+        </p:nvSpPr>
+        <p:spPr>
+          <a:xfrm>
+            <a:off x="268574" y="904875"/>
+            <a:ext cx="8834326" cy="1569630"/>
+          </a:xfrm>
+          <a:prstGeom prst="rect">
+            <a:avLst/>
+          </a:prstGeom>
+          <a:noFill/>
+          <a:ln>
+            <a:noFill/>
+          </a:ln>
+        </p:spPr>
+        <p:txBody>
+          <a:bodyPr spcFirstLastPara="1" wrap="square" lIns="91425" tIns="91425" rIns="91425" bIns="91425" anchor="t" anchorCtr="0">
+            <a:spAutoFit/>
+          </a:bodyPr>
+          <a:lstStyle/>
+          <a:p>
+            <a:pPr>
+              <a:buClr>
+                <a:schemeClr val="dk1"/>
+              </a:buClr>
+              <a:buSzPts val="1100"/>
+            </a:pPr>
+            <a:r>
+              <a:rPr lang="en-US" sz="1800" dirty="0">
+                <a:sym typeface="Roboto Medium"/>
+              </a:rPr>
+              <a:t>If you manually add files or make other changes on </a:t>
+            </a:r>
+            <a:r>
+              <a:rPr lang="en-US" sz="1800" dirty="0" err="1">
+                <a:sym typeface="Roboto Medium"/>
+              </a:rPr>
+              <a:t>Github</a:t>
+            </a:r>
+            <a:r>
+              <a:rPr lang="en-US" sz="1800" dirty="0">
+                <a:sym typeface="Roboto Medium"/>
+              </a:rPr>
+              <a:t>, you can sync those changes to your local git repo on KLC by doing the following: </a:t>
+            </a:r>
+          </a:p>
+          <a:p>
+            <a:pPr lvl="0">
+              <a:buClr>
+                <a:schemeClr val="dk1"/>
+              </a:buClr>
+              <a:buSzPts val="1100"/>
+            </a:pPr>
+            <a:endParaRPr lang="en-US" sz="1800" dirty="0">
+              <a:sym typeface="Roboto Medium"/>
+            </a:endParaRPr>
+          </a:p>
+          <a:p>
+            <a:pPr marL="11113" lvl="2" indent="454025">
+              <a:buClr>
+                <a:schemeClr val="dk1"/>
+              </a:buClr>
+              <a:buSzPts val="1100"/>
+            </a:pPr>
+            <a:r>
+              <a:rPr lang="en-US" sz="1800" dirty="0">
+                <a:solidFill>
+                  <a:schemeClr val="dk1"/>
+                </a:solidFill>
+                <a:highlight>
+                  <a:srgbClr val="C0C0C0"/>
+                </a:highlight>
+                <a:latin typeface="Consolas"/>
+                <a:cs typeface="Consolas"/>
+                <a:sym typeface="Roboto Medium"/>
+              </a:rPr>
+              <a:t>git pull origin main</a:t>
+            </a:r>
+            <a:endParaRPr lang="en-US" sz="1800" dirty="0">
+              <a:highlight>
+                <a:srgbClr val="C0C0C0"/>
+              </a:highlight>
+              <a:sym typeface="Roboto Medium"/>
+            </a:endParaRPr>
+          </a:p>
+          <a:p>
+            <a:pPr lvl="0">
+              <a:buClr>
+                <a:schemeClr val="dk1"/>
+              </a:buClr>
+              <a:buSzPts val="1100"/>
+            </a:pPr>
+            <a:endParaRPr lang="en-US" sz="1800" dirty="0">
+              <a:sym typeface="Roboto Medium"/>
+            </a:endParaRPr>
+          </a:p>
+        </p:txBody>
+      </p:sp>
+      <p:sp>
+        <p:nvSpPr>
+          <p:cNvPr id="2" name="Google Shape;94;ge58bbe3d21_0_49">
+            <a:extLst>
+              <a:ext uri="{FF2B5EF4-FFF2-40B4-BE49-F238E27FC236}">
+                <a16:creationId xmlns:a16="http://schemas.microsoft.com/office/drawing/2014/main" id="{C9B9959B-47EE-8AE5-F4DA-F83EE54352B5}"/>
+              </a:ext>
+            </a:extLst>
+          </p:cNvPr>
+          <p:cNvSpPr txBox="1">
+            <a:spLocks noGrp="1"/>
+          </p:cNvSpPr>
+          <p:nvPr>
+            <p:ph type="ftr" idx="11"/>
+          </p:nvPr>
+        </p:nvSpPr>
+        <p:spPr>
+          <a:xfrm>
+            <a:off x="4572000" y="6506896"/>
+            <a:ext cx="4114800" cy="365100"/>
+          </a:xfrm>
+          <a:prstGeom prst="rect">
+            <a:avLst/>
+          </a:prstGeom>
+          <a:noFill/>
+          <a:ln>
+            <a:noFill/>
+          </a:ln>
+        </p:spPr>
+        <p:txBody>
+          <a:bodyPr spcFirstLastPara="1" wrap="square" lIns="91425" tIns="45700" rIns="91425" bIns="45700" anchor="ctr" anchorCtr="0">
+            <a:noAutofit/>
+          </a:bodyPr>
+          <a:lstStyle/>
+          <a:p>
+            <a:pPr marL="0" lvl="0" indent="0" algn="r" rtl="0">
+              <a:lnSpc>
+                <a:spcPct val="100000"/>
+              </a:lnSpc>
+              <a:spcBef>
+                <a:spcPts val="0"/>
+              </a:spcBef>
+              <a:spcAft>
+                <a:spcPts val="0"/>
+              </a:spcAft>
+              <a:buSzPts val="1400"/>
+              <a:buNone/>
+            </a:pPr>
+            <a:r>
+              <a:rPr lang="en-US" dirty="0"/>
+              <a:t>Version Control</a:t>
+            </a:r>
+            <a:endParaRPr dirty="0"/>
+          </a:p>
+        </p:txBody>
+      </p:sp>
+    </p:spTree>
+    <p:extLst>
+      <p:ext uri="{BB962C8B-B14F-4D97-AF65-F5344CB8AC3E}">
+        <p14:creationId xmlns:p14="http://schemas.microsoft.com/office/powerpoint/2010/main" val="4015438287"/>
+      </p:ext>
+    </p:extLst>
+  </p:cSld>
+  <p:clrMapOvr>
+    <a:masterClrMapping/>
+  </p:clrMapOvr>
+</p:sld>
+</file>
+
+<file path=ppt/slides/slide21.xml><?xml version="1.0" encoding="utf-8"?>
+<p:sld xmlns:a="http://schemas.openxmlformats.org/drawingml/2006/main" xmlns:r="http://schemas.openxmlformats.org/officeDocument/2006/relationships" xmlns:p="http://schemas.openxmlformats.org/presentationml/2006/main">
+  <p:cSld>
+    <p:spTree>
+      <p:nvGrpSpPr>
         <p:cNvPr id="1" name=""/>
         <p:cNvGrpSpPr/>
         <p:nvPr/>
@@ -16497,7 +17373,7 @@
             </a:pPr>
             <a:fld id="{00000000-1234-1234-1234-123412341234}" type="slidenum">
               <a:rPr lang="en-US"/>
-              <a:t>20</a:t>
+              <a:t>21</a:t>
             </a:fld>
             <a:endParaRPr lang="en-US"/>
           </a:p>
@@ -16572,7 +17448,7 @@
 </p:sld>
 </file>
 
-<file path=ppt/slides/slide21.xml><?xml version="1.0" encoding="utf-8"?>
+<file path=ppt/slides/slide22.xml><?xml version="1.0" encoding="utf-8"?>
 <p:sld xmlns:a="http://schemas.openxmlformats.org/drawingml/2006/main" xmlns:r="http://schemas.openxmlformats.org/officeDocument/2006/relationships" xmlns:p="http://schemas.openxmlformats.org/presentationml/2006/main">
   <p:cSld>
     <p:spTree>
@@ -16691,7 +17567,7 @@
             </a:pPr>
             <a:fld id="{00000000-1234-1234-1234-123412341234}" type="slidenum">
               <a:rPr lang="en-US"/>
-              <a:t>21</a:t>
+              <a:t>22</a:t>
             </a:fld>
             <a:endParaRPr/>
           </a:p>
@@ -16796,7 +17672,7 @@
 </p:sld>
 </file>
 
-<file path=ppt/slides/slide22.xml><?xml version="1.0" encoding="utf-8"?>
+<file path=ppt/slides/slide23.xml><?xml version="1.0" encoding="utf-8"?>
 <p:sld xmlns:a="http://schemas.openxmlformats.org/drawingml/2006/main" xmlns:r="http://schemas.openxmlformats.org/officeDocument/2006/relationships" xmlns:p="http://schemas.openxmlformats.org/presentationml/2006/main">
   <p:cSld>
     <p:spTree>
@@ -16915,7 +17791,7 @@
             </a:pPr>
             <a:fld id="{00000000-1234-1234-1234-123412341234}" type="slidenum">
               <a:rPr lang="en-US"/>
-              <a:t>22</a:t>
+              <a:t>23</a:t>
             </a:fld>
             <a:endParaRPr/>
           </a:p>
@@ -17089,7 +17965,7 @@
 </p:sld>
 </file>
 
-<file path=ppt/slides/slide23.xml><?xml version="1.0" encoding="utf-8"?>
+<file path=ppt/slides/slide24.xml><?xml version="1.0" encoding="utf-8"?>
 <p:sld xmlns:a="http://schemas.openxmlformats.org/drawingml/2006/main" xmlns:r="http://schemas.openxmlformats.org/officeDocument/2006/relationships" xmlns:p="http://schemas.openxmlformats.org/presentationml/2006/main">
   <p:cSld>
     <p:spTree>
@@ -17199,7 +18075,7 @@
             </a:pPr>
             <a:fld id="{00000000-1234-1234-1234-123412341234}" type="slidenum">
               <a:rPr lang="en-US"/>
-              <a:t>23</a:t>
+              <a:t>24</a:t>
             </a:fld>
             <a:endParaRPr lang="en-US"/>
           </a:p>
@@ -17265,888 +18141,6 @@
     <p:extLst>
       <p:ext uri="{BB962C8B-B14F-4D97-AF65-F5344CB8AC3E}">
         <p14:creationId xmlns:p14="http://schemas.microsoft.com/office/powerpoint/2010/main" val="2767218717"/>
-      </p:ext>
-    </p:extLst>
-  </p:cSld>
-  <p:clrMapOvr>
-    <a:masterClrMapping/>
-  </p:clrMapOvr>
-</p:sld>
-</file>
-
-<file path=ppt/slides/slide24.xml><?xml version="1.0" encoding="utf-8"?>
-<p:sld xmlns:a="http://schemas.openxmlformats.org/drawingml/2006/main" xmlns:r="http://schemas.openxmlformats.org/officeDocument/2006/relationships" xmlns:p="http://schemas.openxmlformats.org/presentationml/2006/main">
-  <p:cSld>
-    <p:spTree>
-      <p:nvGrpSpPr>
-        <p:cNvPr id="1" name="Shape 129"/>
-        <p:cNvGrpSpPr/>
-        <p:nvPr/>
-      </p:nvGrpSpPr>
-      <p:grpSpPr>
-        <a:xfrm>
-          <a:off x="0" y="0"/>
-          <a:ext cx="0" cy="0"/>
-          <a:chOff x="0" y="0"/>
-          <a:chExt cx="0" cy="0"/>
-        </a:xfrm>
-      </p:grpSpPr>
-      <p:sp>
-        <p:nvSpPr>
-          <p:cNvPr id="130" name="Google Shape;130;ge6d407e7a1_0_85"/>
-          <p:cNvSpPr txBox="1">
-            <a:spLocks noGrp="1"/>
-          </p:cNvSpPr>
-          <p:nvPr>
-            <p:ph type="title"/>
-          </p:nvPr>
-        </p:nvSpPr>
-        <p:spPr>
-          <a:xfrm>
-            <a:off x="457200" y="0"/>
-            <a:ext cx="8645700" cy="1143000"/>
-          </a:xfrm>
-          <a:prstGeom prst="rect">
-            <a:avLst/>
-          </a:prstGeom>
-          <a:noFill/>
-          <a:ln>
-            <a:noFill/>
-          </a:ln>
-        </p:spPr>
-        <p:txBody>
-          <a:bodyPr spcFirstLastPara="1" wrap="square" lIns="91425" tIns="45700" rIns="91425" bIns="45700" anchor="ctr" anchorCtr="0">
-            <a:noAutofit/>
-          </a:bodyPr>
-          <a:lstStyle/>
-          <a:p>
-            <a:pPr marL="0" lvl="0" indent="0" algn="l" rtl="0">
-              <a:lnSpc>
-                <a:spcPct val="100000"/>
-              </a:lnSpc>
-              <a:spcBef>
-                <a:spcPts val="0"/>
-              </a:spcBef>
-              <a:spcAft>
-                <a:spcPts val="0"/>
-              </a:spcAft>
-              <a:buSzPts val="3200"/>
-              <a:buNone/>
-            </a:pPr>
-            <a:r>
-              <a:rPr lang="en-US" dirty="0"/>
-              <a:t>Creating a </a:t>
-            </a:r>
-            <a:r>
-              <a:rPr lang="en-US" dirty="0" err="1"/>
-              <a:t>Conda</a:t>
-            </a:r>
-            <a:r>
-              <a:rPr lang="en-US" dirty="0"/>
-              <a:t> Environment</a:t>
-            </a:r>
-            <a:endParaRPr dirty="0"/>
-          </a:p>
-        </p:txBody>
-      </p:sp>
-      <p:sp>
-        <p:nvSpPr>
-          <p:cNvPr id="132" name="Google Shape;132;ge6d407e7a1_0_85"/>
-          <p:cNvSpPr txBox="1">
-            <a:spLocks noGrp="1"/>
-          </p:cNvSpPr>
-          <p:nvPr>
-            <p:ph type="sldNum" idx="12"/>
-          </p:nvPr>
-        </p:nvSpPr>
-        <p:spPr>
-          <a:xfrm>
-            <a:off x="8686800" y="6506896"/>
-            <a:ext cx="416100" cy="365100"/>
-          </a:xfrm>
-          <a:prstGeom prst="rect">
-            <a:avLst/>
-          </a:prstGeom>
-          <a:noFill/>
-          <a:ln>
-            <a:noFill/>
-          </a:ln>
-        </p:spPr>
-        <p:txBody>
-          <a:bodyPr spcFirstLastPara="1" wrap="square" lIns="91425" tIns="45700" rIns="91425" bIns="45700" anchor="ctr" anchorCtr="0">
-            <a:noAutofit/>
-          </a:bodyPr>
-          <a:lstStyle/>
-          <a:p>
-            <a:pPr marL="0" lvl="0" indent="0" algn="r" rtl="0">
-              <a:lnSpc>
-                <a:spcPct val="100000"/>
-              </a:lnSpc>
-              <a:spcBef>
-                <a:spcPts val="0"/>
-              </a:spcBef>
-              <a:spcAft>
-                <a:spcPts val="0"/>
-              </a:spcAft>
-              <a:buSzPts val="1000"/>
-              <a:buNone/>
-            </a:pPr>
-            <a:fld id="{00000000-1234-1234-1234-123412341234}" type="slidenum">
-              <a:rPr lang="en-US"/>
-              <a:t>24</a:t>
-            </a:fld>
-            <a:endParaRPr/>
-          </a:p>
-        </p:txBody>
-      </p:sp>
-      <p:sp>
-        <p:nvSpPr>
-          <p:cNvPr id="133" name="Google Shape;133;ge6d407e7a1_0_85"/>
-          <p:cNvSpPr txBox="1"/>
-          <p:nvPr/>
-        </p:nvSpPr>
-        <p:spPr>
-          <a:xfrm>
-            <a:off x="554325" y="873125"/>
-            <a:ext cx="8132400" cy="5155227"/>
-          </a:xfrm>
-          <a:prstGeom prst="rect">
-            <a:avLst/>
-          </a:prstGeom>
-          <a:noFill/>
-          <a:ln>
-            <a:noFill/>
-          </a:ln>
-        </p:spPr>
-        <p:txBody>
-          <a:bodyPr spcFirstLastPara="1" wrap="square" lIns="91425" tIns="91425" rIns="91425" bIns="91425" anchor="t" anchorCtr="0">
-            <a:spAutoFit/>
-          </a:bodyPr>
-          <a:lstStyle/>
-          <a:p>
-            <a:pPr marL="0" lvl="0" indent="0" algn="l" rtl="0">
-              <a:spcBef>
-                <a:spcPts val="0"/>
-              </a:spcBef>
-              <a:spcAft>
-                <a:spcPts val="0"/>
-              </a:spcAft>
-              <a:buClr>
-                <a:schemeClr val="dk1"/>
-              </a:buClr>
-              <a:buSzPts val="1100"/>
-              <a:buFont typeface="Arial"/>
-              <a:buNone/>
-            </a:pPr>
-            <a:r>
-              <a:rPr lang="en-US" sz="1800" dirty="0"/>
-              <a:t>Instead of loading each module you would like to use in your shell script separately, you can also create </a:t>
-            </a:r>
-            <a:r>
-              <a:rPr lang="en-US" sz="1800" dirty="0" err="1"/>
-              <a:t>conda</a:t>
-            </a:r>
-            <a:r>
-              <a:rPr lang="en-US" sz="1800" dirty="0"/>
-              <a:t> environment. Follow the steps below only once to create the environment:</a:t>
-            </a:r>
-            <a:endParaRPr sz="1800" dirty="0"/>
-          </a:p>
-          <a:p>
-            <a:pPr marL="0" lvl="0" indent="0" algn="l" rtl="0">
-              <a:spcBef>
-                <a:spcPts val="0"/>
-              </a:spcBef>
-              <a:spcAft>
-                <a:spcPts val="0"/>
-              </a:spcAft>
-              <a:buClr>
-                <a:schemeClr val="dk1"/>
-              </a:buClr>
-              <a:buSzPts val="1100"/>
-              <a:buFont typeface="Arial"/>
-              <a:buNone/>
-            </a:pPr>
-            <a:endParaRPr sz="1700" dirty="0"/>
-          </a:p>
-          <a:p>
-            <a:r>
-              <a:rPr lang="en-US" sz="1700" dirty="0"/>
-              <a:t>	</a:t>
-            </a:r>
-            <a:r>
-              <a:rPr lang="en-US" sz="1800" dirty="0">
-                <a:solidFill>
-                  <a:schemeClr val="dk1"/>
-                </a:solidFill>
-                <a:highlight>
-                  <a:srgbClr val="C0C0C0"/>
-                </a:highlight>
-                <a:latin typeface="Consolas"/>
-                <a:ea typeface="Consolas"/>
-                <a:cs typeface="Consolas"/>
-                <a:sym typeface="Consolas"/>
-              </a:rPr>
-              <a:t>module load </a:t>
-            </a:r>
-            <a:r>
-              <a:rPr lang="en-US" sz="1800" dirty="0">
-                <a:solidFill>
-                  <a:schemeClr val="dk1"/>
-                </a:solidFill>
-                <a:highlight>
-                  <a:srgbClr val="C0C0C0"/>
-                </a:highlight>
-                <a:latin typeface="Consolas"/>
-                <a:cs typeface="Consolas"/>
-              </a:rPr>
-              <a:t>python-miniconda3/4.12.0 </a:t>
-            </a:r>
-          </a:p>
-          <a:p>
-            <a:pPr marL="0" lvl="0" indent="0" algn="l" rtl="0">
-              <a:spcBef>
-                <a:spcPts val="0"/>
-              </a:spcBef>
-              <a:spcAft>
-                <a:spcPts val="0"/>
-              </a:spcAft>
-              <a:buClr>
-                <a:schemeClr val="dk1"/>
-              </a:buClr>
-              <a:buSzPts val="1100"/>
-              <a:buFont typeface="Arial"/>
-              <a:buNone/>
-            </a:pPr>
-            <a:r>
-              <a:rPr lang="en-US" sz="1800" dirty="0">
-                <a:solidFill>
-                  <a:schemeClr val="dk1"/>
-                </a:solidFill>
-                <a:latin typeface="Consolas"/>
-                <a:ea typeface="Consolas"/>
-                <a:cs typeface="Consolas"/>
-                <a:sym typeface="Consolas"/>
-              </a:rPr>
-              <a:t>	</a:t>
-            </a:r>
-            <a:r>
-              <a:rPr lang="en-US" sz="1800" dirty="0" err="1">
-                <a:solidFill>
-                  <a:schemeClr val="dk1"/>
-                </a:solidFill>
-                <a:highlight>
-                  <a:srgbClr val="C0C0C0"/>
-                </a:highlight>
-                <a:latin typeface="Consolas"/>
-                <a:ea typeface="Consolas"/>
-                <a:cs typeface="Consolas"/>
-                <a:sym typeface="Consolas"/>
-              </a:rPr>
-              <a:t>conda</a:t>
-            </a:r>
-            <a:r>
-              <a:rPr lang="en-US" sz="1800" dirty="0">
-                <a:solidFill>
-                  <a:schemeClr val="dk1"/>
-                </a:solidFill>
-                <a:highlight>
-                  <a:srgbClr val="C0C0C0"/>
-                </a:highlight>
-                <a:latin typeface="Consolas"/>
-                <a:ea typeface="Consolas"/>
-                <a:cs typeface="Consolas"/>
-                <a:sym typeface="Consolas"/>
-              </a:rPr>
-              <a:t> create -n </a:t>
-            </a:r>
-            <a:r>
-              <a:rPr lang="en-US" sz="1800" dirty="0" err="1">
-                <a:solidFill>
-                  <a:schemeClr val="dk1"/>
-                </a:solidFill>
-                <a:highlight>
-                  <a:srgbClr val="C0C0C0"/>
-                </a:highlight>
-                <a:latin typeface="Consolas"/>
-                <a:ea typeface="Consolas"/>
-                <a:cs typeface="Consolas"/>
-                <a:sym typeface="Consolas"/>
-              </a:rPr>
-              <a:t>automate_env</a:t>
-            </a:r>
-            <a:r>
-              <a:rPr lang="en-US" sz="1800" dirty="0">
-                <a:solidFill>
-                  <a:schemeClr val="dk1"/>
-                </a:solidFill>
-                <a:highlight>
-                  <a:srgbClr val="C0C0C0"/>
-                </a:highlight>
-                <a:latin typeface="Consolas"/>
-                <a:ea typeface="Consolas"/>
-                <a:cs typeface="Consolas"/>
-                <a:sym typeface="Consolas"/>
-              </a:rPr>
-              <a:t> r-essentials r-base</a:t>
-            </a:r>
-            <a:endParaRPr sz="1800" dirty="0">
-              <a:solidFill>
-                <a:schemeClr val="dk1"/>
-              </a:solidFill>
-              <a:highlight>
-                <a:srgbClr val="C0C0C0"/>
-              </a:highlight>
-              <a:latin typeface="Consolas"/>
-              <a:ea typeface="Consolas"/>
-              <a:cs typeface="Consolas"/>
-              <a:sym typeface="Consolas"/>
-            </a:endParaRPr>
-          </a:p>
-          <a:p>
-            <a:pPr marL="0" lvl="0" indent="0" algn="l" rtl="0">
-              <a:spcBef>
-                <a:spcPts val="0"/>
-              </a:spcBef>
-              <a:spcAft>
-                <a:spcPts val="0"/>
-              </a:spcAft>
-              <a:buClr>
-                <a:schemeClr val="dk1"/>
-              </a:buClr>
-              <a:buSzPts val="1100"/>
-              <a:buFont typeface="Arial"/>
-              <a:buNone/>
-            </a:pPr>
-            <a:r>
-              <a:rPr lang="en-US" sz="1700" dirty="0">
-                <a:solidFill>
-                  <a:schemeClr val="dk1"/>
-                </a:solidFill>
-              </a:rPr>
-              <a:t>	</a:t>
-            </a:r>
-            <a:r>
-              <a:rPr lang="en-US" sz="1800" dirty="0">
-                <a:solidFill>
-                  <a:schemeClr val="dk1"/>
-                </a:solidFill>
-                <a:highlight>
-                  <a:srgbClr val="C0C0C0"/>
-                </a:highlight>
-                <a:latin typeface="Consolas"/>
-                <a:ea typeface="Consolas"/>
-                <a:cs typeface="Consolas"/>
-                <a:sym typeface="Consolas"/>
-              </a:rPr>
-              <a:t>source activate </a:t>
-            </a:r>
-            <a:r>
-              <a:rPr lang="en-US" sz="1800" dirty="0" err="1">
-                <a:solidFill>
-                  <a:schemeClr val="dk1"/>
-                </a:solidFill>
-                <a:highlight>
-                  <a:srgbClr val="C0C0C0"/>
-                </a:highlight>
-                <a:latin typeface="Consolas"/>
-                <a:ea typeface="Consolas"/>
-                <a:cs typeface="Consolas"/>
-                <a:sym typeface="Consolas"/>
-              </a:rPr>
-              <a:t>automate_env</a:t>
-            </a:r>
-            <a:endParaRPr lang="en-US" sz="1800" dirty="0">
-              <a:solidFill>
-                <a:schemeClr val="dk1"/>
-              </a:solidFill>
-              <a:highlight>
-                <a:srgbClr val="C0C0C0"/>
-              </a:highlight>
-              <a:latin typeface="Consolas"/>
-              <a:ea typeface="Consolas"/>
-              <a:cs typeface="Consolas"/>
-              <a:sym typeface="Consolas"/>
-            </a:endParaRPr>
-          </a:p>
-          <a:p>
-            <a:pPr marL="0" lvl="0" indent="0" algn="l" rtl="0">
-              <a:spcBef>
-                <a:spcPts val="0"/>
-              </a:spcBef>
-              <a:spcAft>
-                <a:spcPts val="0"/>
-              </a:spcAft>
-              <a:buClr>
-                <a:schemeClr val="dk1"/>
-              </a:buClr>
-              <a:buSzPts val="1100"/>
-              <a:buFont typeface="Arial"/>
-              <a:buNone/>
-            </a:pPr>
-            <a:r>
-              <a:rPr lang="en-US" sz="1800" dirty="0">
-                <a:solidFill>
-                  <a:schemeClr val="dk1"/>
-                </a:solidFill>
-                <a:latin typeface="Consolas"/>
-                <a:ea typeface="Consolas"/>
-                <a:cs typeface="Consolas"/>
-                <a:sym typeface="Consolas"/>
-              </a:rPr>
-              <a:t>	</a:t>
-            </a:r>
-            <a:r>
-              <a:rPr lang="en-US" sz="1800" dirty="0" err="1">
-                <a:solidFill>
-                  <a:schemeClr val="dk1"/>
-                </a:solidFill>
-                <a:highlight>
-                  <a:srgbClr val="C0C0C0"/>
-                </a:highlight>
-                <a:latin typeface="Consolas"/>
-                <a:ea typeface="Consolas"/>
-                <a:cs typeface="Consolas"/>
-                <a:sym typeface="Consolas"/>
-              </a:rPr>
-              <a:t>conda</a:t>
-            </a:r>
-            <a:r>
-              <a:rPr lang="en-US" sz="1800" dirty="0">
-                <a:solidFill>
-                  <a:schemeClr val="dk1"/>
-                </a:solidFill>
-                <a:highlight>
-                  <a:srgbClr val="C0C0C0"/>
-                </a:highlight>
-                <a:latin typeface="Consolas"/>
-                <a:ea typeface="Consolas"/>
-                <a:cs typeface="Consolas"/>
-                <a:sym typeface="Consolas"/>
-              </a:rPr>
-              <a:t> install r-fs</a:t>
-            </a:r>
-          </a:p>
-          <a:p>
-            <a:pPr marL="0" lvl="0" indent="0" algn="l" rtl="0">
-              <a:spcBef>
-                <a:spcPts val="0"/>
-              </a:spcBef>
-              <a:spcAft>
-                <a:spcPts val="0"/>
-              </a:spcAft>
-              <a:buClr>
-                <a:schemeClr val="dk1"/>
-              </a:buClr>
-              <a:buSzPts val="1100"/>
-              <a:buFont typeface="Arial"/>
-              <a:buNone/>
-            </a:pPr>
-            <a:r>
-              <a:rPr lang="en-US" sz="1800" dirty="0">
-                <a:solidFill>
-                  <a:schemeClr val="dk1"/>
-                </a:solidFill>
-                <a:latin typeface="Consolas"/>
-                <a:ea typeface="Consolas"/>
-                <a:cs typeface="Consolas"/>
-                <a:sym typeface="Consolas"/>
-              </a:rPr>
-              <a:t>	</a:t>
-            </a:r>
-            <a:r>
-              <a:rPr lang="en-US" sz="1800" dirty="0" err="1">
-                <a:solidFill>
-                  <a:schemeClr val="dk1"/>
-                </a:solidFill>
-                <a:highlight>
-                  <a:srgbClr val="C0C0C0"/>
-                </a:highlight>
-                <a:latin typeface="Consolas"/>
-                <a:ea typeface="Consolas"/>
-                <a:cs typeface="Consolas"/>
-                <a:sym typeface="Consolas"/>
-              </a:rPr>
-              <a:t>conda</a:t>
-            </a:r>
-            <a:r>
-              <a:rPr lang="en-US" sz="1800" dirty="0">
-                <a:solidFill>
-                  <a:schemeClr val="dk1"/>
-                </a:solidFill>
-                <a:highlight>
-                  <a:srgbClr val="C0C0C0"/>
-                </a:highlight>
-                <a:latin typeface="Consolas"/>
-                <a:ea typeface="Consolas"/>
-                <a:cs typeface="Consolas"/>
-                <a:sym typeface="Consolas"/>
-              </a:rPr>
-              <a:t> install pandas</a:t>
-            </a:r>
-            <a:endParaRPr sz="1800" dirty="0">
-              <a:solidFill>
-                <a:schemeClr val="dk1"/>
-              </a:solidFill>
-              <a:highlight>
-                <a:srgbClr val="C0C0C0"/>
-              </a:highlight>
-              <a:latin typeface="Consolas"/>
-              <a:ea typeface="Consolas"/>
-              <a:cs typeface="Consolas"/>
-              <a:sym typeface="Consolas"/>
-            </a:endParaRPr>
-          </a:p>
-          <a:p>
-            <a:pPr marL="0" lvl="0" indent="0" algn="l" rtl="0">
-              <a:spcBef>
-                <a:spcPts val="0"/>
-              </a:spcBef>
-              <a:spcAft>
-                <a:spcPts val="0"/>
-              </a:spcAft>
-              <a:buClr>
-                <a:schemeClr val="dk1"/>
-              </a:buClr>
-              <a:buSzPts val="1100"/>
-              <a:buFont typeface="Arial"/>
-              <a:buNone/>
-            </a:pPr>
-            <a:endParaRPr sz="1800" dirty="0">
-              <a:solidFill>
-                <a:schemeClr val="dk1"/>
-              </a:solidFill>
-              <a:highlight>
-                <a:srgbClr val="CCCCCC"/>
-              </a:highlight>
-              <a:latin typeface="Consolas"/>
-              <a:ea typeface="Consolas"/>
-              <a:cs typeface="Consolas"/>
-              <a:sym typeface="Consolas"/>
-            </a:endParaRPr>
-          </a:p>
-          <a:p>
-            <a:pPr marL="0" lvl="0" indent="0" algn="l" rtl="0">
-              <a:spcBef>
-                <a:spcPts val="0"/>
-              </a:spcBef>
-              <a:spcAft>
-                <a:spcPts val="0"/>
-              </a:spcAft>
-              <a:buClr>
-                <a:schemeClr val="dk1"/>
-              </a:buClr>
-              <a:buSzPts val="1100"/>
-              <a:buFont typeface="Arial"/>
-              <a:buNone/>
-            </a:pPr>
-            <a:r>
-              <a:rPr lang="en-US" sz="1800" dirty="0">
-                <a:solidFill>
-                  <a:schemeClr val="dk1"/>
-                </a:solidFill>
-              </a:rPr>
-              <a:t>To leave the environment:</a:t>
-            </a:r>
-            <a:endParaRPr sz="1800" dirty="0">
-              <a:solidFill>
-                <a:schemeClr val="dk1"/>
-              </a:solidFill>
-            </a:endParaRPr>
-          </a:p>
-          <a:p>
-            <a:pPr marL="0" lvl="0" indent="0" algn="l" rtl="0">
-              <a:spcBef>
-                <a:spcPts val="0"/>
-              </a:spcBef>
-              <a:spcAft>
-                <a:spcPts val="0"/>
-              </a:spcAft>
-              <a:buClr>
-                <a:schemeClr val="dk1"/>
-              </a:buClr>
-              <a:buSzPts val="1100"/>
-              <a:buFont typeface="Arial"/>
-              <a:buNone/>
-            </a:pPr>
-            <a:endParaRPr sz="1800" dirty="0">
-              <a:solidFill>
-                <a:schemeClr val="dk1"/>
-              </a:solidFill>
-            </a:endParaRPr>
-          </a:p>
-          <a:p>
-            <a:pPr marL="0" lvl="0" indent="0" algn="l" rtl="0">
-              <a:spcBef>
-                <a:spcPts val="0"/>
-              </a:spcBef>
-              <a:spcAft>
-                <a:spcPts val="0"/>
-              </a:spcAft>
-              <a:buClr>
-                <a:schemeClr val="dk1"/>
-              </a:buClr>
-              <a:buSzPts val="1100"/>
-              <a:buFont typeface="Arial"/>
-              <a:buNone/>
-            </a:pPr>
-            <a:r>
-              <a:rPr lang="en-US" sz="1700" dirty="0">
-                <a:solidFill>
-                  <a:schemeClr val="dk1"/>
-                </a:solidFill>
-              </a:rPr>
-              <a:t>	</a:t>
-            </a:r>
-            <a:r>
-              <a:rPr lang="en-US" sz="1800" dirty="0">
-                <a:solidFill>
-                  <a:schemeClr val="dk1"/>
-                </a:solidFill>
-                <a:highlight>
-                  <a:srgbClr val="CCCCCC"/>
-                </a:highlight>
-                <a:latin typeface="Consolas"/>
-                <a:ea typeface="Consolas"/>
-                <a:cs typeface="Consolas"/>
-                <a:sym typeface="Consolas"/>
-              </a:rPr>
-              <a:t>source deactivate </a:t>
-            </a:r>
-            <a:r>
-              <a:rPr lang="en-US" sz="1800" dirty="0" err="1">
-                <a:solidFill>
-                  <a:schemeClr val="dk1"/>
-                </a:solidFill>
-                <a:highlight>
-                  <a:srgbClr val="CCCCCC"/>
-                </a:highlight>
-                <a:latin typeface="Consolas"/>
-                <a:ea typeface="Consolas"/>
-                <a:cs typeface="Consolas"/>
-                <a:sym typeface="Consolas"/>
-              </a:rPr>
-              <a:t>automate_env</a:t>
-            </a:r>
-            <a:endParaRPr sz="1800" dirty="0">
-              <a:solidFill>
-                <a:schemeClr val="dk1"/>
-              </a:solidFill>
-              <a:highlight>
-                <a:srgbClr val="CCCCCC"/>
-              </a:highlight>
-              <a:latin typeface="Consolas"/>
-              <a:ea typeface="Consolas"/>
-              <a:cs typeface="Consolas"/>
-              <a:sym typeface="Consolas"/>
-            </a:endParaRPr>
-          </a:p>
-          <a:p>
-            <a:pPr marL="0" lvl="0" indent="0" algn="l" rtl="0">
-              <a:spcBef>
-                <a:spcPts val="0"/>
-              </a:spcBef>
-              <a:spcAft>
-                <a:spcPts val="0"/>
-              </a:spcAft>
-              <a:buClr>
-                <a:schemeClr val="dk1"/>
-              </a:buClr>
-              <a:buSzPts val="1100"/>
-              <a:buFont typeface="Arial"/>
-              <a:buNone/>
-            </a:pPr>
-            <a:endParaRPr sz="1800" dirty="0">
-              <a:solidFill>
-                <a:schemeClr val="dk1"/>
-              </a:solidFill>
-              <a:highlight>
-                <a:srgbClr val="CCCCCC"/>
-              </a:highlight>
-              <a:latin typeface="Consolas"/>
-              <a:ea typeface="Consolas"/>
-              <a:cs typeface="Consolas"/>
-              <a:sym typeface="Consolas"/>
-            </a:endParaRPr>
-          </a:p>
-          <a:p>
-            <a:pPr marL="0" lvl="0" indent="0" algn="l" rtl="0">
-              <a:spcBef>
-                <a:spcPts val="0"/>
-              </a:spcBef>
-              <a:spcAft>
-                <a:spcPts val="0"/>
-              </a:spcAft>
-              <a:buClr>
-                <a:schemeClr val="dk1"/>
-              </a:buClr>
-              <a:buSzPts val="1100"/>
-              <a:buFont typeface="Arial"/>
-              <a:buNone/>
-            </a:pPr>
-            <a:r>
-              <a:rPr lang="en-US" sz="1800" dirty="0">
-                <a:solidFill>
-                  <a:schemeClr val="dk1"/>
-                </a:solidFill>
-              </a:rPr>
-              <a:t>In the future, you will only need to activate the environment to load all modules and libraries.</a:t>
-            </a:r>
-            <a:endParaRPr sz="1800" dirty="0">
-              <a:solidFill>
-                <a:schemeClr val="dk1"/>
-              </a:solidFill>
-            </a:endParaRPr>
-          </a:p>
-          <a:p>
-            <a:pPr marL="0" lvl="0" indent="0" algn="l" rtl="0">
-              <a:spcBef>
-                <a:spcPts val="0"/>
-              </a:spcBef>
-              <a:spcAft>
-                <a:spcPts val="0"/>
-              </a:spcAft>
-              <a:buClr>
-                <a:schemeClr val="dk1"/>
-              </a:buClr>
-              <a:buSzPts val="1100"/>
-              <a:buFont typeface="Arial"/>
-              <a:buNone/>
-            </a:pPr>
-            <a:endParaRPr sz="1800" dirty="0">
-              <a:solidFill>
-                <a:schemeClr val="dk1"/>
-              </a:solidFill>
-            </a:endParaRPr>
-          </a:p>
-          <a:p>
-            <a:pPr marL="0" lvl="0" indent="0" algn="l" rtl="0">
-              <a:spcBef>
-                <a:spcPts val="0"/>
-              </a:spcBef>
-              <a:spcAft>
-                <a:spcPts val="0"/>
-              </a:spcAft>
-              <a:buClr>
-                <a:schemeClr val="dk1"/>
-              </a:buClr>
-              <a:buSzPts val="1100"/>
-              <a:buFont typeface="Arial"/>
-              <a:buNone/>
-            </a:pPr>
-            <a:r>
-              <a:rPr lang="en-US" sz="1700" dirty="0">
-                <a:solidFill>
-                  <a:schemeClr val="dk1"/>
-                </a:solidFill>
-              </a:rPr>
-              <a:t>	</a:t>
-            </a:r>
-            <a:r>
-              <a:rPr lang="en-US" sz="1800" dirty="0">
-                <a:solidFill>
-                  <a:schemeClr val="dk1"/>
-                </a:solidFill>
-                <a:highlight>
-                  <a:srgbClr val="CCCCCC"/>
-                </a:highlight>
-                <a:latin typeface="Consolas"/>
-                <a:ea typeface="Consolas"/>
-                <a:cs typeface="Consolas"/>
-                <a:sym typeface="Consolas"/>
-              </a:rPr>
-              <a:t>source activate </a:t>
-            </a:r>
-            <a:r>
-              <a:rPr lang="en-US" sz="1800" dirty="0" err="1">
-                <a:solidFill>
-                  <a:schemeClr val="dk1"/>
-                </a:solidFill>
-                <a:highlight>
-                  <a:srgbClr val="CCCCCC"/>
-                </a:highlight>
-                <a:latin typeface="Consolas"/>
-                <a:ea typeface="Consolas"/>
-                <a:cs typeface="Consolas"/>
-                <a:sym typeface="Consolas"/>
-              </a:rPr>
-              <a:t>automate_env</a:t>
-            </a:r>
-            <a:endParaRPr sz="1800" dirty="0">
-              <a:solidFill>
-                <a:schemeClr val="dk1"/>
-              </a:solidFill>
-              <a:highlight>
-                <a:srgbClr val="CCCCCC"/>
-              </a:highlight>
-              <a:latin typeface="Consolas"/>
-              <a:ea typeface="Consolas"/>
-              <a:cs typeface="Consolas"/>
-              <a:sym typeface="Consolas"/>
-            </a:endParaRPr>
-          </a:p>
-        </p:txBody>
-      </p:sp>
-      <p:sp>
-        <p:nvSpPr>
-          <p:cNvPr id="3" name="Google Shape;94;ge58bbe3d21_0_49">
-            <a:extLst>
-              <a:ext uri="{FF2B5EF4-FFF2-40B4-BE49-F238E27FC236}">
-                <a16:creationId xmlns:a16="http://schemas.microsoft.com/office/drawing/2014/main" id="{9133911F-4802-28FD-084F-F3BF4019CC04}"/>
-              </a:ext>
-            </a:extLst>
-          </p:cNvPr>
-          <p:cNvSpPr txBox="1">
-            <a:spLocks noGrp="1"/>
-          </p:cNvSpPr>
-          <p:nvPr>
-            <p:ph type="ftr" idx="11"/>
-          </p:nvPr>
-        </p:nvSpPr>
-        <p:spPr>
-          <a:xfrm>
-            <a:off x="4572000" y="6506896"/>
-            <a:ext cx="4114800" cy="365100"/>
-          </a:xfrm>
-          <a:prstGeom prst="rect">
-            <a:avLst/>
-          </a:prstGeom>
-          <a:noFill/>
-          <a:ln>
-            <a:noFill/>
-          </a:ln>
-        </p:spPr>
-        <p:txBody>
-          <a:bodyPr spcFirstLastPara="1" wrap="square" lIns="91425" tIns="45700" rIns="91425" bIns="45700" anchor="ctr" anchorCtr="0">
-            <a:noAutofit/>
-          </a:bodyPr>
-          <a:lstStyle/>
-          <a:p>
-            <a:pPr marL="0" lvl="0" indent="0" algn="r" rtl="0">
-              <a:lnSpc>
-                <a:spcPct val="100000"/>
-              </a:lnSpc>
-              <a:spcBef>
-                <a:spcPts val="0"/>
-              </a:spcBef>
-              <a:spcAft>
-                <a:spcPts val="0"/>
-              </a:spcAft>
-              <a:buSzPts val="1400"/>
-              <a:buNone/>
-            </a:pPr>
-            <a:r>
-              <a:rPr lang="en-US" dirty="0"/>
-              <a:t>Version Control</a:t>
-            </a:r>
-            <a:endParaRPr dirty="0"/>
-          </a:p>
-        </p:txBody>
-      </p:sp>
-    </p:spTree>
-    <p:extLst>
-      <p:ext uri="{BB962C8B-B14F-4D97-AF65-F5344CB8AC3E}">
-        <p14:creationId xmlns:p14="http://schemas.microsoft.com/office/powerpoint/2010/main" val="279065345"/>
       </p:ext>
     </p:extLst>
   </p:cSld>
@@ -18216,20 +18210,16 @@
               <a:buNone/>
             </a:pPr>
             <a:r>
+              <a:rPr lang="en-US" dirty="0"/>
+              <a:t>Creating a </a:t>
+            </a:r>
+            <a:r>
               <a:rPr lang="en-US" dirty="0" err="1"/>
               <a:t>Conda</a:t>
             </a:r>
             <a:r>
               <a:rPr lang="en-US" dirty="0"/>
-              <a:t> Environments Using a </a:t>
-            </a:r>
-            <a:r>
-              <a:rPr lang="en-US" dirty="0" err="1"/>
-              <a:t>yaml</a:t>
-            </a:r>
-            <a:r>
-              <a:rPr lang="en-US" dirty="0"/>
-              <a:t> file</a:t>
+              <a:t> Environment</a:t>
             </a:r>
             <a:endParaRPr dirty="0"/>
           </a:p>
@@ -18280,6 +18270,892 @@
             <a:fld id="{00000000-1234-1234-1234-123412341234}" type="slidenum">
               <a:rPr lang="en-US"/>
               <a:t>25</a:t>
+            </a:fld>
+            <a:endParaRPr/>
+          </a:p>
+        </p:txBody>
+      </p:sp>
+      <p:sp>
+        <p:nvSpPr>
+          <p:cNvPr id="133" name="Google Shape;133;ge6d407e7a1_0_85"/>
+          <p:cNvSpPr txBox="1"/>
+          <p:nvPr/>
+        </p:nvSpPr>
+        <p:spPr>
+          <a:xfrm>
+            <a:off x="554325" y="873125"/>
+            <a:ext cx="8132400" cy="5155227"/>
+          </a:xfrm>
+          <a:prstGeom prst="rect">
+            <a:avLst/>
+          </a:prstGeom>
+          <a:noFill/>
+          <a:ln>
+            <a:noFill/>
+          </a:ln>
+        </p:spPr>
+        <p:txBody>
+          <a:bodyPr spcFirstLastPara="1" wrap="square" lIns="91425" tIns="91425" rIns="91425" bIns="91425" anchor="t" anchorCtr="0">
+            <a:spAutoFit/>
+          </a:bodyPr>
+          <a:lstStyle/>
+          <a:p>
+            <a:pPr marL="0" lvl="0" indent="0" algn="l" rtl="0">
+              <a:spcBef>
+                <a:spcPts val="0"/>
+              </a:spcBef>
+              <a:spcAft>
+                <a:spcPts val="0"/>
+              </a:spcAft>
+              <a:buClr>
+                <a:schemeClr val="dk1"/>
+              </a:buClr>
+              <a:buSzPts val="1100"/>
+              <a:buFont typeface="Arial"/>
+              <a:buNone/>
+            </a:pPr>
+            <a:r>
+              <a:rPr lang="en-US" sz="1800" dirty="0"/>
+              <a:t>Instead of loading each module you would like to use in your shell script separately, you can also create </a:t>
+            </a:r>
+            <a:r>
+              <a:rPr lang="en-US" sz="1800" dirty="0" err="1"/>
+              <a:t>conda</a:t>
+            </a:r>
+            <a:r>
+              <a:rPr lang="en-US" sz="1800" dirty="0"/>
+              <a:t> environment. Follow the steps below only once to create the environment:</a:t>
+            </a:r>
+            <a:endParaRPr sz="1800" dirty="0"/>
+          </a:p>
+          <a:p>
+            <a:pPr marL="0" lvl="0" indent="0" algn="l" rtl="0">
+              <a:spcBef>
+                <a:spcPts val="0"/>
+              </a:spcBef>
+              <a:spcAft>
+                <a:spcPts val="0"/>
+              </a:spcAft>
+              <a:buClr>
+                <a:schemeClr val="dk1"/>
+              </a:buClr>
+              <a:buSzPts val="1100"/>
+              <a:buFont typeface="Arial"/>
+              <a:buNone/>
+            </a:pPr>
+            <a:endParaRPr sz="1700" dirty="0"/>
+          </a:p>
+          <a:p>
+            <a:r>
+              <a:rPr lang="en-US" sz="1700" dirty="0"/>
+              <a:t>	</a:t>
+            </a:r>
+            <a:r>
+              <a:rPr lang="en-US" sz="1800" dirty="0">
+                <a:solidFill>
+                  <a:schemeClr val="dk1"/>
+                </a:solidFill>
+                <a:highlight>
+                  <a:srgbClr val="C0C0C0"/>
+                </a:highlight>
+                <a:latin typeface="Consolas"/>
+                <a:ea typeface="Consolas"/>
+                <a:cs typeface="Consolas"/>
+                <a:sym typeface="Consolas"/>
+              </a:rPr>
+              <a:t>module load </a:t>
+            </a:r>
+            <a:r>
+              <a:rPr lang="en-US" sz="1800" dirty="0">
+                <a:solidFill>
+                  <a:schemeClr val="dk1"/>
+                </a:solidFill>
+                <a:highlight>
+                  <a:srgbClr val="C0C0C0"/>
+                </a:highlight>
+                <a:latin typeface="Consolas"/>
+                <a:cs typeface="Consolas"/>
+              </a:rPr>
+              <a:t>python-miniconda3/4.12.0 </a:t>
+            </a:r>
+          </a:p>
+          <a:p>
+            <a:pPr marL="0" lvl="0" indent="0" algn="l" rtl="0">
+              <a:spcBef>
+                <a:spcPts val="0"/>
+              </a:spcBef>
+              <a:spcAft>
+                <a:spcPts val="0"/>
+              </a:spcAft>
+              <a:buClr>
+                <a:schemeClr val="dk1"/>
+              </a:buClr>
+              <a:buSzPts val="1100"/>
+              <a:buFont typeface="Arial"/>
+              <a:buNone/>
+            </a:pPr>
+            <a:r>
+              <a:rPr lang="en-US" sz="1800" dirty="0">
+                <a:solidFill>
+                  <a:schemeClr val="dk1"/>
+                </a:solidFill>
+                <a:latin typeface="Consolas"/>
+                <a:ea typeface="Consolas"/>
+                <a:cs typeface="Consolas"/>
+                <a:sym typeface="Consolas"/>
+              </a:rPr>
+              <a:t>	</a:t>
+            </a:r>
+            <a:r>
+              <a:rPr lang="en-US" sz="1800" dirty="0" err="1">
+                <a:solidFill>
+                  <a:schemeClr val="dk1"/>
+                </a:solidFill>
+                <a:highlight>
+                  <a:srgbClr val="C0C0C0"/>
+                </a:highlight>
+                <a:latin typeface="Consolas"/>
+                <a:ea typeface="Consolas"/>
+                <a:cs typeface="Consolas"/>
+                <a:sym typeface="Consolas"/>
+              </a:rPr>
+              <a:t>conda</a:t>
+            </a:r>
+            <a:r>
+              <a:rPr lang="en-US" sz="1800" dirty="0">
+                <a:solidFill>
+                  <a:schemeClr val="dk1"/>
+                </a:solidFill>
+                <a:highlight>
+                  <a:srgbClr val="C0C0C0"/>
+                </a:highlight>
+                <a:latin typeface="Consolas"/>
+                <a:ea typeface="Consolas"/>
+                <a:cs typeface="Consolas"/>
+                <a:sym typeface="Consolas"/>
+              </a:rPr>
+              <a:t> create -n </a:t>
+            </a:r>
+            <a:r>
+              <a:rPr lang="en-US" sz="1800" dirty="0" err="1">
+                <a:solidFill>
+                  <a:schemeClr val="dk1"/>
+                </a:solidFill>
+                <a:highlight>
+                  <a:srgbClr val="C0C0C0"/>
+                </a:highlight>
+                <a:latin typeface="Consolas"/>
+                <a:ea typeface="Consolas"/>
+                <a:cs typeface="Consolas"/>
+                <a:sym typeface="Consolas"/>
+              </a:rPr>
+              <a:t>automate_env</a:t>
+            </a:r>
+            <a:r>
+              <a:rPr lang="en-US" sz="1800" dirty="0">
+                <a:solidFill>
+                  <a:schemeClr val="dk1"/>
+                </a:solidFill>
+                <a:highlight>
+                  <a:srgbClr val="C0C0C0"/>
+                </a:highlight>
+                <a:latin typeface="Consolas"/>
+                <a:ea typeface="Consolas"/>
+                <a:cs typeface="Consolas"/>
+                <a:sym typeface="Consolas"/>
+              </a:rPr>
+              <a:t> r-essentials r-base</a:t>
+            </a:r>
+            <a:endParaRPr sz="1800" dirty="0">
+              <a:solidFill>
+                <a:schemeClr val="dk1"/>
+              </a:solidFill>
+              <a:highlight>
+                <a:srgbClr val="C0C0C0"/>
+              </a:highlight>
+              <a:latin typeface="Consolas"/>
+              <a:ea typeface="Consolas"/>
+              <a:cs typeface="Consolas"/>
+              <a:sym typeface="Consolas"/>
+            </a:endParaRPr>
+          </a:p>
+          <a:p>
+            <a:pPr marL="0" lvl="0" indent="0" algn="l" rtl="0">
+              <a:spcBef>
+                <a:spcPts val="0"/>
+              </a:spcBef>
+              <a:spcAft>
+                <a:spcPts val="0"/>
+              </a:spcAft>
+              <a:buClr>
+                <a:schemeClr val="dk1"/>
+              </a:buClr>
+              <a:buSzPts val="1100"/>
+              <a:buFont typeface="Arial"/>
+              <a:buNone/>
+            </a:pPr>
+            <a:r>
+              <a:rPr lang="en-US" sz="1700" dirty="0">
+                <a:solidFill>
+                  <a:schemeClr val="dk1"/>
+                </a:solidFill>
+              </a:rPr>
+              <a:t>	</a:t>
+            </a:r>
+            <a:r>
+              <a:rPr lang="en-US" sz="1800" dirty="0">
+                <a:solidFill>
+                  <a:schemeClr val="dk1"/>
+                </a:solidFill>
+                <a:highlight>
+                  <a:srgbClr val="C0C0C0"/>
+                </a:highlight>
+                <a:latin typeface="Consolas"/>
+                <a:ea typeface="Consolas"/>
+                <a:cs typeface="Consolas"/>
+                <a:sym typeface="Consolas"/>
+              </a:rPr>
+              <a:t>source activate </a:t>
+            </a:r>
+            <a:r>
+              <a:rPr lang="en-US" sz="1800" dirty="0" err="1">
+                <a:solidFill>
+                  <a:schemeClr val="dk1"/>
+                </a:solidFill>
+                <a:highlight>
+                  <a:srgbClr val="C0C0C0"/>
+                </a:highlight>
+                <a:latin typeface="Consolas"/>
+                <a:ea typeface="Consolas"/>
+                <a:cs typeface="Consolas"/>
+                <a:sym typeface="Consolas"/>
+              </a:rPr>
+              <a:t>automate_env</a:t>
+            </a:r>
+            <a:endParaRPr lang="en-US" sz="1800" dirty="0">
+              <a:solidFill>
+                <a:schemeClr val="dk1"/>
+              </a:solidFill>
+              <a:highlight>
+                <a:srgbClr val="C0C0C0"/>
+              </a:highlight>
+              <a:latin typeface="Consolas"/>
+              <a:ea typeface="Consolas"/>
+              <a:cs typeface="Consolas"/>
+              <a:sym typeface="Consolas"/>
+            </a:endParaRPr>
+          </a:p>
+          <a:p>
+            <a:pPr marL="0" lvl="0" indent="0" algn="l" rtl="0">
+              <a:spcBef>
+                <a:spcPts val="0"/>
+              </a:spcBef>
+              <a:spcAft>
+                <a:spcPts val="0"/>
+              </a:spcAft>
+              <a:buClr>
+                <a:schemeClr val="dk1"/>
+              </a:buClr>
+              <a:buSzPts val="1100"/>
+              <a:buFont typeface="Arial"/>
+              <a:buNone/>
+            </a:pPr>
+            <a:r>
+              <a:rPr lang="en-US" sz="1800" dirty="0">
+                <a:solidFill>
+                  <a:schemeClr val="dk1"/>
+                </a:solidFill>
+                <a:latin typeface="Consolas"/>
+                <a:ea typeface="Consolas"/>
+                <a:cs typeface="Consolas"/>
+                <a:sym typeface="Consolas"/>
+              </a:rPr>
+              <a:t>	</a:t>
+            </a:r>
+            <a:r>
+              <a:rPr lang="en-US" sz="1800" dirty="0" err="1">
+                <a:solidFill>
+                  <a:schemeClr val="dk1"/>
+                </a:solidFill>
+                <a:highlight>
+                  <a:srgbClr val="C0C0C0"/>
+                </a:highlight>
+                <a:latin typeface="Consolas"/>
+                <a:ea typeface="Consolas"/>
+                <a:cs typeface="Consolas"/>
+                <a:sym typeface="Consolas"/>
+              </a:rPr>
+              <a:t>conda</a:t>
+            </a:r>
+            <a:r>
+              <a:rPr lang="en-US" sz="1800" dirty="0">
+                <a:solidFill>
+                  <a:schemeClr val="dk1"/>
+                </a:solidFill>
+                <a:highlight>
+                  <a:srgbClr val="C0C0C0"/>
+                </a:highlight>
+                <a:latin typeface="Consolas"/>
+                <a:ea typeface="Consolas"/>
+                <a:cs typeface="Consolas"/>
+                <a:sym typeface="Consolas"/>
+              </a:rPr>
+              <a:t> install r-fs</a:t>
+            </a:r>
+          </a:p>
+          <a:p>
+            <a:pPr marL="0" lvl="0" indent="0" algn="l" rtl="0">
+              <a:spcBef>
+                <a:spcPts val="0"/>
+              </a:spcBef>
+              <a:spcAft>
+                <a:spcPts val="0"/>
+              </a:spcAft>
+              <a:buClr>
+                <a:schemeClr val="dk1"/>
+              </a:buClr>
+              <a:buSzPts val="1100"/>
+              <a:buFont typeface="Arial"/>
+              <a:buNone/>
+            </a:pPr>
+            <a:r>
+              <a:rPr lang="en-US" sz="1800" dirty="0">
+                <a:solidFill>
+                  <a:schemeClr val="dk1"/>
+                </a:solidFill>
+                <a:latin typeface="Consolas"/>
+                <a:ea typeface="Consolas"/>
+                <a:cs typeface="Consolas"/>
+                <a:sym typeface="Consolas"/>
+              </a:rPr>
+              <a:t>	</a:t>
+            </a:r>
+            <a:r>
+              <a:rPr lang="en-US" sz="1800" dirty="0" err="1">
+                <a:solidFill>
+                  <a:schemeClr val="dk1"/>
+                </a:solidFill>
+                <a:highlight>
+                  <a:srgbClr val="C0C0C0"/>
+                </a:highlight>
+                <a:latin typeface="Consolas"/>
+                <a:ea typeface="Consolas"/>
+                <a:cs typeface="Consolas"/>
+                <a:sym typeface="Consolas"/>
+              </a:rPr>
+              <a:t>conda</a:t>
+            </a:r>
+            <a:r>
+              <a:rPr lang="en-US" sz="1800" dirty="0">
+                <a:solidFill>
+                  <a:schemeClr val="dk1"/>
+                </a:solidFill>
+                <a:highlight>
+                  <a:srgbClr val="C0C0C0"/>
+                </a:highlight>
+                <a:latin typeface="Consolas"/>
+                <a:ea typeface="Consolas"/>
+                <a:cs typeface="Consolas"/>
+                <a:sym typeface="Consolas"/>
+              </a:rPr>
+              <a:t> install pandas</a:t>
+            </a:r>
+            <a:endParaRPr sz="1800" dirty="0">
+              <a:solidFill>
+                <a:schemeClr val="dk1"/>
+              </a:solidFill>
+              <a:highlight>
+                <a:srgbClr val="C0C0C0"/>
+              </a:highlight>
+              <a:latin typeface="Consolas"/>
+              <a:ea typeface="Consolas"/>
+              <a:cs typeface="Consolas"/>
+              <a:sym typeface="Consolas"/>
+            </a:endParaRPr>
+          </a:p>
+          <a:p>
+            <a:pPr marL="0" lvl="0" indent="0" algn="l" rtl="0">
+              <a:spcBef>
+                <a:spcPts val="0"/>
+              </a:spcBef>
+              <a:spcAft>
+                <a:spcPts val="0"/>
+              </a:spcAft>
+              <a:buClr>
+                <a:schemeClr val="dk1"/>
+              </a:buClr>
+              <a:buSzPts val="1100"/>
+              <a:buFont typeface="Arial"/>
+              <a:buNone/>
+            </a:pPr>
+            <a:endParaRPr sz="1800" dirty="0">
+              <a:solidFill>
+                <a:schemeClr val="dk1"/>
+              </a:solidFill>
+              <a:highlight>
+                <a:srgbClr val="CCCCCC"/>
+              </a:highlight>
+              <a:latin typeface="Consolas"/>
+              <a:ea typeface="Consolas"/>
+              <a:cs typeface="Consolas"/>
+              <a:sym typeface="Consolas"/>
+            </a:endParaRPr>
+          </a:p>
+          <a:p>
+            <a:pPr marL="0" lvl="0" indent="0" algn="l" rtl="0">
+              <a:spcBef>
+                <a:spcPts val="0"/>
+              </a:spcBef>
+              <a:spcAft>
+                <a:spcPts val="0"/>
+              </a:spcAft>
+              <a:buClr>
+                <a:schemeClr val="dk1"/>
+              </a:buClr>
+              <a:buSzPts val="1100"/>
+              <a:buFont typeface="Arial"/>
+              <a:buNone/>
+            </a:pPr>
+            <a:r>
+              <a:rPr lang="en-US" sz="1800" dirty="0">
+                <a:solidFill>
+                  <a:schemeClr val="dk1"/>
+                </a:solidFill>
+              </a:rPr>
+              <a:t>To leave the environment:</a:t>
+            </a:r>
+            <a:endParaRPr sz="1800" dirty="0">
+              <a:solidFill>
+                <a:schemeClr val="dk1"/>
+              </a:solidFill>
+            </a:endParaRPr>
+          </a:p>
+          <a:p>
+            <a:pPr marL="0" lvl="0" indent="0" algn="l" rtl="0">
+              <a:spcBef>
+                <a:spcPts val="0"/>
+              </a:spcBef>
+              <a:spcAft>
+                <a:spcPts val="0"/>
+              </a:spcAft>
+              <a:buClr>
+                <a:schemeClr val="dk1"/>
+              </a:buClr>
+              <a:buSzPts val="1100"/>
+              <a:buFont typeface="Arial"/>
+              <a:buNone/>
+            </a:pPr>
+            <a:endParaRPr sz="1800" dirty="0">
+              <a:solidFill>
+                <a:schemeClr val="dk1"/>
+              </a:solidFill>
+            </a:endParaRPr>
+          </a:p>
+          <a:p>
+            <a:pPr marL="0" lvl="0" indent="0" algn="l" rtl="0">
+              <a:spcBef>
+                <a:spcPts val="0"/>
+              </a:spcBef>
+              <a:spcAft>
+                <a:spcPts val="0"/>
+              </a:spcAft>
+              <a:buClr>
+                <a:schemeClr val="dk1"/>
+              </a:buClr>
+              <a:buSzPts val="1100"/>
+              <a:buFont typeface="Arial"/>
+              <a:buNone/>
+            </a:pPr>
+            <a:r>
+              <a:rPr lang="en-US" sz="1700" dirty="0">
+                <a:solidFill>
+                  <a:schemeClr val="dk1"/>
+                </a:solidFill>
+              </a:rPr>
+              <a:t>	</a:t>
+            </a:r>
+            <a:r>
+              <a:rPr lang="en-US" sz="1800" dirty="0">
+                <a:solidFill>
+                  <a:schemeClr val="dk1"/>
+                </a:solidFill>
+                <a:highlight>
+                  <a:srgbClr val="CCCCCC"/>
+                </a:highlight>
+                <a:latin typeface="Consolas"/>
+                <a:ea typeface="Consolas"/>
+                <a:cs typeface="Consolas"/>
+                <a:sym typeface="Consolas"/>
+              </a:rPr>
+              <a:t>source deactivate </a:t>
+            </a:r>
+            <a:r>
+              <a:rPr lang="en-US" sz="1800" dirty="0" err="1">
+                <a:solidFill>
+                  <a:schemeClr val="dk1"/>
+                </a:solidFill>
+                <a:highlight>
+                  <a:srgbClr val="CCCCCC"/>
+                </a:highlight>
+                <a:latin typeface="Consolas"/>
+                <a:ea typeface="Consolas"/>
+                <a:cs typeface="Consolas"/>
+                <a:sym typeface="Consolas"/>
+              </a:rPr>
+              <a:t>automate_env</a:t>
+            </a:r>
+            <a:endParaRPr sz="1800" dirty="0">
+              <a:solidFill>
+                <a:schemeClr val="dk1"/>
+              </a:solidFill>
+              <a:highlight>
+                <a:srgbClr val="CCCCCC"/>
+              </a:highlight>
+              <a:latin typeface="Consolas"/>
+              <a:ea typeface="Consolas"/>
+              <a:cs typeface="Consolas"/>
+              <a:sym typeface="Consolas"/>
+            </a:endParaRPr>
+          </a:p>
+          <a:p>
+            <a:pPr marL="0" lvl="0" indent="0" algn="l" rtl="0">
+              <a:spcBef>
+                <a:spcPts val="0"/>
+              </a:spcBef>
+              <a:spcAft>
+                <a:spcPts val="0"/>
+              </a:spcAft>
+              <a:buClr>
+                <a:schemeClr val="dk1"/>
+              </a:buClr>
+              <a:buSzPts val="1100"/>
+              <a:buFont typeface="Arial"/>
+              <a:buNone/>
+            </a:pPr>
+            <a:endParaRPr sz="1800" dirty="0">
+              <a:solidFill>
+                <a:schemeClr val="dk1"/>
+              </a:solidFill>
+              <a:highlight>
+                <a:srgbClr val="CCCCCC"/>
+              </a:highlight>
+              <a:latin typeface="Consolas"/>
+              <a:ea typeface="Consolas"/>
+              <a:cs typeface="Consolas"/>
+              <a:sym typeface="Consolas"/>
+            </a:endParaRPr>
+          </a:p>
+          <a:p>
+            <a:pPr marL="0" lvl="0" indent="0" algn="l" rtl="0">
+              <a:spcBef>
+                <a:spcPts val="0"/>
+              </a:spcBef>
+              <a:spcAft>
+                <a:spcPts val="0"/>
+              </a:spcAft>
+              <a:buClr>
+                <a:schemeClr val="dk1"/>
+              </a:buClr>
+              <a:buSzPts val="1100"/>
+              <a:buFont typeface="Arial"/>
+              <a:buNone/>
+            </a:pPr>
+            <a:r>
+              <a:rPr lang="en-US" sz="1800" dirty="0">
+                <a:solidFill>
+                  <a:schemeClr val="dk1"/>
+                </a:solidFill>
+              </a:rPr>
+              <a:t>In the future, you will only need to activate the environment to load all modules and libraries.</a:t>
+            </a:r>
+            <a:endParaRPr sz="1800" dirty="0">
+              <a:solidFill>
+                <a:schemeClr val="dk1"/>
+              </a:solidFill>
+            </a:endParaRPr>
+          </a:p>
+          <a:p>
+            <a:pPr marL="0" lvl="0" indent="0" algn="l" rtl="0">
+              <a:spcBef>
+                <a:spcPts val="0"/>
+              </a:spcBef>
+              <a:spcAft>
+                <a:spcPts val="0"/>
+              </a:spcAft>
+              <a:buClr>
+                <a:schemeClr val="dk1"/>
+              </a:buClr>
+              <a:buSzPts val="1100"/>
+              <a:buFont typeface="Arial"/>
+              <a:buNone/>
+            </a:pPr>
+            <a:endParaRPr sz="1800" dirty="0">
+              <a:solidFill>
+                <a:schemeClr val="dk1"/>
+              </a:solidFill>
+            </a:endParaRPr>
+          </a:p>
+          <a:p>
+            <a:pPr marL="0" lvl="0" indent="0" algn="l" rtl="0">
+              <a:spcBef>
+                <a:spcPts val="0"/>
+              </a:spcBef>
+              <a:spcAft>
+                <a:spcPts val="0"/>
+              </a:spcAft>
+              <a:buClr>
+                <a:schemeClr val="dk1"/>
+              </a:buClr>
+              <a:buSzPts val="1100"/>
+              <a:buFont typeface="Arial"/>
+              <a:buNone/>
+            </a:pPr>
+            <a:r>
+              <a:rPr lang="en-US" sz="1700" dirty="0">
+                <a:solidFill>
+                  <a:schemeClr val="dk1"/>
+                </a:solidFill>
+              </a:rPr>
+              <a:t>	</a:t>
+            </a:r>
+            <a:r>
+              <a:rPr lang="en-US" sz="1800" dirty="0">
+                <a:solidFill>
+                  <a:schemeClr val="dk1"/>
+                </a:solidFill>
+                <a:highlight>
+                  <a:srgbClr val="CCCCCC"/>
+                </a:highlight>
+                <a:latin typeface="Consolas"/>
+                <a:ea typeface="Consolas"/>
+                <a:cs typeface="Consolas"/>
+                <a:sym typeface="Consolas"/>
+              </a:rPr>
+              <a:t>source activate </a:t>
+            </a:r>
+            <a:r>
+              <a:rPr lang="en-US" sz="1800" dirty="0" err="1">
+                <a:solidFill>
+                  <a:schemeClr val="dk1"/>
+                </a:solidFill>
+                <a:highlight>
+                  <a:srgbClr val="CCCCCC"/>
+                </a:highlight>
+                <a:latin typeface="Consolas"/>
+                <a:ea typeface="Consolas"/>
+                <a:cs typeface="Consolas"/>
+                <a:sym typeface="Consolas"/>
+              </a:rPr>
+              <a:t>automate_env</a:t>
+            </a:r>
+            <a:endParaRPr sz="1800" dirty="0">
+              <a:solidFill>
+                <a:schemeClr val="dk1"/>
+              </a:solidFill>
+              <a:highlight>
+                <a:srgbClr val="CCCCCC"/>
+              </a:highlight>
+              <a:latin typeface="Consolas"/>
+              <a:ea typeface="Consolas"/>
+              <a:cs typeface="Consolas"/>
+              <a:sym typeface="Consolas"/>
+            </a:endParaRPr>
+          </a:p>
+        </p:txBody>
+      </p:sp>
+      <p:sp>
+        <p:nvSpPr>
+          <p:cNvPr id="3" name="Google Shape;94;ge58bbe3d21_0_49">
+            <a:extLst>
+              <a:ext uri="{FF2B5EF4-FFF2-40B4-BE49-F238E27FC236}">
+                <a16:creationId xmlns:a16="http://schemas.microsoft.com/office/drawing/2014/main" id="{9133911F-4802-28FD-084F-F3BF4019CC04}"/>
+              </a:ext>
+            </a:extLst>
+          </p:cNvPr>
+          <p:cNvSpPr txBox="1">
+            <a:spLocks noGrp="1"/>
+          </p:cNvSpPr>
+          <p:nvPr>
+            <p:ph type="ftr" idx="11"/>
+          </p:nvPr>
+        </p:nvSpPr>
+        <p:spPr>
+          <a:xfrm>
+            <a:off x="4572000" y="6506896"/>
+            <a:ext cx="4114800" cy="365100"/>
+          </a:xfrm>
+          <a:prstGeom prst="rect">
+            <a:avLst/>
+          </a:prstGeom>
+          <a:noFill/>
+          <a:ln>
+            <a:noFill/>
+          </a:ln>
+        </p:spPr>
+        <p:txBody>
+          <a:bodyPr spcFirstLastPara="1" wrap="square" lIns="91425" tIns="45700" rIns="91425" bIns="45700" anchor="ctr" anchorCtr="0">
+            <a:noAutofit/>
+          </a:bodyPr>
+          <a:lstStyle/>
+          <a:p>
+            <a:pPr marL="0" lvl="0" indent="0" algn="r" rtl="0">
+              <a:lnSpc>
+                <a:spcPct val="100000"/>
+              </a:lnSpc>
+              <a:spcBef>
+                <a:spcPts val="0"/>
+              </a:spcBef>
+              <a:spcAft>
+                <a:spcPts val="0"/>
+              </a:spcAft>
+              <a:buSzPts val="1400"/>
+              <a:buNone/>
+            </a:pPr>
+            <a:r>
+              <a:rPr lang="en-US" dirty="0"/>
+              <a:t>Version Control</a:t>
+            </a:r>
+            <a:endParaRPr dirty="0"/>
+          </a:p>
+        </p:txBody>
+      </p:sp>
+    </p:spTree>
+    <p:extLst>
+      <p:ext uri="{BB962C8B-B14F-4D97-AF65-F5344CB8AC3E}">
+        <p14:creationId xmlns:p14="http://schemas.microsoft.com/office/powerpoint/2010/main" val="279065345"/>
+      </p:ext>
+    </p:extLst>
+  </p:cSld>
+  <p:clrMapOvr>
+    <a:masterClrMapping/>
+  </p:clrMapOvr>
+</p:sld>
+</file>
+
+<file path=ppt/slides/slide26.xml><?xml version="1.0" encoding="utf-8"?>
+<p:sld xmlns:a="http://schemas.openxmlformats.org/drawingml/2006/main" xmlns:r="http://schemas.openxmlformats.org/officeDocument/2006/relationships" xmlns:p="http://schemas.openxmlformats.org/presentationml/2006/main">
+  <p:cSld>
+    <p:spTree>
+      <p:nvGrpSpPr>
+        <p:cNvPr id="1" name="Shape 129"/>
+        <p:cNvGrpSpPr/>
+        <p:nvPr/>
+      </p:nvGrpSpPr>
+      <p:grpSpPr>
+        <a:xfrm>
+          <a:off x="0" y="0"/>
+          <a:ext cx="0" cy="0"/>
+          <a:chOff x="0" y="0"/>
+          <a:chExt cx="0" cy="0"/>
+        </a:xfrm>
+      </p:grpSpPr>
+      <p:sp>
+        <p:nvSpPr>
+          <p:cNvPr id="130" name="Google Shape;130;ge6d407e7a1_0_85"/>
+          <p:cNvSpPr txBox="1">
+            <a:spLocks noGrp="1"/>
+          </p:cNvSpPr>
+          <p:nvPr>
+            <p:ph type="title"/>
+          </p:nvPr>
+        </p:nvSpPr>
+        <p:spPr>
+          <a:xfrm>
+            <a:off x="457200" y="0"/>
+            <a:ext cx="8645700" cy="1143000"/>
+          </a:xfrm>
+          <a:prstGeom prst="rect">
+            <a:avLst/>
+          </a:prstGeom>
+          <a:noFill/>
+          <a:ln>
+            <a:noFill/>
+          </a:ln>
+        </p:spPr>
+        <p:txBody>
+          <a:bodyPr spcFirstLastPara="1" wrap="square" lIns="91425" tIns="45700" rIns="91425" bIns="45700" anchor="ctr" anchorCtr="0">
+            <a:noAutofit/>
+          </a:bodyPr>
+          <a:lstStyle/>
+          <a:p>
+            <a:pPr marL="0" lvl="0" indent="0" algn="l" rtl="0">
+              <a:lnSpc>
+                <a:spcPct val="100000"/>
+              </a:lnSpc>
+              <a:spcBef>
+                <a:spcPts val="0"/>
+              </a:spcBef>
+              <a:spcAft>
+                <a:spcPts val="0"/>
+              </a:spcAft>
+              <a:buSzPts val="3200"/>
+              <a:buNone/>
+            </a:pPr>
+            <a:r>
+              <a:rPr lang="en-US" dirty="0" err="1"/>
+              <a:t>Conda</a:t>
+            </a:r>
+            <a:r>
+              <a:rPr lang="en-US" dirty="0"/>
+              <a:t> Environments Using a </a:t>
+            </a:r>
+            <a:r>
+              <a:rPr lang="en-US" dirty="0" err="1"/>
+              <a:t>yaml</a:t>
+            </a:r>
+            <a:r>
+              <a:rPr lang="en-US" dirty="0"/>
+              <a:t> file</a:t>
+            </a:r>
+            <a:endParaRPr dirty="0"/>
+          </a:p>
+        </p:txBody>
+      </p:sp>
+      <p:sp>
+        <p:nvSpPr>
+          <p:cNvPr id="132" name="Google Shape;132;ge6d407e7a1_0_85"/>
+          <p:cNvSpPr txBox="1">
+            <a:spLocks noGrp="1"/>
+          </p:cNvSpPr>
+          <p:nvPr>
+            <p:ph type="sldNum" idx="12"/>
+          </p:nvPr>
+        </p:nvSpPr>
+        <p:spPr>
+          <a:xfrm>
+            <a:off x="8686800" y="6506896"/>
+            <a:ext cx="416100" cy="365100"/>
+          </a:xfrm>
+          <a:prstGeom prst="rect">
+            <a:avLst/>
+          </a:prstGeom>
+          <a:noFill/>
+          <a:ln>
+            <a:noFill/>
+          </a:ln>
+        </p:spPr>
+        <p:txBody>
+          <a:bodyPr spcFirstLastPara="1" wrap="square" lIns="91425" tIns="45700" rIns="91425" bIns="45700" anchor="ctr" anchorCtr="0">
+            <a:noAutofit/>
+          </a:bodyPr>
+          <a:lstStyle/>
+          <a:p>
+            <a:pPr marL="0" lvl="0" indent="0" algn="r" rtl="0">
+              <a:lnSpc>
+                <a:spcPct val="100000"/>
+              </a:lnSpc>
+              <a:spcBef>
+                <a:spcPts val="0"/>
+              </a:spcBef>
+              <a:spcAft>
+                <a:spcPts val="0"/>
+              </a:spcAft>
+              <a:buSzPts val="1000"/>
+              <a:buNone/>
+            </a:pPr>
+            <a:fld id="{00000000-1234-1234-1234-123412341234}" type="slidenum">
+              <a:rPr lang="en-US"/>
+              <a:t>26</a:t>
             </a:fld>
             <a:endParaRPr/>
           </a:p>
@@ -18994,7 +19870,7 @@
 </p:sld>
 </file>
 
-<file path=ppt/slides/slide26.xml><?xml version="1.0" encoding="utf-8"?>
+<file path=ppt/slides/slide27.xml><?xml version="1.0" encoding="utf-8"?>
 <p:sld xmlns:a="http://schemas.openxmlformats.org/drawingml/2006/main" xmlns:r="http://schemas.openxmlformats.org/officeDocument/2006/relationships" xmlns:p="http://schemas.openxmlformats.org/presentationml/2006/main">
   <p:cSld>
     <p:spTree>
@@ -19088,7 +19964,7 @@
             </a:pPr>
             <a:fld id="{00000000-1234-1234-1234-123412341234}" type="slidenum">
               <a:rPr lang="en-US"/>
-              <a:t>26</a:t>
+              <a:t>27</a:t>
             </a:fld>
             <a:endParaRPr lang="en-US"/>
           </a:p>
@@ -19154,453 +20030,6 @@
     <p:extLst>
       <p:ext uri="{BB962C8B-B14F-4D97-AF65-F5344CB8AC3E}">
         <p14:creationId xmlns:p14="http://schemas.microsoft.com/office/powerpoint/2010/main" val="711306892"/>
-      </p:ext>
-    </p:extLst>
-  </p:cSld>
-  <p:clrMapOvr>
-    <a:masterClrMapping/>
-  </p:clrMapOvr>
-</p:sld>
-</file>
-
-<file path=ppt/slides/slide27.xml><?xml version="1.0" encoding="utf-8"?>
-<p:sld xmlns:a="http://schemas.openxmlformats.org/drawingml/2006/main" xmlns:r="http://schemas.openxmlformats.org/officeDocument/2006/relationships" xmlns:p="http://schemas.openxmlformats.org/presentationml/2006/main">
-  <p:cSld>
-    <p:spTree>
-      <p:nvGrpSpPr>
-        <p:cNvPr id="1" name="Shape 101"/>
-        <p:cNvGrpSpPr/>
-        <p:nvPr/>
-      </p:nvGrpSpPr>
-      <p:grpSpPr>
-        <a:xfrm>
-          <a:off x="0" y="0"/>
-          <a:ext cx="0" cy="0"/>
-          <a:chOff x="0" y="0"/>
-          <a:chExt cx="0" cy="0"/>
-        </a:xfrm>
-      </p:grpSpPr>
-      <p:sp>
-        <p:nvSpPr>
-          <p:cNvPr id="102" name="Google Shape;102;ge6d407e7a1_0_0"/>
-          <p:cNvSpPr txBox="1">
-            <a:spLocks noGrp="1"/>
-          </p:cNvSpPr>
-          <p:nvPr>
-            <p:ph type="title"/>
-          </p:nvPr>
-        </p:nvSpPr>
-        <p:spPr>
-          <a:xfrm>
-            <a:off x="457200" y="0"/>
-            <a:ext cx="8645700" cy="1143000"/>
-          </a:xfrm>
-          <a:prstGeom prst="rect">
-            <a:avLst/>
-          </a:prstGeom>
-          <a:noFill/>
-          <a:ln>
-            <a:noFill/>
-          </a:ln>
-        </p:spPr>
-        <p:txBody>
-          <a:bodyPr spcFirstLastPara="1" wrap="square" lIns="91425" tIns="45700" rIns="91425" bIns="45700" anchor="ctr" anchorCtr="0">
-            <a:noAutofit/>
-          </a:bodyPr>
-          <a:lstStyle/>
-          <a:p>
-            <a:pPr marL="0" lvl="0" indent="0" algn="l" rtl="0">
-              <a:lnSpc>
-                <a:spcPct val="100000"/>
-              </a:lnSpc>
-              <a:spcBef>
-                <a:spcPts val="0"/>
-              </a:spcBef>
-              <a:spcAft>
-                <a:spcPts val="0"/>
-              </a:spcAft>
-              <a:buSzPts val="3200"/>
-              <a:buNone/>
-            </a:pPr>
-            <a:r>
-              <a:rPr lang="en-US" dirty="0"/>
-              <a:t>Appendix – Branching on Git</a:t>
-            </a:r>
-            <a:endParaRPr dirty="0"/>
-          </a:p>
-        </p:txBody>
-      </p:sp>
-      <p:sp>
-        <p:nvSpPr>
-          <p:cNvPr id="104" name="Google Shape;104;ge6d407e7a1_0_0"/>
-          <p:cNvSpPr txBox="1">
-            <a:spLocks noGrp="1"/>
-          </p:cNvSpPr>
-          <p:nvPr>
-            <p:ph type="sldNum" idx="12"/>
-          </p:nvPr>
-        </p:nvSpPr>
-        <p:spPr>
-          <a:xfrm>
-            <a:off x="8686800" y="6506896"/>
-            <a:ext cx="416100" cy="365100"/>
-          </a:xfrm>
-          <a:prstGeom prst="rect">
-            <a:avLst/>
-          </a:prstGeom>
-          <a:noFill/>
-          <a:ln>
-            <a:noFill/>
-          </a:ln>
-        </p:spPr>
-        <p:txBody>
-          <a:bodyPr spcFirstLastPara="1" wrap="square" lIns="91425" tIns="45700" rIns="91425" bIns="45700" anchor="ctr" anchorCtr="0">
-            <a:noAutofit/>
-          </a:bodyPr>
-          <a:lstStyle/>
-          <a:p>
-            <a:pPr marL="0" lvl="0" indent="0" algn="r" rtl="0">
-              <a:lnSpc>
-                <a:spcPct val="100000"/>
-              </a:lnSpc>
-              <a:spcBef>
-                <a:spcPts val="0"/>
-              </a:spcBef>
-              <a:spcAft>
-                <a:spcPts val="0"/>
-              </a:spcAft>
-              <a:buSzPts val="1000"/>
-              <a:buNone/>
-            </a:pPr>
-            <a:fld id="{00000000-1234-1234-1234-123412341234}" type="slidenum">
-              <a:rPr lang="en-US"/>
-              <a:t>27</a:t>
-            </a:fld>
-            <a:endParaRPr/>
-          </a:p>
-        </p:txBody>
-      </p:sp>
-      <p:sp>
-        <p:nvSpPr>
-          <p:cNvPr id="8" name="Google Shape;105;ge6d407e7a1_0_0">
-            <a:extLst>
-              <a:ext uri="{FF2B5EF4-FFF2-40B4-BE49-F238E27FC236}">
-                <a16:creationId xmlns:a16="http://schemas.microsoft.com/office/drawing/2014/main" id="{D1E650A8-F22D-6548-AD24-5D2946CC5779}"/>
-              </a:ext>
-            </a:extLst>
-          </p:cNvPr>
-          <p:cNvSpPr txBox="1"/>
-          <p:nvPr/>
-        </p:nvSpPr>
-        <p:spPr>
-          <a:xfrm>
-            <a:off x="268574" y="904875"/>
-            <a:ext cx="8834326" cy="5447615"/>
-          </a:xfrm>
-          <a:prstGeom prst="rect">
-            <a:avLst/>
-          </a:prstGeom>
-          <a:noFill/>
-          <a:ln>
-            <a:noFill/>
-          </a:ln>
-        </p:spPr>
-        <p:txBody>
-          <a:bodyPr spcFirstLastPara="1" wrap="square" lIns="91425" tIns="91425" rIns="91425" bIns="91425" anchor="t" anchorCtr="0">
-            <a:spAutoFit/>
-          </a:bodyPr>
-          <a:lstStyle/>
-          <a:p>
-            <a:pPr>
-              <a:buClr>
-                <a:schemeClr val="dk1"/>
-              </a:buClr>
-              <a:buSzPts val="1100"/>
-            </a:pPr>
-            <a:r>
-              <a:rPr lang="en-US" sz="1800" dirty="0">
-                <a:sym typeface="Roboto Medium"/>
-              </a:rPr>
-              <a:t>A branch is an independent line of development.  You could think of a branch as a timeline of a project that could be created in parallel with the main branch. To see a list of branches a project contains, type:</a:t>
-            </a:r>
-          </a:p>
-          <a:p>
-            <a:pPr>
-              <a:buClr>
-                <a:schemeClr val="dk1"/>
-              </a:buClr>
-              <a:buSzPts val="1100"/>
-            </a:pPr>
-            <a:endParaRPr lang="en-US" sz="1800" dirty="0">
-              <a:sym typeface="Roboto Medium"/>
-            </a:endParaRPr>
-          </a:p>
-          <a:p>
-            <a:pPr indent="465138">
-              <a:buClr>
-                <a:schemeClr val="dk1"/>
-              </a:buClr>
-              <a:buSzPts val="1100"/>
-            </a:pPr>
-            <a:r>
-              <a:rPr lang="en-US" sz="1800" dirty="0">
-                <a:solidFill>
-                  <a:schemeClr val="dk1"/>
-                </a:solidFill>
-                <a:highlight>
-                  <a:srgbClr val="C0C0C0"/>
-                </a:highlight>
-                <a:latin typeface="Consolas"/>
-                <a:cs typeface="Consolas"/>
-                <a:sym typeface="Roboto Medium"/>
-              </a:rPr>
-              <a:t>git branch</a:t>
-            </a:r>
-          </a:p>
-          <a:p>
-            <a:pPr>
-              <a:buClr>
-                <a:schemeClr val="dk1"/>
-              </a:buClr>
-              <a:buSzPts val="1100"/>
-            </a:pPr>
-            <a:endParaRPr lang="en-US" sz="1800" dirty="0">
-              <a:sym typeface="Roboto Medium"/>
-            </a:endParaRPr>
-          </a:p>
-          <a:p>
-            <a:pPr>
-              <a:buClr>
-                <a:schemeClr val="dk1"/>
-              </a:buClr>
-              <a:buSzPts val="1100"/>
-            </a:pPr>
-            <a:r>
-              <a:rPr lang="en-US" sz="1800" dirty="0">
-                <a:sym typeface="Roboto Medium"/>
-              </a:rPr>
-              <a:t>If you’d like to make an experimental branch of a project and start working on it, type the following: </a:t>
-            </a:r>
-          </a:p>
-          <a:p>
-            <a:pPr>
-              <a:buClr>
-                <a:schemeClr val="dk1"/>
-              </a:buClr>
-              <a:buSzPts val="1100"/>
-            </a:pPr>
-            <a:endParaRPr lang="en-US" sz="1800" dirty="0">
-              <a:sym typeface="Roboto Medium"/>
-            </a:endParaRPr>
-          </a:p>
-          <a:p>
-            <a:pPr indent="465138">
-              <a:buClr>
-                <a:schemeClr val="dk1"/>
-              </a:buClr>
-              <a:buSzPts val="1100"/>
-            </a:pPr>
-            <a:r>
-              <a:rPr lang="en-US" sz="1800" dirty="0">
-                <a:solidFill>
-                  <a:schemeClr val="dk1"/>
-                </a:solidFill>
-                <a:highlight>
-                  <a:srgbClr val="C0C0C0"/>
-                </a:highlight>
-                <a:latin typeface="Consolas"/>
-                <a:cs typeface="Consolas"/>
-                <a:sym typeface="Roboto Medium"/>
-              </a:rPr>
-              <a:t>git branch experimental</a:t>
-            </a:r>
-          </a:p>
-          <a:p>
-            <a:pPr indent="465138">
-              <a:buClr>
-                <a:schemeClr val="dk1"/>
-              </a:buClr>
-              <a:buSzPts val="1100"/>
-            </a:pPr>
-            <a:r>
-              <a:rPr lang="en-US" sz="1800" dirty="0">
-                <a:solidFill>
-                  <a:schemeClr val="dk1"/>
-                </a:solidFill>
-                <a:highlight>
-                  <a:srgbClr val="C0C0C0"/>
-                </a:highlight>
-                <a:latin typeface="Consolas"/>
-                <a:cs typeface="Consolas"/>
-                <a:sym typeface="Roboto Medium"/>
-              </a:rPr>
-              <a:t>git checkout experimental</a:t>
-            </a:r>
-          </a:p>
-          <a:p>
-            <a:pPr indent="465138">
-              <a:buClr>
-                <a:schemeClr val="dk1"/>
-              </a:buClr>
-              <a:buSzPts val="1100"/>
-            </a:pPr>
-            <a:endParaRPr lang="en-US" sz="1800" dirty="0">
-              <a:solidFill>
-                <a:schemeClr val="dk1"/>
-              </a:solidFill>
-              <a:highlight>
-                <a:srgbClr val="C0C0C0"/>
-              </a:highlight>
-              <a:latin typeface="Consolas"/>
-              <a:cs typeface="Consolas"/>
-              <a:sym typeface="Roboto Medium"/>
-            </a:endParaRPr>
-          </a:p>
-          <a:p>
-            <a:pPr indent="11113">
-              <a:buClr>
-                <a:schemeClr val="dk1"/>
-              </a:buClr>
-              <a:buSzPts val="1100"/>
-            </a:pPr>
-            <a:r>
-              <a:rPr lang="en-US" sz="1800" dirty="0">
-                <a:sym typeface="Roboto Medium"/>
-              </a:rPr>
-              <a:t>The changes you make in a new branch will remain independent of the master branch you are working on.  Once you are comfortable with these changes, you can merge them back to the master branch by doing the following:  </a:t>
-            </a:r>
-          </a:p>
-          <a:p>
-            <a:pPr lvl="0">
-              <a:buClr>
-                <a:schemeClr val="dk1"/>
-              </a:buClr>
-              <a:buSzPts val="1100"/>
-            </a:pPr>
-            <a:r>
-              <a:rPr lang="en-US" sz="1800" dirty="0">
-                <a:sym typeface="Roboto Medium"/>
-              </a:rPr>
-              <a:t>	</a:t>
-            </a:r>
-          </a:p>
-          <a:p>
-            <a:pPr indent="465138">
-              <a:buClr>
-                <a:schemeClr val="dk1"/>
-              </a:buClr>
-              <a:buSzPts val="1100"/>
-            </a:pPr>
-            <a:r>
-              <a:rPr lang="en-US" sz="1800" dirty="0">
-                <a:solidFill>
-                  <a:schemeClr val="dk1"/>
-                </a:solidFill>
-                <a:highlight>
-                  <a:srgbClr val="C0C0C0"/>
-                </a:highlight>
-                <a:latin typeface="Consolas"/>
-                <a:cs typeface="Consolas"/>
-                <a:sym typeface="Roboto Medium"/>
-              </a:rPr>
-              <a:t>git checkout master</a:t>
-            </a:r>
-          </a:p>
-          <a:p>
-            <a:pPr indent="465138">
-              <a:buClr>
-                <a:schemeClr val="dk1"/>
-              </a:buClr>
-              <a:buSzPts val="1100"/>
-            </a:pPr>
-            <a:r>
-              <a:rPr lang="en-US" sz="1800" dirty="0">
-                <a:solidFill>
-                  <a:schemeClr val="dk1"/>
-                </a:solidFill>
-                <a:highlight>
-                  <a:srgbClr val="C0C0C0"/>
-                </a:highlight>
-                <a:latin typeface="Consolas"/>
-                <a:cs typeface="Consolas"/>
-                <a:sym typeface="Roboto Medium"/>
-              </a:rPr>
-              <a:t>git merge experimental</a:t>
-            </a:r>
-          </a:p>
-          <a:p>
-            <a:pPr lvl="0" indent="465138">
-              <a:buClr>
-                <a:schemeClr val="dk1"/>
-              </a:buClr>
-              <a:buSzPts val="1100"/>
-            </a:pPr>
-            <a:endParaRPr lang="en-US" sz="1800" dirty="0">
-              <a:sym typeface="Roboto Medium"/>
-            </a:endParaRPr>
-          </a:p>
-        </p:txBody>
-      </p:sp>
-      <p:sp>
-        <p:nvSpPr>
-          <p:cNvPr id="2" name="Google Shape;94;ge58bbe3d21_0_49">
-            <a:extLst>
-              <a:ext uri="{FF2B5EF4-FFF2-40B4-BE49-F238E27FC236}">
-                <a16:creationId xmlns:a16="http://schemas.microsoft.com/office/drawing/2014/main" id="{5E29B022-2538-2DA2-8FE0-0079CDD6B39F}"/>
-              </a:ext>
-            </a:extLst>
-          </p:cNvPr>
-          <p:cNvSpPr txBox="1">
-            <a:spLocks noGrp="1"/>
-          </p:cNvSpPr>
-          <p:nvPr>
-            <p:ph type="ftr" idx="11"/>
-          </p:nvPr>
-        </p:nvSpPr>
-        <p:spPr>
-          <a:xfrm>
-            <a:off x="4572000" y="6506896"/>
-            <a:ext cx="4114800" cy="365100"/>
-          </a:xfrm>
-          <a:prstGeom prst="rect">
-            <a:avLst/>
-          </a:prstGeom>
-          <a:noFill/>
-          <a:ln>
-            <a:noFill/>
-          </a:ln>
-        </p:spPr>
-        <p:txBody>
-          <a:bodyPr spcFirstLastPara="1" wrap="square" lIns="91425" tIns="45700" rIns="91425" bIns="45700" anchor="ctr" anchorCtr="0">
-            <a:noAutofit/>
-          </a:bodyPr>
-          <a:lstStyle/>
-          <a:p>
-            <a:pPr marL="0" lvl="0" indent="0" algn="r" rtl="0">
-              <a:lnSpc>
-                <a:spcPct val="100000"/>
-              </a:lnSpc>
-              <a:spcBef>
-                <a:spcPts val="0"/>
-              </a:spcBef>
-              <a:spcAft>
-                <a:spcPts val="0"/>
-              </a:spcAft>
-              <a:buSzPts val="1400"/>
-              <a:buNone/>
-            </a:pPr>
-            <a:r>
-              <a:rPr lang="en-US" dirty="0"/>
-              <a:t>Version Control</a:t>
-            </a:r>
-            <a:endParaRPr dirty="0"/>
-          </a:p>
-        </p:txBody>
-      </p:sp>
-    </p:spTree>
-    <p:extLst>
-      <p:ext uri="{BB962C8B-B14F-4D97-AF65-F5344CB8AC3E}">
-        <p14:creationId xmlns:p14="http://schemas.microsoft.com/office/powerpoint/2010/main" val="1454549989"/>
       </p:ext>
     </p:extLst>
   </p:cSld>
@@ -19671,15 +20100,7 @@
             </a:pPr>
             <a:r>
               <a:rPr lang="en-US" dirty="0"/>
-              <a:t>Appendix – Forking a </a:t>
-            </a:r>
-            <a:r>
-              <a:rPr lang="en-US" dirty="0" err="1"/>
-              <a:t>Github</a:t>
-            </a:r>
-            <a:r>
-              <a:rPr lang="en-US" dirty="0"/>
-              <a:t> Repo</a:t>
+              <a:t>Appendix – Branching on Git</a:t>
             </a:r>
             <a:endParaRPr dirty="0"/>
           </a:p>
@@ -19730,6 +20151,461 @@
             <a:fld id="{00000000-1234-1234-1234-123412341234}" type="slidenum">
               <a:rPr lang="en-US"/>
               <a:t>28</a:t>
+            </a:fld>
+            <a:endParaRPr/>
+          </a:p>
+        </p:txBody>
+      </p:sp>
+      <p:sp>
+        <p:nvSpPr>
+          <p:cNvPr id="8" name="Google Shape;105;ge6d407e7a1_0_0">
+            <a:extLst>
+              <a:ext uri="{FF2B5EF4-FFF2-40B4-BE49-F238E27FC236}">
+                <a16:creationId xmlns:a16="http://schemas.microsoft.com/office/drawing/2014/main" id="{D1E650A8-F22D-6548-AD24-5D2946CC5779}"/>
+              </a:ext>
+            </a:extLst>
+          </p:cNvPr>
+          <p:cNvSpPr txBox="1"/>
+          <p:nvPr/>
+        </p:nvSpPr>
+        <p:spPr>
+          <a:xfrm>
+            <a:off x="268574" y="904875"/>
+            <a:ext cx="8834326" cy="5447615"/>
+          </a:xfrm>
+          <a:prstGeom prst="rect">
+            <a:avLst/>
+          </a:prstGeom>
+          <a:noFill/>
+          <a:ln>
+            <a:noFill/>
+          </a:ln>
+        </p:spPr>
+        <p:txBody>
+          <a:bodyPr spcFirstLastPara="1" wrap="square" lIns="91425" tIns="91425" rIns="91425" bIns="91425" anchor="t" anchorCtr="0">
+            <a:spAutoFit/>
+          </a:bodyPr>
+          <a:lstStyle/>
+          <a:p>
+            <a:pPr>
+              <a:buClr>
+                <a:schemeClr val="dk1"/>
+              </a:buClr>
+              <a:buSzPts val="1100"/>
+            </a:pPr>
+            <a:r>
+              <a:rPr lang="en-US" sz="1800" dirty="0">
+                <a:sym typeface="Roboto Medium"/>
+              </a:rPr>
+              <a:t>A branch is an independent line of development.  You could think of a branch as a timeline of a project that could be created in parallel with the main branch. To see a list of branches a project contains, type:</a:t>
+            </a:r>
+          </a:p>
+          <a:p>
+            <a:pPr>
+              <a:buClr>
+                <a:schemeClr val="dk1"/>
+              </a:buClr>
+              <a:buSzPts val="1100"/>
+            </a:pPr>
+            <a:endParaRPr lang="en-US" sz="1800" dirty="0">
+              <a:sym typeface="Roboto Medium"/>
+            </a:endParaRPr>
+          </a:p>
+          <a:p>
+            <a:pPr indent="465138">
+              <a:buClr>
+                <a:schemeClr val="dk1"/>
+              </a:buClr>
+              <a:buSzPts val="1100"/>
+            </a:pPr>
+            <a:r>
+              <a:rPr lang="en-US" sz="1800" dirty="0">
+                <a:solidFill>
+                  <a:schemeClr val="dk1"/>
+                </a:solidFill>
+                <a:highlight>
+                  <a:srgbClr val="C0C0C0"/>
+                </a:highlight>
+                <a:latin typeface="Consolas"/>
+                <a:cs typeface="Consolas"/>
+                <a:sym typeface="Roboto Medium"/>
+              </a:rPr>
+              <a:t>git branch</a:t>
+            </a:r>
+          </a:p>
+          <a:p>
+            <a:pPr>
+              <a:buClr>
+                <a:schemeClr val="dk1"/>
+              </a:buClr>
+              <a:buSzPts val="1100"/>
+            </a:pPr>
+            <a:endParaRPr lang="en-US" sz="1800" dirty="0">
+              <a:sym typeface="Roboto Medium"/>
+            </a:endParaRPr>
+          </a:p>
+          <a:p>
+            <a:pPr>
+              <a:buClr>
+                <a:schemeClr val="dk1"/>
+              </a:buClr>
+              <a:buSzPts val="1100"/>
+            </a:pPr>
+            <a:r>
+              <a:rPr lang="en-US" sz="1800" dirty="0">
+                <a:sym typeface="Roboto Medium"/>
+              </a:rPr>
+              <a:t>If you’d like to make an experimental branch of a project and start working on it, type the following: </a:t>
+            </a:r>
+          </a:p>
+          <a:p>
+            <a:pPr>
+              <a:buClr>
+                <a:schemeClr val="dk1"/>
+              </a:buClr>
+              <a:buSzPts val="1100"/>
+            </a:pPr>
+            <a:endParaRPr lang="en-US" sz="1800" dirty="0">
+              <a:sym typeface="Roboto Medium"/>
+            </a:endParaRPr>
+          </a:p>
+          <a:p>
+            <a:pPr indent="465138">
+              <a:buClr>
+                <a:schemeClr val="dk1"/>
+              </a:buClr>
+              <a:buSzPts val="1100"/>
+            </a:pPr>
+            <a:r>
+              <a:rPr lang="en-US" sz="1800" dirty="0">
+                <a:solidFill>
+                  <a:schemeClr val="dk1"/>
+                </a:solidFill>
+                <a:highlight>
+                  <a:srgbClr val="C0C0C0"/>
+                </a:highlight>
+                <a:latin typeface="Consolas"/>
+                <a:cs typeface="Consolas"/>
+                <a:sym typeface="Roboto Medium"/>
+              </a:rPr>
+              <a:t>git branch experimental</a:t>
+            </a:r>
+          </a:p>
+          <a:p>
+            <a:pPr indent="465138">
+              <a:buClr>
+                <a:schemeClr val="dk1"/>
+              </a:buClr>
+              <a:buSzPts val="1100"/>
+            </a:pPr>
+            <a:r>
+              <a:rPr lang="en-US" sz="1800" dirty="0">
+                <a:solidFill>
+                  <a:schemeClr val="dk1"/>
+                </a:solidFill>
+                <a:highlight>
+                  <a:srgbClr val="C0C0C0"/>
+                </a:highlight>
+                <a:latin typeface="Consolas"/>
+                <a:cs typeface="Consolas"/>
+                <a:sym typeface="Roboto Medium"/>
+              </a:rPr>
+              <a:t>git checkout experimental</a:t>
+            </a:r>
+          </a:p>
+          <a:p>
+            <a:pPr indent="465138">
+              <a:buClr>
+                <a:schemeClr val="dk1"/>
+              </a:buClr>
+              <a:buSzPts val="1100"/>
+            </a:pPr>
+            <a:endParaRPr lang="en-US" sz="1800" dirty="0">
+              <a:solidFill>
+                <a:schemeClr val="dk1"/>
+              </a:solidFill>
+              <a:highlight>
+                <a:srgbClr val="C0C0C0"/>
+              </a:highlight>
+              <a:latin typeface="Consolas"/>
+              <a:cs typeface="Consolas"/>
+              <a:sym typeface="Roboto Medium"/>
+            </a:endParaRPr>
+          </a:p>
+          <a:p>
+            <a:pPr indent="11113">
+              <a:buClr>
+                <a:schemeClr val="dk1"/>
+              </a:buClr>
+              <a:buSzPts val="1100"/>
+            </a:pPr>
+            <a:r>
+              <a:rPr lang="en-US" sz="1800" dirty="0">
+                <a:sym typeface="Roboto Medium"/>
+              </a:rPr>
+              <a:t>The changes you make in a new branch will remain independent of the master branch you are working on.  Once you are comfortable with these changes, you can merge them back to the master branch by doing the following:  </a:t>
+            </a:r>
+          </a:p>
+          <a:p>
+            <a:pPr lvl="0">
+              <a:buClr>
+                <a:schemeClr val="dk1"/>
+              </a:buClr>
+              <a:buSzPts val="1100"/>
+            </a:pPr>
+            <a:r>
+              <a:rPr lang="en-US" sz="1800" dirty="0">
+                <a:sym typeface="Roboto Medium"/>
+              </a:rPr>
+              <a:t>	</a:t>
+            </a:r>
+          </a:p>
+          <a:p>
+            <a:pPr indent="465138">
+              <a:buClr>
+                <a:schemeClr val="dk1"/>
+              </a:buClr>
+              <a:buSzPts val="1100"/>
+            </a:pPr>
+            <a:r>
+              <a:rPr lang="en-US" sz="1800" dirty="0">
+                <a:solidFill>
+                  <a:schemeClr val="dk1"/>
+                </a:solidFill>
+                <a:highlight>
+                  <a:srgbClr val="C0C0C0"/>
+                </a:highlight>
+                <a:latin typeface="Consolas"/>
+                <a:cs typeface="Consolas"/>
+                <a:sym typeface="Roboto Medium"/>
+              </a:rPr>
+              <a:t>git checkout master</a:t>
+            </a:r>
+          </a:p>
+          <a:p>
+            <a:pPr indent="465138">
+              <a:buClr>
+                <a:schemeClr val="dk1"/>
+              </a:buClr>
+              <a:buSzPts val="1100"/>
+            </a:pPr>
+            <a:r>
+              <a:rPr lang="en-US" sz="1800" dirty="0">
+                <a:solidFill>
+                  <a:schemeClr val="dk1"/>
+                </a:solidFill>
+                <a:highlight>
+                  <a:srgbClr val="C0C0C0"/>
+                </a:highlight>
+                <a:latin typeface="Consolas"/>
+                <a:cs typeface="Consolas"/>
+                <a:sym typeface="Roboto Medium"/>
+              </a:rPr>
+              <a:t>git merge experimental</a:t>
+            </a:r>
+          </a:p>
+          <a:p>
+            <a:pPr lvl="0" indent="465138">
+              <a:buClr>
+                <a:schemeClr val="dk1"/>
+              </a:buClr>
+              <a:buSzPts val="1100"/>
+            </a:pPr>
+            <a:endParaRPr lang="en-US" sz="1800" dirty="0">
+              <a:sym typeface="Roboto Medium"/>
+            </a:endParaRPr>
+          </a:p>
+        </p:txBody>
+      </p:sp>
+      <p:sp>
+        <p:nvSpPr>
+          <p:cNvPr id="2" name="Google Shape;94;ge58bbe3d21_0_49">
+            <a:extLst>
+              <a:ext uri="{FF2B5EF4-FFF2-40B4-BE49-F238E27FC236}">
+                <a16:creationId xmlns:a16="http://schemas.microsoft.com/office/drawing/2014/main" id="{5E29B022-2538-2DA2-8FE0-0079CDD6B39F}"/>
+              </a:ext>
+            </a:extLst>
+          </p:cNvPr>
+          <p:cNvSpPr txBox="1">
+            <a:spLocks noGrp="1"/>
+          </p:cNvSpPr>
+          <p:nvPr>
+            <p:ph type="ftr" idx="11"/>
+          </p:nvPr>
+        </p:nvSpPr>
+        <p:spPr>
+          <a:xfrm>
+            <a:off x="4572000" y="6506896"/>
+            <a:ext cx="4114800" cy="365100"/>
+          </a:xfrm>
+          <a:prstGeom prst="rect">
+            <a:avLst/>
+          </a:prstGeom>
+          <a:noFill/>
+          <a:ln>
+            <a:noFill/>
+          </a:ln>
+        </p:spPr>
+        <p:txBody>
+          <a:bodyPr spcFirstLastPara="1" wrap="square" lIns="91425" tIns="45700" rIns="91425" bIns="45700" anchor="ctr" anchorCtr="0">
+            <a:noAutofit/>
+          </a:bodyPr>
+          <a:lstStyle/>
+          <a:p>
+            <a:pPr marL="0" lvl="0" indent="0" algn="r" rtl="0">
+              <a:lnSpc>
+                <a:spcPct val="100000"/>
+              </a:lnSpc>
+              <a:spcBef>
+                <a:spcPts val="0"/>
+              </a:spcBef>
+              <a:spcAft>
+                <a:spcPts val="0"/>
+              </a:spcAft>
+              <a:buSzPts val="1400"/>
+              <a:buNone/>
+            </a:pPr>
+            <a:r>
+              <a:rPr lang="en-US" dirty="0"/>
+              <a:t>Version Control</a:t>
+            </a:r>
+            <a:endParaRPr dirty="0"/>
+          </a:p>
+        </p:txBody>
+      </p:sp>
+    </p:spTree>
+    <p:extLst>
+      <p:ext uri="{BB962C8B-B14F-4D97-AF65-F5344CB8AC3E}">
+        <p14:creationId xmlns:p14="http://schemas.microsoft.com/office/powerpoint/2010/main" val="1454549989"/>
+      </p:ext>
+    </p:extLst>
+  </p:cSld>
+  <p:clrMapOvr>
+    <a:masterClrMapping/>
+  </p:clrMapOvr>
+</p:sld>
+</file>
+
+<file path=ppt/slides/slide29.xml><?xml version="1.0" encoding="utf-8"?>
+<p:sld xmlns:a="http://schemas.openxmlformats.org/drawingml/2006/main" xmlns:r="http://schemas.openxmlformats.org/officeDocument/2006/relationships" xmlns:p="http://schemas.openxmlformats.org/presentationml/2006/main">
+  <p:cSld>
+    <p:spTree>
+      <p:nvGrpSpPr>
+        <p:cNvPr id="1" name="Shape 101"/>
+        <p:cNvGrpSpPr/>
+        <p:nvPr/>
+      </p:nvGrpSpPr>
+      <p:grpSpPr>
+        <a:xfrm>
+          <a:off x="0" y="0"/>
+          <a:ext cx="0" cy="0"/>
+          <a:chOff x="0" y="0"/>
+          <a:chExt cx="0" cy="0"/>
+        </a:xfrm>
+      </p:grpSpPr>
+      <p:sp>
+        <p:nvSpPr>
+          <p:cNvPr id="102" name="Google Shape;102;ge6d407e7a1_0_0"/>
+          <p:cNvSpPr txBox="1">
+            <a:spLocks noGrp="1"/>
+          </p:cNvSpPr>
+          <p:nvPr>
+            <p:ph type="title"/>
+          </p:nvPr>
+        </p:nvSpPr>
+        <p:spPr>
+          <a:xfrm>
+            <a:off x="457200" y="0"/>
+            <a:ext cx="8645700" cy="1143000"/>
+          </a:xfrm>
+          <a:prstGeom prst="rect">
+            <a:avLst/>
+          </a:prstGeom>
+          <a:noFill/>
+          <a:ln>
+            <a:noFill/>
+          </a:ln>
+        </p:spPr>
+        <p:txBody>
+          <a:bodyPr spcFirstLastPara="1" wrap="square" lIns="91425" tIns="45700" rIns="91425" bIns="45700" anchor="ctr" anchorCtr="0">
+            <a:noAutofit/>
+          </a:bodyPr>
+          <a:lstStyle/>
+          <a:p>
+            <a:pPr marL="0" lvl="0" indent="0" algn="l" rtl="0">
+              <a:lnSpc>
+                <a:spcPct val="100000"/>
+              </a:lnSpc>
+              <a:spcBef>
+                <a:spcPts val="0"/>
+              </a:spcBef>
+              <a:spcAft>
+                <a:spcPts val="0"/>
+              </a:spcAft>
+              <a:buSzPts val="3200"/>
+              <a:buNone/>
+            </a:pPr>
+            <a:r>
+              <a:rPr lang="en-US" dirty="0"/>
+              <a:t>Appendix – Forking a </a:t>
+            </a:r>
+            <a:r>
+              <a:rPr lang="en-US" dirty="0" err="1"/>
+              <a:t>Github</a:t>
+            </a:r>
+            <a:r>
+              <a:rPr lang="en-US" dirty="0"/>
+              <a:t> Repo</a:t>
+            </a:r>
+            <a:endParaRPr dirty="0"/>
+          </a:p>
+        </p:txBody>
+      </p:sp>
+      <p:sp>
+        <p:nvSpPr>
+          <p:cNvPr id="104" name="Google Shape;104;ge6d407e7a1_0_0"/>
+          <p:cNvSpPr txBox="1">
+            <a:spLocks noGrp="1"/>
+          </p:cNvSpPr>
+          <p:nvPr>
+            <p:ph type="sldNum" idx="12"/>
+          </p:nvPr>
+        </p:nvSpPr>
+        <p:spPr>
+          <a:xfrm>
+            <a:off x="8686800" y="6506896"/>
+            <a:ext cx="416100" cy="365100"/>
+          </a:xfrm>
+          <a:prstGeom prst="rect">
+            <a:avLst/>
+          </a:prstGeom>
+          <a:noFill/>
+          <a:ln>
+            <a:noFill/>
+          </a:ln>
+        </p:spPr>
+        <p:txBody>
+          <a:bodyPr spcFirstLastPara="1" wrap="square" lIns="91425" tIns="45700" rIns="91425" bIns="45700" anchor="ctr" anchorCtr="0">
+            <a:noAutofit/>
+          </a:bodyPr>
+          <a:lstStyle/>
+          <a:p>
+            <a:pPr marL="0" lvl="0" indent="0" algn="r" rtl="0">
+              <a:lnSpc>
+                <a:spcPct val="100000"/>
+              </a:lnSpc>
+              <a:spcBef>
+                <a:spcPts val="0"/>
+              </a:spcBef>
+              <a:spcAft>
+                <a:spcPts val="0"/>
+              </a:spcAft>
+              <a:buSzPts val="1000"/>
+              <a:buNone/>
+            </a:pPr>
+            <a:fld id="{00000000-1234-1234-1234-123412341234}" type="slidenum">
+              <a:rPr lang="en-US"/>
+              <a:t>29</a:t>
             </a:fld>
             <a:endParaRPr/>
           </a:p>
@@ -20445,7 +21321,7 @@
         <p14:flip dir="l"/>
       </p:transition>
     </mc:Choice>
-    <mc:Fallback xmlns:ahyp="http://schemas.microsoft.com/office/drawing/2018/hyperlinkcolor" xmlns:p15="http://schemas.microsoft.com/office/powerpoint/2012/main" xmlns:com="http://schemas.openxmlformats.org/drawingml/2006/compatibility" xmlns:pvml="urn:schemas-microsoft-com:office:powerpoint" xmlns:v="urn:schemas-microsoft-com:vml" xmlns:o="urn:schemas-microsoft-com:office:office" xmlns:dgm="http://schemas.openxmlformats.org/drawingml/2006/diagram" xmlns:c="http://schemas.openxmlformats.org/drawingml/2006/chart" xmlns:mv="urn:schemas-microsoft-com:mac:vml" xmlns="">
+    <mc:Fallback xmlns="" xmlns:mv="urn:schemas-microsoft-com:mac:vml" xmlns:c="http://schemas.openxmlformats.org/drawingml/2006/chart" xmlns:dgm="http://schemas.openxmlformats.org/drawingml/2006/diagram" xmlns:o="urn:schemas-microsoft-com:office:office" xmlns:v="urn:schemas-microsoft-com:vml" xmlns:pvml="urn:schemas-microsoft-com:office:powerpoint" xmlns:com="http://schemas.openxmlformats.org/drawingml/2006/compatibility" xmlns:p15="http://schemas.microsoft.com/office/powerpoint/2012/main" xmlns:ahyp="http://schemas.microsoft.com/office/drawing/2018/hyperlinkcolor">
       <p:transition spd="slow">
         <p:fade/>
       </p:transition>
@@ -21277,6 +22153,264 @@
   <p:cSld>
     <p:spTree>
       <p:nvGrpSpPr>
+        <p:cNvPr id="1" name="Shape 101"/>
+        <p:cNvGrpSpPr/>
+        <p:nvPr/>
+      </p:nvGrpSpPr>
+      <p:grpSpPr>
+        <a:xfrm>
+          <a:off x="0" y="0"/>
+          <a:ext cx="0" cy="0"/>
+          <a:chOff x="0" y="0"/>
+          <a:chExt cx="0" cy="0"/>
+        </a:xfrm>
+      </p:grpSpPr>
+      <p:sp>
+        <p:nvSpPr>
+          <p:cNvPr id="102" name="Google Shape;102;ge6d407e7a1_0_0"/>
+          <p:cNvSpPr txBox="1">
+            <a:spLocks noGrp="1"/>
+          </p:cNvSpPr>
+          <p:nvPr>
+            <p:ph type="title"/>
+          </p:nvPr>
+        </p:nvSpPr>
+        <p:spPr>
+          <a:xfrm>
+            <a:off x="457200" y="0"/>
+            <a:ext cx="8645700" cy="1143000"/>
+          </a:xfrm>
+          <a:prstGeom prst="rect">
+            <a:avLst/>
+          </a:prstGeom>
+          <a:noFill/>
+          <a:ln>
+            <a:noFill/>
+          </a:ln>
+        </p:spPr>
+        <p:txBody>
+          <a:bodyPr spcFirstLastPara="1" wrap="square" lIns="91425" tIns="45700" rIns="91425" bIns="45700" anchor="ctr" anchorCtr="0">
+            <a:noAutofit/>
+          </a:bodyPr>
+          <a:lstStyle/>
+          <a:p>
+            <a:pPr marL="0" lvl="0" indent="0" algn="l" rtl="0">
+              <a:lnSpc>
+                <a:spcPct val="100000"/>
+              </a:lnSpc>
+              <a:spcBef>
+                <a:spcPts val="0"/>
+              </a:spcBef>
+              <a:spcAft>
+                <a:spcPts val="0"/>
+              </a:spcAft>
+              <a:buSzPts val="3200"/>
+              <a:buNone/>
+            </a:pPr>
+            <a:r>
+              <a:rPr lang="en-US" dirty="0"/>
+              <a:t>Committing Changes</a:t>
+            </a:r>
+            <a:endParaRPr dirty="0"/>
+          </a:p>
+        </p:txBody>
+      </p:sp>
+      <p:sp>
+        <p:nvSpPr>
+          <p:cNvPr id="104" name="Google Shape;104;ge6d407e7a1_0_0"/>
+          <p:cNvSpPr txBox="1">
+            <a:spLocks noGrp="1"/>
+          </p:cNvSpPr>
+          <p:nvPr>
+            <p:ph type="sldNum" idx="12"/>
+          </p:nvPr>
+        </p:nvSpPr>
+        <p:spPr>
+          <a:xfrm>
+            <a:off x="8686800" y="6506896"/>
+            <a:ext cx="416100" cy="365100"/>
+          </a:xfrm>
+          <a:prstGeom prst="rect">
+            <a:avLst/>
+          </a:prstGeom>
+          <a:noFill/>
+          <a:ln>
+            <a:noFill/>
+          </a:ln>
+        </p:spPr>
+        <p:txBody>
+          <a:bodyPr spcFirstLastPara="1" wrap="square" lIns="91425" tIns="45700" rIns="91425" bIns="45700" anchor="ctr" anchorCtr="0">
+            <a:noAutofit/>
+          </a:bodyPr>
+          <a:lstStyle/>
+          <a:p>
+            <a:pPr marL="0" lvl="0" indent="0" algn="r" rtl="0">
+              <a:lnSpc>
+                <a:spcPct val="100000"/>
+              </a:lnSpc>
+              <a:spcBef>
+                <a:spcPts val="0"/>
+              </a:spcBef>
+              <a:spcAft>
+                <a:spcPts val="0"/>
+              </a:spcAft>
+              <a:buSzPts val="1000"/>
+              <a:buNone/>
+            </a:pPr>
+            <a:fld id="{00000000-1234-1234-1234-123412341234}" type="slidenum">
+              <a:rPr lang="en-US"/>
+              <a:t>7</a:t>
+            </a:fld>
+            <a:endParaRPr/>
+          </a:p>
+        </p:txBody>
+      </p:sp>
+      <p:sp>
+        <p:nvSpPr>
+          <p:cNvPr id="6" name="TextBox 5">
+            <a:extLst>
+              <a:ext uri="{FF2B5EF4-FFF2-40B4-BE49-F238E27FC236}">
+                <a16:creationId xmlns:a16="http://schemas.microsoft.com/office/drawing/2014/main" id="{A5167287-9E76-2C42-9DAB-4C20E6DC7CE2}"/>
+              </a:ext>
+            </a:extLst>
+          </p:cNvPr>
+          <p:cNvSpPr txBox="1"/>
+          <p:nvPr/>
+        </p:nvSpPr>
+        <p:spPr>
+          <a:xfrm>
+            <a:off x="1426407" y="5804771"/>
+            <a:ext cx="6689652" cy="307777"/>
+          </a:xfrm>
+          <a:prstGeom prst="rect">
+            <a:avLst/>
+          </a:prstGeom>
+          <a:noFill/>
+        </p:spPr>
+        <p:txBody>
+          <a:bodyPr wrap="none" rtlCol="0">
+            <a:spAutoFit/>
+          </a:bodyPr>
+          <a:lstStyle/>
+          <a:p>
+            <a:r>
+              <a:rPr lang="en-US" i="1" dirty="0"/>
+              <a:t>Image taken from: </a:t>
+            </a:r>
+            <a:r>
+              <a:rPr lang="en-US" i="1" dirty="0">
+                <a:hlinkClick r:id="rId3"/>
+              </a:rPr>
+              <a:t>https://git-scm.com/book/en/v2/Getting-Started-What-is-Git%3F</a:t>
+            </a:r>
+            <a:endParaRPr lang="en-US" i="1" dirty="0"/>
+          </a:p>
+        </p:txBody>
+      </p:sp>
+      <p:sp>
+        <p:nvSpPr>
+          <p:cNvPr id="2" name="Google Shape;94;ge58bbe3d21_0_49">
+            <a:extLst>
+              <a:ext uri="{FF2B5EF4-FFF2-40B4-BE49-F238E27FC236}">
+                <a16:creationId xmlns:a16="http://schemas.microsoft.com/office/drawing/2014/main" id="{AE2BEC66-D870-B02D-DCB5-275430F207FE}"/>
+              </a:ext>
+            </a:extLst>
+          </p:cNvPr>
+          <p:cNvSpPr txBox="1">
+            <a:spLocks noGrp="1"/>
+          </p:cNvSpPr>
+          <p:nvPr>
+            <p:ph type="ftr" idx="11"/>
+          </p:nvPr>
+        </p:nvSpPr>
+        <p:spPr>
+          <a:xfrm>
+            <a:off x="4572000" y="6506896"/>
+            <a:ext cx="4114800" cy="365100"/>
+          </a:xfrm>
+          <a:prstGeom prst="rect">
+            <a:avLst/>
+          </a:prstGeom>
+          <a:noFill/>
+          <a:ln>
+            <a:noFill/>
+          </a:ln>
+        </p:spPr>
+        <p:txBody>
+          <a:bodyPr spcFirstLastPara="1" wrap="square" lIns="91425" tIns="45700" rIns="91425" bIns="45700" anchor="ctr" anchorCtr="0">
+            <a:noAutofit/>
+          </a:bodyPr>
+          <a:lstStyle/>
+          <a:p>
+            <a:pPr marL="0" lvl="0" indent="0" algn="r" rtl="0">
+              <a:lnSpc>
+                <a:spcPct val="100000"/>
+              </a:lnSpc>
+              <a:spcBef>
+                <a:spcPts val="0"/>
+              </a:spcBef>
+              <a:spcAft>
+                <a:spcPts val="0"/>
+              </a:spcAft>
+              <a:buSzPts val="1400"/>
+              <a:buNone/>
+            </a:pPr>
+            <a:r>
+              <a:rPr lang="en-US" dirty="0"/>
+              <a:t>Version Control</a:t>
+            </a:r>
+            <a:endParaRPr dirty="0"/>
+          </a:p>
+        </p:txBody>
+      </p:sp>
+      <p:pic>
+        <p:nvPicPr>
+          <p:cNvPr id="4" name="Picture 3" descr="Diagram&#10;&#10;Description automatically generated">
+            <a:extLst>
+              <a:ext uri="{FF2B5EF4-FFF2-40B4-BE49-F238E27FC236}">
+                <a16:creationId xmlns:a16="http://schemas.microsoft.com/office/drawing/2014/main" id="{2BC5C6F9-B30A-D009-E41E-12F916E037A1}"/>
+              </a:ext>
+            </a:extLst>
+          </p:cNvPr>
+          <p:cNvPicPr>
+            <a:picLocks noChangeAspect="1"/>
+          </p:cNvPicPr>
+          <p:nvPr/>
+        </p:nvPicPr>
+        <p:blipFill>
+          <a:blip r:embed="rId4"/>
+          <a:stretch>
+            <a:fillRect/>
+          </a:stretch>
+        </p:blipFill>
+        <p:spPr>
+          <a:xfrm>
+            <a:off x="760468" y="1143000"/>
+            <a:ext cx="7772400" cy="4267423"/>
+          </a:xfrm>
+          <a:prstGeom prst="rect">
+            <a:avLst/>
+          </a:prstGeom>
+        </p:spPr>
+      </p:pic>
+    </p:spTree>
+    <p:extLst>
+      <p:ext uri="{BB962C8B-B14F-4D97-AF65-F5344CB8AC3E}">
+        <p14:creationId xmlns:p14="http://schemas.microsoft.com/office/powerpoint/2010/main" val="875943791"/>
+      </p:ext>
+    </p:extLst>
+  </p:cSld>
+  <p:clrMapOvr>
+    <a:masterClrMapping/>
+  </p:clrMapOvr>
+</p:sld>
+</file>
+
+<file path=ppt/slides/slide8.xml><?xml version="1.0" encoding="utf-8"?>
+<p:sld xmlns:a="http://schemas.openxmlformats.org/drawingml/2006/main" xmlns:r="http://schemas.openxmlformats.org/officeDocument/2006/relationships" xmlns:p="http://schemas.openxmlformats.org/presentationml/2006/main">
+  <p:cSld>
+    <p:spTree>
+      <p:nvGrpSpPr>
         <p:cNvPr id="1" name=""/>
         <p:cNvGrpSpPr/>
         <p:nvPr/>
@@ -21366,7 +22500,7 @@
             </a:pPr>
             <a:fld id="{00000000-1234-1234-1234-123412341234}" type="slidenum">
               <a:rPr lang="en-US"/>
-              <a:t>7</a:t>
+              <a:t>8</a:t>
             </a:fld>
             <a:endParaRPr lang="en-US"/>
           </a:p>
@@ -21441,7 +22575,7 @@
 </p:sld>
 </file>
 
-<file path=ppt/slides/slide8.xml><?xml version="1.0" encoding="utf-8"?>
+<file path=ppt/slides/slide9.xml><?xml version="1.0" encoding="utf-8"?>
 <p:sld xmlns:a="http://schemas.openxmlformats.org/drawingml/2006/main" xmlns:r="http://schemas.openxmlformats.org/officeDocument/2006/relationships" xmlns:p="http://schemas.openxmlformats.org/presentationml/2006/main">
   <p:cSld>
     <p:spTree>
@@ -21552,7 +22686,7 @@
             </a:pPr>
             <a:fld id="{00000000-1234-1234-1234-123412341234}" type="slidenum">
               <a:rPr lang="en-US"/>
-              <a:t>8</a:t>
+              <a:t>9</a:t>
             </a:fld>
             <a:endParaRPr/>
           </a:p>
@@ -21999,704 +23133,6 @@
         </p:txBody>
       </p:sp>
     </p:spTree>
-  </p:cSld>
-  <p:clrMapOvr>
-    <a:masterClrMapping/>
-  </p:clrMapOvr>
-</p:sld>
-</file>
-
-<file path=ppt/slides/slide9.xml><?xml version="1.0" encoding="utf-8"?>
-<p:sld xmlns:a="http://schemas.openxmlformats.org/drawingml/2006/main" xmlns:r="http://schemas.openxmlformats.org/officeDocument/2006/relationships" xmlns:p="http://schemas.openxmlformats.org/presentationml/2006/main">
-  <p:cSld>
-    <p:spTree>
-      <p:nvGrpSpPr>
-        <p:cNvPr id="1" name="Shape 101"/>
-        <p:cNvGrpSpPr/>
-        <p:nvPr/>
-      </p:nvGrpSpPr>
-      <p:grpSpPr>
-        <a:xfrm>
-          <a:off x="0" y="0"/>
-          <a:ext cx="0" cy="0"/>
-          <a:chOff x="0" y="0"/>
-          <a:chExt cx="0" cy="0"/>
-        </a:xfrm>
-      </p:grpSpPr>
-      <p:sp>
-        <p:nvSpPr>
-          <p:cNvPr id="102" name="Google Shape;102;ge6d407e7a1_0_0"/>
-          <p:cNvSpPr txBox="1">
-            <a:spLocks noGrp="1"/>
-          </p:cNvSpPr>
-          <p:nvPr>
-            <p:ph type="title"/>
-          </p:nvPr>
-        </p:nvSpPr>
-        <p:spPr>
-          <a:xfrm>
-            <a:off x="165100" y="0"/>
-            <a:ext cx="8645700" cy="1143000"/>
-          </a:xfrm>
-          <a:prstGeom prst="rect">
-            <a:avLst/>
-          </a:prstGeom>
-          <a:noFill/>
-          <a:ln>
-            <a:noFill/>
-          </a:ln>
-        </p:spPr>
-        <p:txBody>
-          <a:bodyPr spcFirstLastPara="1" wrap="square" lIns="91425" tIns="45700" rIns="91425" bIns="45700" anchor="ctr" anchorCtr="0">
-            <a:noAutofit/>
-          </a:bodyPr>
-          <a:lstStyle/>
-          <a:p>
-            <a:pPr marL="0" lvl="0" indent="0" algn="l" rtl="0">
-              <a:lnSpc>
-                <a:spcPct val="100000"/>
-              </a:lnSpc>
-              <a:spcBef>
-                <a:spcPts val="0"/>
-              </a:spcBef>
-              <a:spcAft>
-                <a:spcPts val="0"/>
-              </a:spcAft>
-              <a:buSzPts val="3200"/>
-              <a:buNone/>
-            </a:pPr>
-            <a:r>
-              <a:rPr lang="en-US" dirty="0"/>
-              <a:t>Cloning a repo and initializing a local repo</a:t>
-            </a:r>
-            <a:endParaRPr dirty="0"/>
-          </a:p>
-        </p:txBody>
-      </p:sp>
-      <p:sp>
-        <p:nvSpPr>
-          <p:cNvPr id="104" name="Google Shape;104;ge6d407e7a1_0_0"/>
-          <p:cNvSpPr txBox="1">
-            <a:spLocks noGrp="1"/>
-          </p:cNvSpPr>
-          <p:nvPr>
-            <p:ph type="sldNum" idx="12"/>
-          </p:nvPr>
-        </p:nvSpPr>
-        <p:spPr>
-          <a:xfrm>
-            <a:off x="8686800" y="6506896"/>
-            <a:ext cx="416100" cy="365100"/>
-          </a:xfrm>
-          <a:prstGeom prst="rect">
-            <a:avLst/>
-          </a:prstGeom>
-          <a:noFill/>
-          <a:ln>
-            <a:noFill/>
-          </a:ln>
-        </p:spPr>
-        <p:txBody>
-          <a:bodyPr spcFirstLastPara="1" wrap="square" lIns="91425" tIns="45700" rIns="91425" bIns="45700" anchor="ctr" anchorCtr="0">
-            <a:noAutofit/>
-          </a:bodyPr>
-          <a:lstStyle/>
-          <a:p>
-            <a:pPr marL="0" lvl="0" indent="0" algn="r" rtl="0">
-              <a:lnSpc>
-                <a:spcPct val="100000"/>
-              </a:lnSpc>
-              <a:spcBef>
-                <a:spcPts val="0"/>
-              </a:spcBef>
-              <a:spcAft>
-                <a:spcPts val="0"/>
-              </a:spcAft>
-              <a:buSzPts val="1000"/>
-              <a:buNone/>
-            </a:pPr>
-            <a:fld id="{00000000-1234-1234-1234-123412341234}" type="slidenum">
-              <a:rPr lang="en-US"/>
-              <a:t>9</a:t>
-            </a:fld>
-            <a:endParaRPr/>
-          </a:p>
-        </p:txBody>
-      </p:sp>
-      <p:sp>
-        <p:nvSpPr>
-          <p:cNvPr id="105" name="Google Shape;105;ge6d407e7a1_0_0"/>
-          <p:cNvSpPr txBox="1"/>
-          <p:nvPr/>
-        </p:nvSpPr>
-        <p:spPr>
-          <a:xfrm>
-            <a:off x="268574" y="866775"/>
-            <a:ext cx="8418226" cy="5447615"/>
-          </a:xfrm>
-          <a:prstGeom prst="rect">
-            <a:avLst/>
-          </a:prstGeom>
-          <a:noFill/>
-          <a:ln>
-            <a:noFill/>
-          </a:ln>
-        </p:spPr>
-        <p:txBody>
-          <a:bodyPr spcFirstLastPara="1" wrap="square" lIns="91425" tIns="91425" rIns="91425" bIns="91425" anchor="t" anchorCtr="0">
-            <a:spAutoFit/>
-          </a:bodyPr>
-          <a:lstStyle/>
-          <a:p>
-            <a:pPr marL="0" lvl="0" indent="0" algn="l" rtl="0">
-              <a:spcBef>
-                <a:spcPts val="0"/>
-              </a:spcBef>
-              <a:spcAft>
-                <a:spcPts val="0"/>
-              </a:spcAft>
-              <a:buClr>
-                <a:schemeClr val="dk1"/>
-              </a:buClr>
-              <a:buSzPts val="1100"/>
-              <a:buFont typeface="Arial"/>
-              <a:buNone/>
-            </a:pPr>
-            <a:r>
-              <a:rPr lang="en-US" sz="1800" dirty="0"/>
-              <a:t>A Git </a:t>
-            </a:r>
-            <a:r>
-              <a:rPr lang="en-US" sz="1800" b="1" dirty="0"/>
-              <a:t>repository</a:t>
-            </a:r>
-            <a:r>
-              <a:rPr lang="en-US" sz="1800" dirty="0"/>
-              <a:t> (”repo”) is essentially a </a:t>
-            </a:r>
-            <a:r>
-              <a:rPr lang="en-US" sz="1800" b="1" dirty="0"/>
-              <a:t>container</a:t>
-            </a:r>
-            <a:r>
-              <a:rPr lang="en-US" sz="1800" dirty="0"/>
-              <a:t> for your Git code. </a:t>
-            </a:r>
-          </a:p>
-          <a:p>
-            <a:pPr marL="0" lvl="0" indent="0" algn="l" rtl="0">
-              <a:spcBef>
-                <a:spcPts val="0"/>
-              </a:spcBef>
-              <a:spcAft>
-                <a:spcPts val="0"/>
-              </a:spcAft>
-              <a:buClr>
-                <a:schemeClr val="dk1"/>
-              </a:buClr>
-              <a:buSzPts val="1100"/>
-              <a:buFont typeface="Arial"/>
-              <a:buNone/>
-            </a:pPr>
-            <a:r>
-              <a:rPr lang="en-US" sz="1800" dirty="0"/>
-              <a:t>You can create a Git repo on KLC from scratch or you can download an existing public </a:t>
-            </a:r>
-            <a:r>
-              <a:rPr lang="en-US" sz="1800" dirty="0" err="1"/>
-              <a:t>Github</a:t>
-            </a:r>
-            <a:r>
-              <a:rPr lang="en-US" sz="1800" dirty="0"/>
-              <a:t> repo and work on the code locally on KLC.</a:t>
-            </a:r>
-          </a:p>
-          <a:p>
-            <a:pPr marL="0" lvl="0" indent="0" algn="l" rtl="0">
-              <a:spcBef>
-                <a:spcPts val="0"/>
-              </a:spcBef>
-              <a:spcAft>
-                <a:spcPts val="0"/>
-              </a:spcAft>
-              <a:buClr>
-                <a:schemeClr val="dk1"/>
-              </a:buClr>
-              <a:buSzPts val="1100"/>
-              <a:buFont typeface="Arial"/>
-              <a:buNone/>
-            </a:pPr>
-            <a:endParaRPr lang="en-US" sz="1800" dirty="0"/>
-          </a:p>
-          <a:p>
-            <a:pPr marL="0" lvl="0" indent="0" algn="l" rtl="0">
-              <a:spcBef>
-                <a:spcPts val="0"/>
-              </a:spcBef>
-              <a:spcAft>
-                <a:spcPts val="0"/>
-              </a:spcAft>
-              <a:buClr>
-                <a:schemeClr val="dk1"/>
-              </a:buClr>
-              <a:buSzPts val="1100"/>
-              <a:buFont typeface="Arial"/>
-              <a:buNone/>
-            </a:pPr>
-            <a:r>
-              <a:rPr lang="en-US" sz="1800" dirty="0"/>
-              <a:t>Let’s first clone a public </a:t>
-            </a:r>
-            <a:r>
-              <a:rPr lang="en-US" sz="1800" dirty="0" err="1"/>
-              <a:t>Github</a:t>
-            </a:r>
-            <a:r>
-              <a:rPr lang="en-US" sz="1800" dirty="0"/>
-              <a:t> repo to your home directory: </a:t>
-            </a:r>
-            <a:endParaRPr sz="1800" dirty="0"/>
-          </a:p>
-          <a:p>
-            <a:pPr marL="457200">
-              <a:buClr>
-                <a:schemeClr val="dk1"/>
-              </a:buClr>
-              <a:buSzPts val="1100"/>
-            </a:pPr>
-            <a:endParaRPr lang="en-US" sz="1800" dirty="0">
-              <a:solidFill>
-                <a:schemeClr val="dk1"/>
-              </a:solidFill>
-              <a:highlight>
-                <a:srgbClr val="CCCCCC"/>
-              </a:highlight>
-              <a:latin typeface="Consolas"/>
-              <a:cs typeface="Consolas"/>
-              <a:sym typeface="Roboto Medium"/>
-            </a:endParaRPr>
-          </a:p>
-          <a:p>
-            <a:pPr marL="457200">
-              <a:buClr>
-                <a:schemeClr val="dk1"/>
-              </a:buClr>
-              <a:buSzPts val="1100"/>
-            </a:pPr>
-            <a:r>
-              <a:rPr lang="en-US" sz="1800" dirty="0">
-                <a:solidFill>
-                  <a:schemeClr val="dk1"/>
-                </a:solidFill>
-                <a:highlight>
-                  <a:srgbClr val="C0C0C0"/>
-                </a:highlight>
-                <a:latin typeface="Consolas"/>
-                <a:cs typeface="Consolas"/>
-                <a:sym typeface="Roboto Medium"/>
-              </a:rPr>
-              <a:t>git clone </a:t>
-            </a:r>
-            <a:r>
-              <a:rPr lang="en-US" sz="1800" dirty="0">
-                <a:solidFill>
-                  <a:schemeClr val="dk1"/>
-                </a:solidFill>
-                <a:highlight>
-                  <a:srgbClr val="C0C0C0"/>
-                </a:highlight>
-                <a:latin typeface="Consolas"/>
-                <a:cs typeface="Consolas"/>
-                <a:sym typeface="Roboto Medium"/>
-                <a:hlinkClick r:id="rId3"/>
-              </a:rPr>
-              <a:t>https://github.com/rs-kellogg/fellows_workshop_2022</a:t>
-            </a:r>
-            <a:endParaRPr lang="en-US" sz="1800" dirty="0">
-              <a:solidFill>
-                <a:schemeClr val="dk1"/>
-              </a:solidFill>
-              <a:highlight>
-                <a:srgbClr val="C0C0C0"/>
-              </a:highlight>
-              <a:latin typeface="Consolas"/>
-              <a:cs typeface="Consolas"/>
-              <a:sym typeface="Roboto Medium"/>
-            </a:endParaRPr>
-          </a:p>
-          <a:p>
-            <a:pPr marL="457200">
-              <a:buClr>
-                <a:schemeClr val="dk1"/>
-              </a:buClr>
-              <a:buSzPts val="1100"/>
-            </a:pPr>
-            <a:endParaRPr lang="en-US" sz="1800" dirty="0">
-              <a:solidFill>
-                <a:schemeClr val="dk1"/>
-              </a:solidFill>
-              <a:highlight>
-                <a:srgbClr val="C0C0C0"/>
-              </a:highlight>
-              <a:latin typeface="Roboto Medium"/>
-              <a:cs typeface="Roboto Medium"/>
-              <a:sym typeface="Roboto Medium"/>
-            </a:endParaRPr>
-          </a:p>
-          <a:p>
-            <a:pPr marL="11113">
-              <a:buClr>
-                <a:schemeClr val="dk1"/>
-              </a:buClr>
-              <a:buSzPts val="1100"/>
-            </a:pPr>
-            <a:r>
-              <a:rPr lang="en-US" sz="1800" dirty="0">
-                <a:sym typeface="Roboto Medium"/>
-              </a:rPr>
-              <a:t>It should download a directory called: </a:t>
-            </a:r>
-            <a:r>
-              <a:rPr lang="en-US" sz="1800" dirty="0">
-                <a:solidFill>
-                  <a:schemeClr val="dk1"/>
-                </a:solidFill>
-                <a:highlight>
-                  <a:srgbClr val="C0C0C0"/>
-                </a:highlight>
-                <a:latin typeface="Consolas"/>
-                <a:cs typeface="Consolas"/>
-                <a:sym typeface="Roboto Medium"/>
-              </a:rPr>
-              <a:t>fellows_workshop_2022.</a:t>
-            </a:r>
-          </a:p>
-          <a:p>
-            <a:pPr marL="11113">
-              <a:buClr>
-                <a:schemeClr val="dk1"/>
-              </a:buClr>
-              <a:buSzPts val="1100"/>
-            </a:pPr>
-            <a:endParaRPr lang="en-US" sz="1800" dirty="0">
-              <a:solidFill>
-                <a:schemeClr val="dk1"/>
-              </a:solidFill>
-              <a:highlight>
-                <a:srgbClr val="C0C0C0"/>
-              </a:highlight>
-              <a:latin typeface="Consolas"/>
-              <a:cs typeface="Consolas"/>
-              <a:sym typeface="Roboto Medium"/>
-            </a:endParaRPr>
-          </a:p>
-          <a:p>
-            <a:pPr marL="11113">
-              <a:buClr>
-                <a:schemeClr val="dk1"/>
-              </a:buClr>
-              <a:buSzPts val="1100"/>
-            </a:pPr>
-            <a:r>
-              <a:rPr lang="en-US" sz="1800" dirty="0">
-                <a:sym typeface="Roboto Medium"/>
-              </a:rPr>
-              <a:t>Create a subfolder called </a:t>
-            </a:r>
-            <a:r>
-              <a:rPr lang="en-US" sz="1800" dirty="0">
-                <a:solidFill>
-                  <a:schemeClr val="dk1"/>
-                </a:solidFill>
-                <a:highlight>
-                  <a:srgbClr val="C0C0C0"/>
-                </a:highlight>
-                <a:latin typeface="Consolas"/>
-                <a:cs typeface="Consolas"/>
-                <a:sym typeface="Roboto Medium"/>
-              </a:rPr>
-              <a:t>practice </a:t>
-            </a:r>
-            <a:r>
-              <a:rPr lang="en-US" sz="1800" dirty="0">
-                <a:sym typeface="Roboto Medium"/>
-              </a:rPr>
-              <a:t>within the Week 3 directory</a:t>
-            </a:r>
-          </a:p>
-          <a:p>
-            <a:pPr marL="11113">
-              <a:buClr>
-                <a:schemeClr val="dk1"/>
-              </a:buClr>
-              <a:buSzPts val="1100"/>
-            </a:pPr>
-            <a:endParaRPr lang="en-US" sz="1800" dirty="0">
-              <a:solidFill>
-                <a:schemeClr val="dk1"/>
-              </a:solidFill>
-              <a:highlight>
-                <a:srgbClr val="C0C0C0"/>
-              </a:highlight>
-              <a:latin typeface="Consolas"/>
-              <a:cs typeface="Consolas"/>
-              <a:sym typeface="Roboto Medium"/>
-            </a:endParaRPr>
-          </a:p>
-          <a:p>
-            <a:pPr marL="11113" lvl="2" indent="454025">
-              <a:buClr>
-                <a:schemeClr val="dk1"/>
-              </a:buClr>
-              <a:buSzPts val="1100"/>
-            </a:pPr>
-            <a:r>
-              <a:rPr lang="en-US" sz="1800" dirty="0">
-                <a:solidFill>
-                  <a:schemeClr val="dk1"/>
-                </a:solidFill>
-                <a:highlight>
-                  <a:srgbClr val="C0C0C0"/>
-                </a:highlight>
-                <a:latin typeface="Consolas"/>
-                <a:cs typeface="Consolas"/>
-                <a:sym typeface="Roboto Medium"/>
-              </a:rPr>
-              <a:t>cd fellows_workshop_2022/Session3_Version_Control/</a:t>
-            </a:r>
-          </a:p>
-          <a:p>
-            <a:pPr marL="11113" lvl="2" indent="454025">
-              <a:buClr>
-                <a:schemeClr val="dk1"/>
-              </a:buClr>
-              <a:buSzPts val="1100"/>
-            </a:pPr>
-            <a:r>
-              <a:rPr lang="en-US" sz="1800" dirty="0" err="1">
-                <a:solidFill>
-                  <a:schemeClr val="dk1"/>
-                </a:solidFill>
-                <a:highlight>
-                  <a:srgbClr val="C0C0C0"/>
-                </a:highlight>
-                <a:latin typeface="Consolas"/>
-                <a:cs typeface="Consolas"/>
-                <a:sym typeface="Roboto Medium"/>
-              </a:rPr>
-              <a:t>mkdir</a:t>
-            </a:r>
-            <a:r>
-              <a:rPr lang="en-US" sz="1800" dirty="0">
-                <a:solidFill>
-                  <a:schemeClr val="dk1"/>
-                </a:solidFill>
-                <a:highlight>
-                  <a:srgbClr val="C0C0C0"/>
-                </a:highlight>
-                <a:latin typeface="Consolas"/>
-                <a:cs typeface="Consolas"/>
-                <a:sym typeface="Roboto Medium"/>
-              </a:rPr>
-              <a:t> practice</a:t>
-            </a:r>
-          </a:p>
-          <a:p>
-            <a:pPr marL="11113" lvl="2" indent="454025">
-              <a:buClr>
-                <a:schemeClr val="dk1"/>
-              </a:buClr>
-              <a:buSzPts val="1100"/>
-            </a:pPr>
-            <a:r>
-              <a:rPr lang="en-US" sz="1800" dirty="0">
-                <a:solidFill>
-                  <a:schemeClr val="dk1"/>
-                </a:solidFill>
-                <a:highlight>
-                  <a:srgbClr val="C0C0C0"/>
-                </a:highlight>
-                <a:latin typeface="Consolas"/>
-                <a:cs typeface="Consolas"/>
-                <a:sym typeface="Roboto Medium"/>
-              </a:rPr>
-              <a:t>cd practice</a:t>
-            </a:r>
-            <a:endParaRPr lang="en-US" sz="1800" dirty="0">
-              <a:solidFill>
-                <a:schemeClr val="dk1"/>
-              </a:solidFill>
-              <a:highlight>
-                <a:srgbClr val="CCCCCC"/>
-              </a:highlight>
-              <a:latin typeface="Roboto Medium"/>
-              <a:cs typeface="Roboto Medium"/>
-              <a:sym typeface="Roboto Medium"/>
-            </a:endParaRPr>
-          </a:p>
-          <a:p>
-            <a:pPr marL="11113">
-              <a:buClr>
-                <a:schemeClr val="dk1"/>
-              </a:buClr>
-              <a:buSzPts val="1100"/>
-            </a:pPr>
-            <a:endParaRPr lang="en-US" sz="1800" dirty="0">
-              <a:solidFill>
-                <a:schemeClr val="dk1"/>
-              </a:solidFill>
-              <a:highlight>
-                <a:srgbClr val="C0C0C0"/>
-              </a:highlight>
-              <a:latin typeface="Consolas"/>
-              <a:cs typeface="Consolas"/>
-              <a:sym typeface="Roboto Medium"/>
-            </a:endParaRPr>
-          </a:p>
-          <a:p>
-            <a:pPr marL="11113">
-              <a:buClr>
-                <a:schemeClr val="dk1"/>
-              </a:buClr>
-              <a:buSzPts val="1100"/>
-            </a:pPr>
-            <a:r>
-              <a:rPr lang="en-US" sz="1800" dirty="0">
-                <a:sym typeface="Roboto Medium"/>
-              </a:rPr>
-              <a:t>The first step to start version control with Git is to initialize your (empty) directory:</a:t>
-            </a:r>
-          </a:p>
-          <a:p>
-            <a:pPr marL="11113">
-              <a:buClr>
-                <a:schemeClr val="dk1"/>
-              </a:buClr>
-              <a:buSzPts val="1100"/>
-            </a:pPr>
-            <a:endParaRPr lang="en-US" sz="1800" dirty="0">
-              <a:solidFill>
-                <a:schemeClr val="dk1"/>
-              </a:solidFill>
-              <a:highlight>
-                <a:srgbClr val="C0C0C0"/>
-              </a:highlight>
-              <a:latin typeface="Consolas"/>
-              <a:cs typeface="Consolas"/>
-              <a:sym typeface="Roboto Medium"/>
-            </a:endParaRPr>
-          </a:p>
-          <a:p>
-            <a:pPr marL="11113" lvl="2" indent="454025">
-              <a:buClr>
-                <a:schemeClr val="dk1"/>
-              </a:buClr>
-              <a:buSzPts val="1100"/>
-            </a:pPr>
-            <a:r>
-              <a:rPr lang="en-US" sz="1800" dirty="0">
-                <a:solidFill>
-                  <a:schemeClr val="dk1"/>
-                </a:solidFill>
-                <a:highlight>
-                  <a:srgbClr val="C0C0C0"/>
-                </a:highlight>
-                <a:latin typeface="Consolas"/>
-                <a:cs typeface="Consolas"/>
-                <a:sym typeface="Roboto Medium"/>
-              </a:rPr>
-              <a:t>git </a:t>
-            </a:r>
-            <a:r>
-              <a:rPr lang="en-US" sz="1800" dirty="0" err="1">
-                <a:solidFill>
-                  <a:schemeClr val="dk1"/>
-                </a:solidFill>
-                <a:highlight>
-                  <a:srgbClr val="C0C0C0"/>
-                </a:highlight>
-                <a:latin typeface="Consolas"/>
-                <a:cs typeface="Consolas"/>
-                <a:sym typeface="Roboto Medium"/>
-              </a:rPr>
-              <a:t>init</a:t>
-            </a:r>
-            <a:endParaRPr lang="en-US" sz="1800" dirty="0">
-              <a:solidFill>
-                <a:schemeClr val="dk1"/>
-              </a:solidFill>
-              <a:highlight>
-                <a:srgbClr val="C0C0C0"/>
-              </a:highlight>
-              <a:latin typeface="Consolas"/>
-              <a:cs typeface="Consolas"/>
-              <a:sym typeface="Roboto Medium"/>
-            </a:endParaRPr>
-          </a:p>
-        </p:txBody>
-      </p:sp>
-      <p:sp>
-        <p:nvSpPr>
-          <p:cNvPr id="2" name="Google Shape;94;ge58bbe3d21_0_49">
-            <a:extLst>
-              <a:ext uri="{FF2B5EF4-FFF2-40B4-BE49-F238E27FC236}">
-                <a16:creationId xmlns:a16="http://schemas.microsoft.com/office/drawing/2014/main" id="{9A66AA1B-FCBC-61D6-E5AE-44544A585300}"/>
-              </a:ext>
-            </a:extLst>
-          </p:cNvPr>
-          <p:cNvSpPr txBox="1">
-            <a:spLocks noGrp="1"/>
-          </p:cNvSpPr>
-          <p:nvPr>
-            <p:ph type="ftr" idx="11"/>
-          </p:nvPr>
-        </p:nvSpPr>
-        <p:spPr>
-          <a:xfrm>
-            <a:off x="4572000" y="6506896"/>
-            <a:ext cx="4114800" cy="365100"/>
-          </a:xfrm>
-          <a:prstGeom prst="rect">
-            <a:avLst/>
-          </a:prstGeom>
-          <a:noFill/>
-          <a:ln>
-            <a:noFill/>
-          </a:ln>
-        </p:spPr>
-        <p:txBody>
-          <a:bodyPr spcFirstLastPara="1" wrap="square" lIns="91425" tIns="45700" rIns="91425" bIns="45700" anchor="ctr" anchorCtr="0">
-            <a:noAutofit/>
-          </a:bodyPr>
-          <a:lstStyle/>
-          <a:p>
-            <a:pPr marL="0" lvl="0" indent="0" algn="r" rtl="0">
-              <a:lnSpc>
-                <a:spcPct val="100000"/>
-              </a:lnSpc>
-              <a:spcBef>
-                <a:spcPts val="0"/>
-              </a:spcBef>
-              <a:spcAft>
-                <a:spcPts val="0"/>
-              </a:spcAft>
-              <a:buSzPts val="1400"/>
-              <a:buNone/>
-            </a:pPr>
-            <a:r>
-              <a:rPr lang="en-US" dirty="0"/>
-              <a:t>Version Control</a:t>
-            </a:r>
-            <a:endParaRPr dirty="0"/>
-          </a:p>
-        </p:txBody>
-      </p:sp>
-    </p:spTree>
-    <p:extLst>
-      <p:ext uri="{BB962C8B-B14F-4D97-AF65-F5344CB8AC3E}">
-        <p14:creationId xmlns:p14="http://schemas.microsoft.com/office/powerpoint/2010/main" val="1866508830"/>
-      </p:ext>
-    </p:extLst>
   </p:cSld>
   <p:clrMapOvr>
     <a:masterClrMapping/>
